--- a/pptx/chap07.pptx
+++ b/pptx/chap07.pptx
@@ -2,27 +2,27 @@
 <file path=ppt/presentation.xml><?xml version="1.0" encoding="utf-8"?>
 <p:presentation xmlns:a="http://schemas.openxmlformats.org/drawingml/2006/main" xmlns:r="http://schemas.openxmlformats.org/officeDocument/2006/relationships" xmlns:p="http://schemas.openxmlformats.org/presentationml/2006/main" saveSubsetFonts="1">
   <p:sldMasterIdLst>
-    <p:sldMasterId id="2147483648" r:id="rId1"/>
+    <p:sldMasterId id="2147483660" r:id="rId1"/>
   </p:sldMasterIdLst>
   <p:notesMasterIdLst>
     <p:notesMasterId r:id="rId8"/>
   </p:notesMasterIdLst>
   <p:sldIdLst>
-    <p:sldId id="273" r:id="rId2"/>
+    <p:sldId id="287" r:id="rId2"/>
     <p:sldId id="274" r:id="rId3"/>
     <p:sldId id="277" r:id="rId4"/>
     <p:sldId id="278" r:id="rId5"/>
     <p:sldId id="279" r:id="rId6"/>
     <p:sldId id="280" r:id="rId7"/>
   </p:sldIdLst>
-  <p:sldSz cx="9144000" cy="6858000" type="screen4x3"/>
+  <p:sldSz cx="12192000" cy="6858000"/>
   <p:notesSz cx="6858000" cy="9144000"/>
   <p:defaultTextStyle>
     <a:defPPr>
-      <a:defRPr lang="ja-JP"/>
+      <a:defRPr lang="en-US"/>
     </a:defPPr>
-    <a:lvl1pPr marL="0" algn="l" defTabSz="914400" rtl="0" eaLnBrk="1" latinLnBrk="0" hangingPunct="1">
-      <a:defRPr kumimoji="1" sz="1800" kern="1200">
+    <a:lvl1pPr marL="0" algn="l" defTabSz="457200" rtl="0" eaLnBrk="1" latinLnBrk="0" hangingPunct="1">
+      <a:defRPr sz="1800" kern="1200">
         <a:solidFill>
           <a:schemeClr val="tx1"/>
         </a:solidFill>
@@ -31,8 +31,8 @@
         <a:cs typeface="+mn-cs"/>
       </a:defRPr>
     </a:lvl1pPr>
-    <a:lvl2pPr marL="457200" algn="l" defTabSz="914400" rtl="0" eaLnBrk="1" latinLnBrk="0" hangingPunct="1">
-      <a:defRPr kumimoji="1" sz="1800" kern="1200">
+    <a:lvl2pPr marL="457200" algn="l" defTabSz="457200" rtl="0" eaLnBrk="1" latinLnBrk="0" hangingPunct="1">
+      <a:defRPr sz="1800" kern="1200">
         <a:solidFill>
           <a:schemeClr val="tx1"/>
         </a:solidFill>
@@ -41,8 +41,8 @@
         <a:cs typeface="+mn-cs"/>
       </a:defRPr>
     </a:lvl2pPr>
-    <a:lvl3pPr marL="914400" algn="l" defTabSz="914400" rtl="0" eaLnBrk="1" latinLnBrk="0" hangingPunct="1">
-      <a:defRPr kumimoji="1" sz="1800" kern="1200">
+    <a:lvl3pPr marL="914400" algn="l" defTabSz="457200" rtl="0" eaLnBrk="1" latinLnBrk="0" hangingPunct="1">
+      <a:defRPr sz="1800" kern="1200">
         <a:solidFill>
           <a:schemeClr val="tx1"/>
         </a:solidFill>
@@ -51,8 +51,8 @@
         <a:cs typeface="+mn-cs"/>
       </a:defRPr>
     </a:lvl3pPr>
-    <a:lvl4pPr marL="1371600" algn="l" defTabSz="914400" rtl="0" eaLnBrk="1" latinLnBrk="0" hangingPunct="1">
-      <a:defRPr kumimoji="1" sz="1800" kern="1200">
+    <a:lvl4pPr marL="1371600" algn="l" defTabSz="457200" rtl="0" eaLnBrk="1" latinLnBrk="0" hangingPunct="1">
+      <a:defRPr sz="1800" kern="1200">
         <a:solidFill>
           <a:schemeClr val="tx1"/>
         </a:solidFill>
@@ -61,8 +61,8 @@
         <a:cs typeface="+mn-cs"/>
       </a:defRPr>
     </a:lvl4pPr>
-    <a:lvl5pPr marL="1828800" algn="l" defTabSz="914400" rtl="0" eaLnBrk="1" latinLnBrk="0" hangingPunct="1">
-      <a:defRPr kumimoji="1" sz="1800" kern="1200">
+    <a:lvl5pPr marL="1828800" algn="l" defTabSz="457200" rtl="0" eaLnBrk="1" latinLnBrk="0" hangingPunct="1">
+      <a:defRPr sz="1800" kern="1200">
         <a:solidFill>
           <a:schemeClr val="tx1"/>
         </a:solidFill>
@@ -71,8 +71,8 @@
         <a:cs typeface="+mn-cs"/>
       </a:defRPr>
     </a:lvl5pPr>
-    <a:lvl6pPr marL="2286000" algn="l" defTabSz="914400" rtl="0" eaLnBrk="1" latinLnBrk="0" hangingPunct="1">
-      <a:defRPr kumimoji="1" sz="1800" kern="1200">
+    <a:lvl6pPr marL="2286000" algn="l" defTabSz="457200" rtl="0" eaLnBrk="1" latinLnBrk="0" hangingPunct="1">
+      <a:defRPr sz="1800" kern="1200">
         <a:solidFill>
           <a:schemeClr val="tx1"/>
         </a:solidFill>
@@ -81,8 +81,8 @@
         <a:cs typeface="+mn-cs"/>
       </a:defRPr>
     </a:lvl6pPr>
-    <a:lvl7pPr marL="2743200" algn="l" defTabSz="914400" rtl="0" eaLnBrk="1" latinLnBrk="0" hangingPunct="1">
-      <a:defRPr kumimoji="1" sz="1800" kern="1200">
+    <a:lvl7pPr marL="2743200" algn="l" defTabSz="457200" rtl="0" eaLnBrk="1" latinLnBrk="0" hangingPunct="1">
+      <a:defRPr sz="1800" kern="1200">
         <a:solidFill>
           <a:schemeClr val="tx1"/>
         </a:solidFill>
@@ -91,8 +91,8 @@
         <a:cs typeface="+mn-cs"/>
       </a:defRPr>
     </a:lvl7pPr>
-    <a:lvl8pPr marL="3200400" algn="l" defTabSz="914400" rtl="0" eaLnBrk="1" latinLnBrk="0" hangingPunct="1">
-      <a:defRPr kumimoji="1" sz="1800" kern="1200">
+    <a:lvl8pPr marL="3200400" algn="l" defTabSz="457200" rtl="0" eaLnBrk="1" latinLnBrk="0" hangingPunct="1">
+      <a:defRPr sz="1800" kern="1200">
         <a:solidFill>
           <a:schemeClr val="tx1"/>
         </a:solidFill>
@@ -101,8 +101,8 @@
         <a:cs typeface="+mn-cs"/>
       </a:defRPr>
     </a:lvl8pPr>
-    <a:lvl9pPr marL="3657600" algn="l" defTabSz="914400" rtl="0" eaLnBrk="1" latinLnBrk="0" hangingPunct="1">
-      <a:defRPr kumimoji="1" sz="1800" kern="1200">
+    <a:lvl9pPr marL="3657600" algn="l" defTabSz="457200" rtl="0" eaLnBrk="1" latinLnBrk="0" hangingPunct="1">
+      <a:defRPr sz="1800" kern="1200">
         <a:solidFill>
           <a:schemeClr val="tx1"/>
         </a:solidFill>
@@ -118,10 +118,6 @@
     </p:ext>
   </p:extLst>
 </p:presentation>
-</file>
-
-<file path=ppt/revisionInfo.xml><?xml version="1.0" encoding="utf-8"?>
-<p1510:revInfo xmlns:a="http://schemas.openxmlformats.org/drawingml/2006/main" xmlns:r="http://schemas.openxmlformats.org/officeDocument/2006/relationships" xmlns:p1510="http://schemas.microsoft.com/office/powerpoint/2015/10/main"/>
 </file>
 
 <file path=ppt/notesMasters/notesMaster1.xml><?xml version="1.0" encoding="utf-8"?>
@@ -206,7 +202,7 @@
           <a:p>
             <a:fld id="{66ADD9D8-CAAE-4FB9-95CC-5F642977867E}" type="datetimeFigureOut">
               <a:rPr kumimoji="1" lang="ja-JP" altLang="en-US" smtClean="0"/>
-              <a:t>2017/9/10</a:t>
+              <a:t>2023/8/25</a:t>
             </a:fld>
             <a:endParaRPr kumimoji="1" lang="ja-JP" altLang="en-US"/>
           </a:p>
@@ -224,8 +220,8 @@
         </p:nvSpPr>
         <p:spPr>
           <a:xfrm>
-            <a:off x="1371600" y="1143000"/>
-            <a:ext cx="4114800" cy="3086100"/>
+            <a:off x="685800" y="1143000"/>
+            <a:ext cx="5486400" cy="3086100"/>
           </a:xfrm>
           <a:prstGeom prst="rect">
             <a:avLst/>
@@ -524,13 +520,7 @@
       </p:grpSpPr>
       <p:sp>
         <p:nvSpPr>
-          <p:cNvPr id="2" name="タイトル 1">
-            <a:extLst>
-              <a:ext uri="{FF2B5EF4-FFF2-40B4-BE49-F238E27FC236}">
-                <a16:creationId xmlns:a16="http://schemas.microsoft.com/office/drawing/2014/main" id="{490F5702-5D73-444E-8951-B738CBD0E5BE}"/>
-              </a:ext>
-            </a:extLst>
-          </p:cNvPr>
+          <p:cNvPr id="2" name="Title 1"/>
           <p:cNvSpPr>
             <a:spLocks noGrp="1"/>
           </p:cNvSpPr>
@@ -540,8 +530,8 @@
         </p:nvSpPr>
         <p:spPr>
           <a:xfrm>
-            <a:off x="1143000" y="1122363"/>
-            <a:ext cx="6858000" cy="2387600"/>
+            <a:off x="1524000" y="1122363"/>
+            <a:ext cx="9144000" cy="2387600"/>
           </a:xfrm>
         </p:spPr>
         <p:txBody>
@@ -553,21 +543,16 @@
           </a:lstStyle>
           <a:p>
             <a:r>
-              <a:rPr kumimoji="1" lang="ja-JP" altLang="en-US"/>
+              <a:rPr lang="ja-JP" altLang="en-US"/>
               <a:t>マスター タイトルの書式設定</a:t>
             </a:r>
-          </a:p>
-        </p:txBody>
-      </p:sp>
-      <p:sp>
-        <p:nvSpPr>
-          <p:cNvPr id="3" name="サブタイトル 2">
-            <a:extLst>
-              <a:ext uri="{FF2B5EF4-FFF2-40B4-BE49-F238E27FC236}">
-                <a16:creationId xmlns:a16="http://schemas.microsoft.com/office/drawing/2014/main" id="{92151FC2-914A-40A1-AFA3-889561BB0D24}"/>
-              </a:ext>
-            </a:extLst>
-          </p:cNvPr>
+            <a:endParaRPr lang="en-US" dirty="0"/>
+          </a:p>
+        </p:txBody>
+      </p:sp>
+      <p:sp>
+        <p:nvSpPr>
+          <p:cNvPr id="3" name="Subtitle 2"/>
           <p:cNvSpPr>
             <a:spLocks noGrp="1"/>
           </p:cNvSpPr>
@@ -577,8 +562,8 @@
         </p:nvSpPr>
         <p:spPr>
           <a:xfrm>
-            <a:off x="1143000" y="3602038"/>
-            <a:ext cx="6858000" cy="1655762"/>
+            <a:off x="1524000" y="3602038"/>
+            <a:ext cx="9144000" cy="1655762"/>
           </a:xfrm>
         </p:spPr>
         <p:txBody>
@@ -623,21 +608,16 @@
           </a:lstStyle>
           <a:p>
             <a:r>
-              <a:rPr kumimoji="1" lang="ja-JP" altLang="en-US"/>
+              <a:rPr lang="ja-JP" altLang="en-US"/>
               <a:t>マスター サブタイトルの書式設定</a:t>
             </a:r>
-          </a:p>
-        </p:txBody>
-      </p:sp>
-      <p:sp>
-        <p:nvSpPr>
-          <p:cNvPr id="4" name="日付プレースホルダー 3">
-            <a:extLst>
-              <a:ext uri="{FF2B5EF4-FFF2-40B4-BE49-F238E27FC236}">
-                <a16:creationId xmlns:a16="http://schemas.microsoft.com/office/drawing/2014/main" id="{A5871356-BBC6-4101-A899-68ED57221D85}"/>
-              </a:ext>
-            </a:extLst>
-          </p:cNvPr>
+            <a:endParaRPr lang="en-US" dirty="0"/>
+          </a:p>
+        </p:txBody>
+      </p:sp>
+      <p:sp>
+        <p:nvSpPr>
+          <p:cNvPr id="4" name="Date Placeholder 3"/>
           <p:cNvSpPr>
             <a:spLocks noGrp="1"/>
           </p:cNvSpPr>
@@ -652,7 +632,7 @@
           <a:p>
             <a:fld id="{BCC3470B-979D-4AC3-9CEF-E2615858CE2E}" type="datetimeFigureOut">
               <a:rPr kumimoji="1" lang="ja-JP" altLang="en-US" smtClean="0"/>
-              <a:t>2017/9/10</a:t>
+              <a:t>2023/8/25</a:t>
             </a:fld>
             <a:endParaRPr kumimoji="1" lang="ja-JP" altLang="en-US"/>
           </a:p>
@@ -660,13 +640,7 @@
       </p:sp>
       <p:sp>
         <p:nvSpPr>
-          <p:cNvPr id="5" name="フッター プレースホルダー 4">
-            <a:extLst>
-              <a:ext uri="{FF2B5EF4-FFF2-40B4-BE49-F238E27FC236}">
-                <a16:creationId xmlns:a16="http://schemas.microsoft.com/office/drawing/2014/main" id="{1A645758-572A-4888-B100-B96321DE5302}"/>
-              </a:ext>
-            </a:extLst>
-          </p:cNvPr>
+          <p:cNvPr id="5" name="Footer Placeholder 4"/>
           <p:cNvSpPr>
             <a:spLocks noGrp="1"/>
           </p:cNvSpPr>
@@ -685,13 +659,7 @@
       </p:sp>
       <p:sp>
         <p:nvSpPr>
-          <p:cNvPr id="6" name="スライド番号プレースホルダー 5">
-            <a:extLst>
-              <a:ext uri="{FF2B5EF4-FFF2-40B4-BE49-F238E27FC236}">
-                <a16:creationId xmlns:a16="http://schemas.microsoft.com/office/drawing/2014/main" id="{EDAF273E-F96B-4748-B86E-108E6C4C6FD0}"/>
-              </a:ext>
-            </a:extLst>
-          </p:cNvPr>
+          <p:cNvPr id="6" name="Slide Number Placeholder 5"/>
           <p:cNvSpPr>
             <a:spLocks noGrp="1"/>
           </p:cNvSpPr>
@@ -715,7 +683,7 @@
     </p:spTree>
     <p:extLst>
       <p:ext uri="{BB962C8B-B14F-4D97-AF65-F5344CB8AC3E}">
-        <p14:creationId xmlns:p14="http://schemas.microsoft.com/office/powerpoint/2010/main" val="816187851"/>
+        <p14:creationId xmlns:p14="http://schemas.microsoft.com/office/powerpoint/2010/main" val="3693594806"/>
       </p:ext>
     </p:extLst>
   </p:cSld>
@@ -744,13 +712,7 @@
       </p:grpSpPr>
       <p:sp>
         <p:nvSpPr>
-          <p:cNvPr id="2" name="タイトル 1">
-            <a:extLst>
-              <a:ext uri="{FF2B5EF4-FFF2-40B4-BE49-F238E27FC236}">
-                <a16:creationId xmlns:a16="http://schemas.microsoft.com/office/drawing/2014/main" id="{19326C56-05B2-4045-A427-F214C2579896}"/>
-              </a:ext>
-            </a:extLst>
-          </p:cNvPr>
+          <p:cNvPr id="2" name="Title 1"/>
           <p:cNvSpPr>
             <a:spLocks noGrp="1"/>
           </p:cNvSpPr>
@@ -764,21 +726,16 @@
           <a:lstStyle/>
           <a:p>
             <a:r>
-              <a:rPr kumimoji="1" lang="ja-JP" altLang="en-US"/>
+              <a:rPr lang="ja-JP" altLang="en-US"/>
               <a:t>マスター タイトルの書式設定</a:t>
             </a:r>
-          </a:p>
-        </p:txBody>
-      </p:sp>
-      <p:sp>
-        <p:nvSpPr>
-          <p:cNvPr id="3" name="縦書きテキスト プレースホルダー 2">
-            <a:extLst>
-              <a:ext uri="{FF2B5EF4-FFF2-40B4-BE49-F238E27FC236}">
-                <a16:creationId xmlns:a16="http://schemas.microsoft.com/office/drawing/2014/main" id="{CF53802B-347E-4462-8C96-469EB0800092}"/>
-              </a:ext>
-            </a:extLst>
-          </p:cNvPr>
+            <a:endParaRPr lang="en-US" dirty="0"/>
+          </a:p>
+        </p:txBody>
+      </p:sp>
+      <p:sp>
+        <p:nvSpPr>
+          <p:cNvPr id="3" name="Vertical Text Placeholder 2"/>
           <p:cNvSpPr>
             <a:spLocks noGrp="1"/>
           </p:cNvSpPr>
@@ -793,81 +750,76 @@
           <a:p>
             <a:pPr lvl="0"/>
             <a:r>
-              <a:rPr kumimoji="1" lang="ja-JP" altLang="en-US"/>
+              <a:rPr lang="ja-JP" altLang="en-US"/>
               <a:t>マスター テキストの書式設定</a:t>
             </a:r>
           </a:p>
           <a:p>
             <a:pPr lvl="1"/>
             <a:r>
-              <a:rPr kumimoji="1" lang="ja-JP" altLang="en-US"/>
+              <a:rPr lang="ja-JP" altLang="en-US"/>
               <a:t>第 </a:t>
             </a:r>
             <a:r>
-              <a:rPr kumimoji="1" lang="en-US" altLang="ja-JP"/>
+              <a:rPr lang="en-US" altLang="ja-JP"/>
               <a:t>2 </a:t>
             </a:r>
             <a:r>
-              <a:rPr kumimoji="1" lang="ja-JP" altLang="en-US"/>
+              <a:rPr lang="ja-JP" altLang="en-US"/>
               <a:t>レベル</a:t>
             </a:r>
           </a:p>
           <a:p>
             <a:pPr lvl="2"/>
             <a:r>
-              <a:rPr kumimoji="1" lang="ja-JP" altLang="en-US"/>
+              <a:rPr lang="ja-JP" altLang="en-US"/>
               <a:t>第 </a:t>
             </a:r>
             <a:r>
-              <a:rPr kumimoji="1" lang="en-US" altLang="ja-JP"/>
+              <a:rPr lang="en-US" altLang="ja-JP"/>
               <a:t>3 </a:t>
             </a:r>
             <a:r>
-              <a:rPr kumimoji="1" lang="ja-JP" altLang="en-US"/>
+              <a:rPr lang="ja-JP" altLang="en-US"/>
               <a:t>レベル</a:t>
             </a:r>
           </a:p>
           <a:p>
             <a:pPr lvl="3"/>
             <a:r>
-              <a:rPr kumimoji="1" lang="ja-JP" altLang="en-US"/>
+              <a:rPr lang="ja-JP" altLang="en-US"/>
               <a:t>第 </a:t>
             </a:r>
             <a:r>
-              <a:rPr kumimoji="1" lang="en-US" altLang="ja-JP"/>
+              <a:rPr lang="en-US" altLang="ja-JP"/>
               <a:t>4 </a:t>
             </a:r>
             <a:r>
-              <a:rPr kumimoji="1" lang="ja-JP" altLang="en-US"/>
+              <a:rPr lang="ja-JP" altLang="en-US"/>
               <a:t>レベル</a:t>
             </a:r>
           </a:p>
           <a:p>
             <a:pPr lvl="4"/>
             <a:r>
-              <a:rPr kumimoji="1" lang="ja-JP" altLang="en-US"/>
+              <a:rPr lang="ja-JP" altLang="en-US"/>
               <a:t>第 </a:t>
             </a:r>
             <a:r>
-              <a:rPr kumimoji="1" lang="en-US" altLang="ja-JP"/>
+              <a:rPr lang="en-US" altLang="ja-JP"/>
               <a:t>5 </a:t>
             </a:r>
             <a:r>
-              <a:rPr kumimoji="1" lang="ja-JP" altLang="en-US"/>
+              <a:rPr lang="ja-JP" altLang="en-US"/>
               <a:t>レベル</a:t>
             </a:r>
-          </a:p>
-        </p:txBody>
-      </p:sp>
-      <p:sp>
-        <p:nvSpPr>
-          <p:cNvPr id="4" name="日付プレースホルダー 3">
-            <a:extLst>
-              <a:ext uri="{FF2B5EF4-FFF2-40B4-BE49-F238E27FC236}">
-                <a16:creationId xmlns:a16="http://schemas.microsoft.com/office/drawing/2014/main" id="{8784DDE4-33A8-4813-93FC-E4AD3B1CE7AD}"/>
-              </a:ext>
-            </a:extLst>
-          </p:cNvPr>
+            <a:endParaRPr lang="en-US" dirty="0"/>
+          </a:p>
+        </p:txBody>
+      </p:sp>
+      <p:sp>
+        <p:nvSpPr>
+          <p:cNvPr id="4" name="Date Placeholder 3"/>
           <p:cNvSpPr>
             <a:spLocks noGrp="1"/>
           </p:cNvSpPr>
@@ -882,7 +834,7 @@
           <a:p>
             <a:fld id="{BCC3470B-979D-4AC3-9CEF-E2615858CE2E}" type="datetimeFigureOut">
               <a:rPr kumimoji="1" lang="ja-JP" altLang="en-US" smtClean="0"/>
-              <a:t>2017/9/10</a:t>
+              <a:t>2023/8/25</a:t>
             </a:fld>
             <a:endParaRPr kumimoji="1" lang="ja-JP" altLang="en-US"/>
           </a:p>
@@ -890,13 +842,7 @@
       </p:sp>
       <p:sp>
         <p:nvSpPr>
-          <p:cNvPr id="5" name="フッター プレースホルダー 4">
-            <a:extLst>
-              <a:ext uri="{FF2B5EF4-FFF2-40B4-BE49-F238E27FC236}">
-                <a16:creationId xmlns:a16="http://schemas.microsoft.com/office/drawing/2014/main" id="{E3502423-BA24-4C5A-B6C2-E8442A0053D1}"/>
-              </a:ext>
-            </a:extLst>
-          </p:cNvPr>
+          <p:cNvPr id="5" name="Footer Placeholder 4"/>
           <p:cNvSpPr>
             <a:spLocks noGrp="1"/>
           </p:cNvSpPr>
@@ -915,13 +861,7 @@
       </p:sp>
       <p:sp>
         <p:nvSpPr>
-          <p:cNvPr id="6" name="スライド番号プレースホルダー 5">
-            <a:extLst>
-              <a:ext uri="{FF2B5EF4-FFF2-40B4-BE49-F238E27FC236}">
-                <a16:creationId xmlns:a16="http://schemas.microsoft.com/office/drawing/2014/main" id="{F2781BD3-6ED3-44FD-8E72-04E946C69C01}"/>
-              </a:ext>
-            </a:extLst>
-          </p:cNvPr>
+          <p:cNvPr id="6" name="Slide Number Placeholder 5"/>
           <p:cNvSpPr>
             <a:spLocks noGrp="1"/>
           </p:cNvSpPr>
@@ -945,7 +885,7 @@
     </p:spTree>
     <p:extLst>
       <p:ext uri="{BB962C8B-B14F-4D97-AF65-F5344CB8AC3E}">
-        <p14:creationId xmlns:p14="http://schemas.microsoft.com/office/powerpoint/2010/main" val="397647011"/>
+        <p14:creationId xmlns:p14="http://schemas.microsoft.com/office/powerpoint/2010/main" val="610276255"/>
       </p:ext>
     </p:extLst>
   </p:cSld>
@@ -974,13 +914,7 @@
       </p:grpSpPr>
       <p:sp>
         <p:nvSpPr>
-          <p:cNvPr id="2" name="縦書きタイトル 1">
-            <a:extLst>
-              <a:ext uri="{FF2B5EF4-FFF2-40B4-BE49-F238E27FC236}">
-                <a16:creationId xmlns:a16="http://schemas.microsoft.com/office/drawing/2014/main" id="{017A9D40-9D15-450D-82F8-D655384016D5}"/>
-              </a:ext>
-            </a:extLst>
-          </p:cNvPr>
+          <p:cNvPr id="2" name="Vertical Title 1"/>
           <p:cNvSpPr>
             <a:spLocks noGrp="1"/>
           </p:cNvSpPr>
@@ -990,8 +924,8 @@
         </p:nvSpPr>
         <p:spPr>
           <a:xfrm>
-            <a:off x="6543675" y="365125"/>
-            <a:ext cx="1971675" cy="5811838"/>
+            <a:off x="8724900" y="365125"/>
+            <a:ext cx="2628900" cy="5811838"/>
           </a:xfrm>
         </p:spPr>
         <p:txBody>
@@ -999,21 +933,16 @@
           <a:lstStyle/>
           <a:p>
             <a:r>
-              <a:rPr kumimoji="1" lang="ja-JP" altLang="en-US"/>
+              <a:rPr lang="ja-JP" altLang="en-US"/>
               <a:t>マスター タイトルの書式設定</a:t>
             </a:r>
-          </a:p>
-        </p:txBody>
-      </p:sp>
-      <p:sp>
-        <p:nvSpPr>
-          <p:cNvPr id="3" name="縦書きテキスト プレースホルダー 2">
-            <a:extLst>
-              <a:ext uri="{FF2B5EF4-FFF2-40B4-BE49-F238E27FC236}">
-                <a16:creationId xmlns:a16="http://schemas.microsoft.com/office/drawing/2014/main" id="{5DAC8398-BD6E-46E7-9AD6-7AFEC6690000}"/>
-              </a:ext>
-            </a:extLst>
-          </p:cNvPr>
+            <a:endParaRPr lang="en-US" dirty="0"/>
+          </a:p>
+        </p:txBody>
+      </p:sp>
+      <p:sp>
+        <p:nvSpPr>
+          <p:cNvPr id="3" name="Vertical Text Placeholder 2"/>
           <p:cNvSpPr>
             <a:spLocks noGrp="1"/>
           </p:cNvSpPr>
@@ -1023,8 +952,8 @@
         </p:nvSpPr>
         <p:spPr>
           <a:xfrm>
-            <a:off x="628650" y="365125"/>
-            <a:ext cx="5800725" cy="5811838"/>
+            <a:off x="838200" y="365125"/>
+            <a:ext cx="7734300" cy="5811838"/>
           </a:xfrm>
         </p:spPr>
         <p:txBody>
@@ -1033,81 +962,76 @@
           <a:p>
             <a:pPr lvl="0"/>
             <a:r>
-              <a:rPr kumimoji="1" lang="ja-JP" altLang="en-US"/>
+              <a:rPr lang="ja-JP" altLang="en-US"/>
               <a:t>マスター テキストの書式設定</a:t>
             </a:r>
           </a:p>
           <a:p>
             <a:pPr lvl="1"/>
             <a:r>
-              <a:rPr kumimoji="1" lang="ja-JP" altLang="en-US"/>
+              <a:rPr lang="ja-JP" altLang="en-US"/>
               <a:t>第 </a:t>
             </a:r>
             <a:r>
-              <a:rPr kumimoji="1" lang="en-US" altLang="ja-JP"/>
+              <a:rPr lang="en-US" altLang="ja-JP"/>
               <a:t>2 </a:t>
             </a:r>
             <a:r>
-              <a:rPr kumimoji="1" lang="ja-JP" altLang="en-US"/>
+              <a:rPr lang="ja-JP" altLang="en-US"/>
               <a:t>レベル</a:t>
             </a:r>
           </a:p>
           <a:p>
             <a:pPr lvl="2"/>
             <a:r>
-              <a:rPr kumimoji="1" lang="ja-JP" altLang="en-US"/>
+              <a:rPr lang="ja-JP" altLang="en-US"/>
               <a:t>第 </a:t>
             </a:r>
             <a:r>
-              <a:rPr kumimoji="1" lang="en-US" altLang="ja-JP"/>
+              <a:rPr lang="en-US" altLang="ja-JP"/>
               <a:t>3 </a:t>
             </a:r>
             <a:r>
-              <a:rPr kumimoji="1" lang="ja-JP" altLang="en-US"/>
+              <a:rPr lang="ja-JP" altLang="en-US"/>
               <a:t>レベル</a:t>
             </a:r>
           </a:p>
           <a:p>
             <a:pPr lvl="3"/>
             <a:r>
-              <a:rPr kumimoji="1" lang="ja-JP" altLang="en-US"/>
+              <a:rPr lang="ja-JP" altLang="en-US"/>
               <a:t>第 </a:t>
             </a:r>
             <a:r>
-              <a:rPr kumimoji="1" lang="en-US" altLang="ja-JP"/>
+              <a:rPr lang="en-US" altLang="ja-JP"/>
               <a:t>4 </a:t>
             </a:r>
             <a:r>
-              <a:rPr kumimoji="1" lang="ja-JP" altLang="en-US"/>
+              <a:rPr lang="ja-JP" altLang="en-US"/>
               <a:t>レベル</a:t>
             </a:r>
           </a:p>
           <a:p>
             <a:pPr lvl="4"/>
             <a:r>
-              <a:rPr kumimoji="1" lang="ja-JP" altLang="en-US"/>
+              <a:rPr lang="ja-JP" altLang="en-US"/>
               <a:t>第 </a:t>
             </a:r>
             <a:r>
-              <a:rPr kumimoji="1" lang="en-US" altLang="ja-JP"/>
+              <a:rPr lang="en-US" altLang="ja-JP"/>
               <a:t>5 </a:t>
             </a:r>
             <a:r>
-              <a:rPr kumimoji="1" lang="ja-JP" altLang="en-US"/>
+              <a:rPr lang="ja-JP" altLang="en-US"/>
               <a:t>レベル</a:t>
             </a:r>
-          </a:p>
-        </p:txBody>
-      </p:sp>
-      <p:sp>
-        <p:nvSpPr>
-          <p:cNvPr id="4" name="日付プレースホルダー 3">
-            <a:extLst>
-              <a:ext uri="{FF2B5EF4-FFF2-40B4-BE49-F238E27FC236}">
-                <a16:creationId xmlns:a16="http://schemas.microsoft.com/office/drawing/2014/main" id="{6FDBFB86-749B-427D-A94D-7E724F8A4B87}"/>
-              </a:ext>
-            </a:extLst>
-          </p:cNvPr>
+            <a:endParaRPr lang="en-US" dirty="0"/>
+          </a:p>
+        </p:txBody>
+      </p:sp>
+      <p:sp>
+        <p:nvSpPr>
+          <p:cNvPr id="4" name="Date Placeholder 3"/>
           <p:cNvSpPr>
             <a:spLocks noGrp="1"/>
           </p:cNvSpPr>
@@ -1122,7 +1046,7 @@
           <a:p>
             <a:fld id="{BCC3470B-979D-4AC3-9CEF-E2615858CE2E}" type="datetimeFigureOut">
               <a:rPr kumimoji="1" lang="ja-JP" altLang="en-US" smtClean="0"/>
-              <a:t>2017/9/10</a:t>
+              <a:t>2023/8/25</a:t>
             </a:fld>
             <a:endParaRPr kumimoji="1" lang="ja-JP" altLang="en-US"/>
           </a:p>
@@ -1130,13 +1054,7 @@
       </p:sp>
       <p:sp>
         <p:nvSpPr>
-          <p:cNvPr id="5" name="フッター プレースホルダー 4">
-            <a:extLst>
-              <a:ext uri="{FF2B5EF4-FFF2-40B4-BE49-F238E27FC236}">
-                <a16:creationId xmlns:a16="http://schemas.microsoft.com/office/drawing/2014/main" id="{46D97FC8-D55E-481F-831E-8B0923FAC4A8}"/>
-              </a:ext>
-            </a:extLst>
-          </p:cNvPr>
+          <p:cNvPr id="5" name="Footer Placeholder 4"/>
           <p:cNvSpPr>
             <a:spLocks noGrp="1"/>
           </p:cNvSpPr>
@@ -1155,13 +1073,7 @@
       </p:sp>
       <p:sp>
         <p:nvSpPr>
-          <p:cNvPr id="6" name="スライド番号プレースホルダー 5">
-            <a:extLst>
-              <a:ext uri="{FF2B5EF4-FFF2-40B4-BE49-F238E27FC236}">
-                <a16:creationId xmlns:a16="http://schemas.microsoft.com/office/drawing/2014/main" id="{00D79B48-AC5C-4428-AC16-9C5205B7981C}"/>
-              </a:ext>
-            </a:extLst>
-          </p:cNvPr>
+          <p:cNvPr id="6" name="Slide Number Placeholder 5"/>
           <p:cNvSpPr>
             <a:spLocks noGrp="1"/>
           </p:cNvSpPr>
@@ -1185,7 +1097,7 @@
     </p:spTree>
     <p:extLst>
       <p:ext uri="{BB962C8B-B14F-4D97-AF65-F5344CB8AC3E}">
-        <p14:creationId xmlns:p14="http://schemas.microsoft.com/office/powerpoint/2010/main" val="1659054291"/>
+        <p14:creationId xmlns:p14="http://schemas.microsoft.com/office/powerpoint/2010/main" val="1438424880"/>
       </p:ext>
     </p:extLst>
   </p:cSld>
@@ -1214,13 +1126,7 @@
       </p:grpSpPr>
       <p:sp>
         <p:nvSpPr>
-          <p:cNvPr id="2" name="タイトル 1">
-            <a:extLst>
-              <a:ext uri="{FF2B5EF4-FFF2-40B4-BE49-F238E27FC236}">
-                <a16:creationId xmlns:a16="http://schemas.microsoft.com/office/drawing/2014/main" id="{758DFCA2-5DB0-4083-8B4C-8DE6F01C0D39}"/>
-              </a:ext>
-            </a:extLst>
-          </p:cNvPr>
+          <p:cNvPr id="2" name="Title 1"/>
           <p:cNvSpPr>
             <a:spLocks noGrp="1"/>
           </p:cNvSpPr>
@@ -1234,21 +1140,16 @@
           <a:lstStyle/>
           <a:p>
             <a:r>
-              <a:rPr kumimoji="1" lang="ja-JP" altLang="en-US"/>
+              <a:rPr lang="ja-JP" altLang="en-US"/>
               <a:t>マスター タイトルの書式設定</a:t>
             </a:r>
-          </a:p>
-        </p:txBody>
-      </p:sp>
-      <p:sp>
-        <p:nvSpPr>
-          <p:cNvPr id="3" name="コンテンツ プレースホルダー 2">
-            <a:extLst>
-              <a:ext uri="{FF2B5EF4-FFF2-40B4-BE49-F238E27FC236}">
-                <a16:creationId xmlns:a16="http://schemas.microsoft.com/office/drawing/2014/main" id="{FFBDDB16-CBD2-4229-9A15-50C8AE44729F}"/>
-              </a:ext>
-            </a:extLst>
-          </p:cNvPr>
+            <a:endParaRPr lang="en-US" dirty="0"/>
+          </a:p>
+        </p:txBody>
+      </p:sp>
+      <p:sp>
+        <p:nvSpPr>
+          <p:cNvPr id="3" name="Content Placeholder 2"/>
           <p:cNvSpPr>
             <a:spLocks noGrp="1"/>
           </p:cNvSpPr>
@@ -1263,81 +1164,76 @@
           <a:p>
             <a:pPr lvl="0"/>
             <a:r>
-              <a:rPr kumimoji="1" lang="ja-JP" altLang="en-US"/>
+              <a:rPr lang="ja-JP" altLang="en-US"/>
               <a:t>マスター テキストの書式設定</a:t>
             </a:r>
           </a:p>
           <a:p>
             <a:pPr lvl="1"/>
             <a:r>
-              <a:rPr kumimoji="1" lang="ja-JP" altLang="en-US"/>
+              <a:rPr lang="ja-JP" altLang="en-US"/>
               <a:t>第 </a:t>
             </a:r>
             <a:r>
-              <a:rPr kumimoji="1" lang="en-US" altLang="ja-JP"/>
+              <a:rPr lang="en-US" altLang="ja-JP"/>
               <a:t>2 </a:t>
             </a:r>
             <a:r>
-              <a:rPr kumimoji="1" lang="ja-JP" altLang="en-US"/>
+              <a:rPr lang="ja-JP" altLang="en-US"/>
               <a:t>レベル</a:t>
             </a:r>
           </a:p>
           <a:p>
             <a:pPr lvl="2"/>
             <a:r>
-              <a:rPr kumimoji="1" lang="ja-JP" altLang="en-US"/>
+              <a:rPr lang="ja-JP" altLang="en-US"/>
               <a:t>第 </a:t>
             </a:r>
             <a:r>
-              <a:rPr kumimoji="1" lang="en-US" altLang="ja-JP"/>
+              <a:rPr lang="en-US" altLang="ja-JP"/>
               <a:t>3 </a:t>
             </a:r>
             <a:r>
-              <a:rPr kumimoji="1" lang="ja-JP" altLang="en-US"/>
+              <a:rPr lang="ja-JP" altLang="en-US"/>
               <a:t>レベル</a:t>
             </a:r>
           </a:p>
           <a:p>
             <a:pPr lvl="3"/>
             <a:r>
-              <a:rPr kumimoji="1" lang="ja-JP" altLang="en-US"/>
+              <a:rPr lang="ja-JP" altLang="en-US"/>
               <a:t>第 </a:t>
             </a:r>
             <a:r>
-              <a:rPr kumimoji="1" lang="en-US" altLang="ja-JP"/>
+              <a:rPr lang="en-US" altLang="ja-JP"/>
               <a:t>4 </a:t>
             </a:r>
             <a:r>
-              <a:rPr kumimoji="1" lang="ja-JP" altLang="en-US"/>
+              <a:rPr lang="ja-JP" altLang="en-US"/>
               <a:t>レベル</a:t>
             </a:r>
           </a:p>
           <a:p>
             <a:pPr lvl="4"/>
             <a:r>
-              <a:rPr kumimoji="1" lang="ja-JP" altLang="en-US"/>
+              <a:rPr lang="ja-JP" altLang="en-US"/>
               <a:t>第 </a:t>
             </a:r>
             <a:r>
-              <a:rPr kumimoji="1" lang="en-US" altLang="ja-JP"/>
+              <a:rPr lang="en-US" altLang="ja-JP"/>
               <a:t>5 </a:t>
             </a:r>
             <a:r>
-              <a:rPr kumimoji="1" lang="ja-JP" altLang="en-US"/>
+              <a:rPr lang="ja-JP" altLang="en-US"/>
               <a:t>レベル</a:t>
             </a:r>
-          </a:p>
-        </p:txBody>
-      </p:sp>
-      <p:sp>
-        <p:nvSpPr>
-          <p:cNvPr id="4" name="日付プレースホルダー 3">
-            <a:extLst>
-              <a:ext uri="{FF2B5EF4-FFF2-40B4-BE49-F238E27FC236}">
-                <a16:creationId xmlns:a16="http://schemas.microsoft.com/office/drawing/2014/main" id="{66DBD40E-5A76-4B4A-929F-470B9C12BFEE}"/>
-              </a:ext>
-            </a:extLst>
-          </p:cNvPr>
+            <a:endParaRPr lang="en-US" dirty="0"/>
+          </a:p>
+        </p:txBody>
+      </p:sp>
+      <p:sp>
+        <p:nvSpPr>
+          <p:cNvPr id="4" name="Date Placeholder 3"/>
           <p:cNvSpPr>
             <a:spLocks noGrp="1"/>
           </p:cNvSpPr>
@@ -1352,7 +1248,7 @@
           <a:p>
             <a:fld id="{BCC3470B-979D-4AC3-9CEF-E2615858CE2E}" type="datetimeFigureOut">
               <a:rPr kumimoji="1" lang="ja-JP" altLang="en-US" smtClean="0"/>
-              <a:t>2017/9/10</a:t>
+              <a:t>2023/8/25</a:t>
             </a:fld>
             <a:endParaRPr kumimoji="1" lang="ja-JP" altLang="en-US"/>
           </a:p>
@@ -1360,13 +1256,7 @@
       </p:sp>
       <p:sp>
         <p:nvSpPr>
-          <p:cNvPr id="5" name="フッター プレースホルダー 4">
-            <a:extLst>
-              <a:ext uri="{FF2B5EF4-FFF2-40B4-BE49-F238E27FC236}">
-                <a16:creationId xmlns:a16="http://schemas.microsoft.com/office/drawing/2014/main" id="{C4CE8CE3-F56A-499A-9503-84B870215EF8}"/>
-              </a:ext>
-            </a:extLst>
-          </p:cNvPr>
+          <p:cNvPr id="5" name="Footer Placeholder 4"/>
           <p:cNvSpPr>
             <a:spLocks noGrp="1"/>
           </p:cNvSpPr>
@@ -1385,13 +1275,7 @@
       </p:sp>
       <p:sp>
         <p:nvSpPr>
-          <p:cNvPr id="6" name="スライド番号プレースホルダー 5">
-            <a:extLst>
-              <a:ext uri="{FF2B5EF4-FFF2-40B4-BE49-F238E27FC236}">
-                <a16:creationId xmlns:a16="http://schemas.microsoft.com/office/drawing/2014/main" id="{D922B388-1193-4540-9148-7A8F8D10B037}"/>
-              </a:ext>
-            </a:extLst>
-          </p:cNvPr>
+          <p:cNvPr id="6" name="Slide Number Placeholder 5"/>
           <p:cNvSpPr>
             <a:spLocks noGrp="1"/>
           </p:cNvSpPr>
@@ -1415,7 +1299,7 @@
     </p:spTree>
     <p:extLst>
       <p:ext uri="{BB962C8B-B14F-4D97-AF65-F5344CB8AC3E}">
-        <p14:creationId xmlns:p14="http://schemas.microsoft.com/office/powerpoint/2010/main" val="3885293980"/>
+        <p14:creationId xmlns:p14="http://schemas.microsoft.com/office/powerpoint/2010/main" val="1909642984"/>
       </p:ext>
     </p:extLst>
   </p:cSld>
@@ -1444,13 +1328,7 @@
       </p:grpSpPr>
       <p:sp>
         <p:nvSpPr>
-          <p:cNvPr id="2" name="タイトル 1">
-            <a:extLst>
-              <a:ext uri="{FF2B5EF4-FFF2-40B4-BE49-F238E27FC236}">
-                <a16:creationId xmlns:a16="http://schemas.microsoft.com/office/drawing/2014/main" id="{08E6B0ED-6C85-42C7-A913-4B82433E7B70}"/>
-              </a:ext>
-            </a:extLst>
-          </p:cNvPr>
+          <p:cNvPr id="2" name="Title 1"/>
           <p:cNvSpPr>
             <a:spLocks noGrp="1"/>
           </p:cNvSpPr>
@@ -1460,8 +1338,8 @@
         </p:nvSpPr>
         <p:spPr>
           <a:xfrm>
-            <a:off x="623888" y="1709739"/>
-            <a:ext cx="7886700" cy="2852737"/>
+            <a:off x="831850" y="1709738"/>
+            <a:ext cx="10515600" cy="2852737"/>
           </a:xfrm>
         </p:spPr>
         <p:txBody>
@@ -1473,21 +1351,16 @@
           </a:lstStyle>
           <a:p>
             <a:r>
-              <a:rPr kumimoji="1" lang="ja-JP" altLang="en-US"/>
+              <a:rPr lang="ja-JP" altLang="en-US"/>
               <a:t>マスター タイトルの書式設定</a:t>
             </a:r>
-          </a:p>
-        </p:txBody>
-      </p:sp>
-      <p:sp>
-        <p:nvSpPr>
-          <p:cNvPr id="3" name="テキスト プレースホルダー 2">
-            <a:extLst>
-              <a:ext uri="{FF2B5EF4-FFF2-40B4-BE49-F238E27FC236}">
-                <a16:creationId xmlns:a16="http://schemas.microsoft.com/office/drawing/2014/main" id="{246121B5-1DE4-4D5A-91F2-C7E49C42F30B}"/>
-              </a:ext>
-            </a:extLst>
-          </p:cNvPr>
+            <a:endParaRPr lang="en-US" dirty="0"/>
+          </a:p>
+        </p:txBody>
+      </p:sp>
+      <p:sp>
+        <p:nvSpPr>
+          <p:cNvPr id="3" name="Text Placeholder 2"/>
           <p:cNvSpPr>
             <a:spLocks noGrp="1"/>
           </p:cNvSpPr>
@@ -1497,8 +1370,8 @@
         </p:nvSpPr>
         <p:spPr>
           <a:xfrm>
-            <a:off x="623888" y="4589464"/>
-            <a:ext cx="7886700" cy="1500187"/>
+            <a:off x="831850" y="4589463"/>
+            <a:ext cx="10515600" cy="1500187"/>
           </a:xfrm>
         </p:spPr>
         <p:txBody>
@@ -1598,7 +1471,7 @@
           <a:p>
             <a:pPr lvl="0"/>
             <a:r>
-              <a:rPr kumimoji="1" lang="ja-JP" altLang="en-US"/>
+              <a:rPr lang="ja-JP" altLang="en-US"/>
               <a:t>マスター テキストの書式設定</a:t>
             </a:r>
           </a:p>
@@ -1606,13 +1479,7 @@
       </p:sp>
       <p:sp>
         <p:nvSpPr>
-          <p:cNvPr id="4" name="日付プレースホルダー 3">
-            <a:extLst>
-              <a:ext uri="{FF2B5EF4-FFF2-40B4-BE49-F238E27FC236}">
-                <a16:creationId xmlns:a16="http://schemas.microsoft.com/office/drawing/2014/main" id="{554E865C-62F8-48F9-B5FF-DA5BC3EF1A2F}"/>
-              </a:ext>
-            </a:extLst>
-          </p:cNvPr>
+          <p:cNvPr id="4" name="Date Placeholder 3"/>
           <p:cNvSpPr>
             <a:spLocks noGrp="1"/>
           </p:cNvSpPr>
@@ -1627,7 +1494,7 @@
           <a:p>
             <a:fld id="{BCC3470B-979D-4AC3-9CEF-E2615858CE2E}" type="datetimeFigureOut">
               <a:rPr kumimoji="1" lang="ja-JP" altLang="en-US" smtClean="0"/>
-              <a:t>2017/9/10</a:t>
+              <a:t>2023/8/25</a:t>
             </a:fld>
             <a:endParaRPr kumimoji="1" lang="ja-JP" altLang="en-US"/>
           </a:p>
@@ -1635,13 +1502,7 @@
       </p:sp>
       <p:sp>
         <p:nvSpPr>
-          <p:cNvPr id="5" name="フッター プレースホルダー 4">
-            <a:extLst>
-              <a:ext uri="{FF2B5EF4-FFF2-40B4-BE49-F238E27FC236}">
-                <a16:creationId xmlns:a16="http://schemas.microsoft.com/office/drawing/2014/main" id="{01BA77F4-B8A8-433C-946F-4ABCE1772AC8}"/>
-              </a:ext>
-            </a:extLst>
-          </p:cNvPr>
+          <p:cNvPr id="5" name="Footer Placeholder 4"/>
           <p:cNvSpPr>
             <a:spLocks noGrp="1"/>
           </p:cNvSpPr>
@@ -1660,13 +1521,7 @@
       </p:sp>
       <p:sp>
         <p:nvSpPr>
-          <p:cNvPr id="6" name="スライド番号プレースホルダー 5">
-            <a:extLst>
-              <a:ext uri="{FF2B5EF4-FFF2-40B4-BE49-F238E27FC236}">
-                <a16:creationId xmlns:a16="http://schemas.microsoft.com/office/drawing/2014/main" id="{9E6B1CEE-CC91-4610-81F7-D40D5BF90C69}"/>
-              </a:ext>
-            </a:extLst>
-          </p:cNvPr>
+          <p:cNvPr id="6" name="Slide Number Placeholder 5"/>
           <p:cNvSpPr>
             <a:spLocks noGrp="1"/>
           </p:cNvSpPr>
@@ -1690,7 +1545,7 @@
     </p:spTree>
     <p:extLst>
       <p:ext uri="{BB962C8B-B14F-4D97-AF65-F5344CB8AC3E}">
-        <p14:creationId xmlns:p14="http://schemas.microsoft.com/office/powerpoint/2010/main" val="3050166243"/>
+        <p14:creationId xmlns:p14="http://schemas.microsoft.com/office/powerpoint/2010/main" val="701666793"/>
       </p:ext>
     </p:extLst>
   </p:cSld>
@@ -1719,13 +1574,7 @@
       </p:grpSpPr>
       <p:sp>
         <p:nvSpPr>
-          <p:cNvPr id="2" name="タイトル 1">
-            <a:extLst>
-              <a:ext uri="{FF2B5EF4-FFF2-40B4-BE49-F238E27FC236}">
-                <a16:creationId xmlns:a16="http://schemas.microsoft.com/office/drawing/2014/main" id="{6DF9C5A6-3160-47E1-9F76-C0517AE74B65}"/>
-              </a:ext>
-            </a:extLst>
-          </p:cNvPr>
+          <p:cNvPr id="2" name="Title 1"/>
           <p:cNvSpPr>
             <a:spLocks noGrp="1"/>
           </p:cNvSpPr>
@@ -1739,21 +1588,16 @@
           <a:lstStyle/>
           <a:p>
             <a:r>
-              <a:rPr kumimoji="1" lang="ja-JP" altLang="en-US"/>
+              <a:rPr lang="ja-JP" altLang="en-US"/>
               <a:t>マスター タイトルの書式設定</a:t>
             </a:r>
-          </a:p>
-        </p:txBody>
-      </p:sp>
-      <p:sp>
-        <p:nvSpPr>
-          <p:cNvPr id="3" name="コンテンツ プレースホルダー 2">
-            <a:extLst>
-              <a:ext uri="{FF2B5EF4-FFF2-40B4-BE49-F238E27FC236}">
-                <a16:creationId xmlns:a16="http://schemas.microsoft.com/office/drawing/2014/main" id="{E1CFB188-D041-4220-AC8D-BC555D2B95A5}"/>
-              </a:ext>
-            </a:extLst>
-          </p:cNvPr>
+            <a:endParaRPr lang="en-US" dirty="0"/>
+          </a:p>
+        </p:txBody>
+      </p:sp>
+      <p:sp>
+        <p:nvSpPr>
+          <p:cNvPr id="3" name="Content Placeholder 2"/>
           <p:cNvSpPr>
             <a:spLocks noGrp="1"/>
           </p:cNvSpPr>
@@ -1763,8 +1607,8 @@
         </p:nvSpPr>
         <p:spPr>
           <a:xfrm>
-            <a:off x="628650" y="1825625"/>
-            <a:ext cx="3886200" cy="4351338"/>
+            <a:off x="838200" y="1825625"/>
+            <a:ext cx="5181600" cy="4351338"/>
           </a:xfrm>
         </p:spPr>
         <p:txBody>
@@ -1773,81 +1617,76 @@
           <a:p>
             <a:pPr lvl="0"/>
             <a:r>
-              <a:rPr kumimoji="1" lang="ja-JP" altLang="en-US"/>
+              <a:rPr lang="ja-JP" altLang="en-US"/>
               <a:t>マスター テキストの書式設定</a:t>
             </a:r>
           </a:p>
           <a:p>
             <a:pPr lvl="1"/>
             <a:r>
-              <a:rPr kumimoji="1" lang="ja-JP" altLang="en-US"/>
+              <a:rPr lang="ja-JP" altLang="en-US"/>
               <a:t>第 </a:t>
             </a:r>
             <a:r>
-              <a:rPr kumimoji="1" lang="en-US" altLang="ja-JP"/>
+              <a:rPr lang="en-US" altLang="ja-JP"/>
               <a:t>2 </a:t>
             </a:r>
             <a:r>
-              <a:rPr kumimoji="1" lang="ja-JP" altLang="en-US"/>
+              <a:rPr lang="ja-JP" altLang="en-US"/>
               <a:t>レベル</a:t>
             </a:r>
           </a:p>
           <a:p>
             <a:pPr lvl="2"/>
             <a:r>
-              <a:rPr kumimoji="1" lang="ja-JP" altLang="en-US"/>
+              <a:rPr lang="ja-JP" altLang="en-US"/>
               <a:t>第 </a:t>
             </a:r>
             <a:r>
-              <a:rPr kumimoji="1" lang="en-US" altLang="ja-JP"/>
+              <a:rPr lang="en-US" altLang="ja-JP"/>
               <a:t>3 </a:t>
             </a:r>
             <a:r>
-              <a:rPr kumimoji="1" lang="ja-JP" altLang="en-US"/>
+              <a:rPr lang="ja-JP" altLang="en-US"/>
               <a:t>レベル</a:t>
             </a:r>
           </a:p>
           <a:p>
             <a:pPr lvl="3"/>
             <a:r>
-              <a:rPr kumimoji="1" lang="ja-JP" altLang="en-US"/>
+              <a:rPr lang="ja-JP" altLang="en-US"/>
               <a:t>第 </a:t>
             </a:r>
             <a:r>
-              <a:rPr kumimoji="1" lang="en-US" altLang="ja-JP"/>
+              <a:rPr lang="en-US" altLang="ja-JP"/>
               <a:t>4 </a:t>
             </a:r>
             <a:r>
-              <a:rPr kumimoji="1" lang="ja-JP" altLang="en-US"/>
+              <a:rPr lang="ja-JP" altLang="en-US"/>
               <a:t>レベル</a:t>
             </a:r>
           </a:p>
           <a:p>
             <a:pPr lvl="4"/>
             <a:r>
-              <a:rPr kumimoji="1" lang="ja-JP" altLang="en-US"/>
+              <a:rPr lang="ja-JP" altLang="en-US"/>
               <a:t>第 </a:t>
             </a:r>
             <a:r>
-              <a:rPr kumimoji="1" lang="en-US" altLang="ja-JP"/>
+              <a:rPr lang="en-US" altLang="ja-JP"/>
               <a:t>5 </a:t>
             </a:r>
             <a:r>
-              <a:rPr kumimoji="1" lang="ja-JP" altLang="en-US"/>
+              <a:rPr lang="ja-JP" altLang="en-US"/>
               <a:t>レベル</a:t>
             </a:r>
-          </a:p>
-        </p:txBody>
-      </p:sp>
-      <p:sp>
-        <p:nvSpPr>
-          <p:cNvPr id="4" name="コンテンツ プレースホルダー 3">
-            <a:extLst>
-              <a:ext uri="{FF2B5EF4-FFF2-40B4-BE49-F238E27FC236}">
-                <a16:creationId xmlns:a16="http://schemas.microsoft.com/office/drawing/2014/main" id="{BB0DA848-D05A-4CC8-88F9-8978C8AEF3F2}"/>
-              </a:ext>
-            </a:extLst>
-          </p:cNvPr>
+            <a:endParaRPr lang="en-US" dirty="0"/>
+          </a:p>
+        </p:txBody>
+      </p:sp>
+      <p:sp>
+        <p:nvSpPr>
+          <p:cNvPr id="4" name="Content Placeholder 3"/>
           <p:cNvSpPr>
             <a:spLocks noGrp="1"/>
           </p:cNvSpPr>
@@ -1857,8 +1696,8 @@
         </p:nvSpPr>
         <p:spPr>
           <a:xfrm>
-            <a:off x="4629150" y="1825625"/>
-            <a:ext cx="3886200" cy="4351338"/>
+            <a:off x="6172200" y="1825625"/>
+            <a:ext cx="5181600" cy="4351338"/>
           </a:xfrm>
         </p:spPr>
         <p:txBody>
@@ -1867,81 +1706,76 @@
           <a:p>
             <a:pPr lvl="0"/>
             <a:r>
-              <a:rPr kumimoji="1" lang="ja-JP" altLang="en-US"/>
+              <a:rPr lang="ja-JP" altLang="en-US"/>
               <a:t>マスター テキストの書式設定</a:t>
             </a:r>
           </a:p>
           <a:p>
             <a:pPr lvl="1"/>
             <a:r>
-              <a:rPr kumimoji="1" lang="ja-JP" altLang="en-US"/>
+              <a:rPr lang="ja-JP" altLang="en-US"/>
               <a:t>第 </a:t>
             </a:r>
             <a:r>
-              <a:rPr kumimoji="1" lang="en-US" altLang="ja-JP"/>
+              <a:rPr lang="en-US" altLang="ja-JP"/>
               <a:t>2 </a:t>
             </a:r>
             <a:r>
-              <a:rPr kumimoji="1" lang="ja-JP" altLang="en-US"/>
+              <a:rPr lang="ja-JP" altLang="en-US"/>
               <a:t>レベル</a:t>
             </a:r>
           </a:p>
           <a:p>
             <a:pPr lvl="2"/>
             <a:r>
-              <a:rPr kumimoji="1" lang="ja-JP" altLang="en-US"/>
+              <a:rPr lang="ja-JP" altLang="en-US"/>
               <a:t>第 </a:t>
             </a:r>
             <a:r>
-              <a:rPr kumimoji="1" lang="en-US" altLang="ja-JP"/>
+              <a:rPr lang="en-US" altLang="ja-JP"/>
               <a:t>3 </a:t>
             </a:r>
             <a:r>
-              <a:rPr kumimoji="1" lang="ja-JP" altLang="en-US"/>
+              <a:rPr lang="ja-JP" altLang="en-US"/>
               <a:t>レベル</a:t>
             </a:r>
           </a:p>
           <a:p>
             <a:pPr lvl="3"/>
             <a:r>
-              <a:rPr kumimoji="1" lang="ja-JP" altLang="en-US"/>
+              <a:rPr lang="ja-JP" altLang="en-US"/>
               <a:t>第 </a:t>
             </a:r>
             <a:r>
-              <a:rPr kumimoji="1" lang="en-US" altLang="ja-JP"/>
+              <a:rPr lang="en-US" altLang="ja-JP"/>
               <a:t>4 </a:t>
             </a:r>
             <a:r>
-              <a:rPr kumimoji="1" lang="ja-JP" altLang="en-US"/>
+              <a:rPr lang="ja-JP" altLang="en-US"/>
               <a:t>レベル</a:t>
             </a:r>
           </a:p>
           <a:p>
             <a:pPr lvl="4"/>
             <a:r>
-              <a:rPr kumimoji="1" lang="ja-JP" altLang="en-US"/>
+              <a:rPr lang="ja-JP" altLang="en-US"/>
               <a:t>第 </a:t>
             </a:r>
             <a:r>
-              <a:rPr kumimoji="1" lang="en-US" altLang="ja-JP"/>
+              <a:rPr lang="en-US" altLang="ja-JP"/>
               <a:t>5 </a:t>
             </a:r>
             <a:r>
-              <a:rPr kumimoji="1" lang="ja-JP" altLang="en-US"/>
+              <a:rPr lang="ja-JP" altLang="en-US"/>
               <a:t>レベル</a:t>
             </a:r>
-          </a:p>
-        </p:txBody>
-      </p:sp>
-      <p:sp>
-        <p:nvSpPr>
-          <p:cNvPr id="5" name="日付プレースホルダー 4">
-            <a:extLst>
-              <a:ext uri="{FF2B5EF4-FFF2-40B4-BE49-F238E27FC236}">
-                <a16:creationId xmlns:a16="http://schemas.microsoft.com/office/drawing/2014/main" id="{840C054F-E256-4364-8C3B-BC6BBFAFEAC5}"/>
-              </a:ext>
-            </a:extLst>
-          </p:cNvPr>
+            <a:endParaRPr lang="en-US" dirty="0"/>
+          </a:p>
+        </p:txBody>
+      </p:sp>
+      <p:sp>
+        <p:nvSpPr>
+          <p:cNvPr id="5" name="Date Placeholder 4"/>
           <p:cNvSpPr>
             <a:spLocks noGrp="1"/>
           </p:cNvSpPr>
@@ -1956,7 +1790,7 @@
           <a:p>
             <a:fld id="{BCC3470B-979D-4AC3-9CEF-E2615858CE2E}" type="datetimeFigureOut">
               <a:rPr kumimoji="1" lang="ja-JP" altLang="en-US" smtClean="0"/>
-              <a:t>2017/9/10</a:t>
+              <a:t>2023/8/25</a:t>
             </a:fld>
             <a:endParaRPr kumimoji="1" lang="ja-JP" altLang="en-US"/>
           </a:p>
@@ -1964,13 +1798,7 @@
       </p:sp>
       <p:sp>
         <p:nvSpPr>
-          <p:cNvPr id="6" name="フッター プレースホルダー 5">
-            <a:extLst>
-              <a:ext uri="{FF2B5EF4-FFF2-40B4-BE49-F238E27FC236}">
-                <a16:creationId xmlns:a16="http://schemas.microsoft.com/office/drawing/2014/main" id="{F04279D4-EDFB-458F-8F75-2B792679193B}"/>
-              </a:ext>
-            </a:extLst>
-          </p:cNvPr>
+          <p:cNvPr id="6" name="Footer Placeholder 5"/>
           <p:cNvSpPr>
             <a:spLocks noGrp="1"/>
           </p:cNvSpPr>
@@ -1989,13 +1817,7 @@
       </p:sp>
       <p:sp>
         <p:nvSpPr>
-          <p:cNvPr id="7" name="スライド番号プレースホルダー 6">
-            <a:extLst>
-              <a:ext uri="{FF2B5EF4-FFF2-40B4-BE49-F238E27FC236}">
-                <a16:creationId xmlns:a16="http://schemas.microsoft.com/office/drawing/2014/main" id="{330EFC22-26C8-43E2-9D75-36E84925B9F2}"/>
-              </a:ext>
-            </a:extLst>
-          </p:cNvPr>
+          <p:cNvPr id="7" name="Slide Number Placeholder 6"/>
           <p:cNvSpPr>
             <a:spLocks noGrp="1"/>
           </p:cNvSpPr>
@@ -2019,7 +1841,7 @@
     </p:spTree>
     <p:extLst>
       <p:ext uri="{BB962C8B-B14F-4D97-AF65-F5344CB8AC3E}">
-        <p14:creationId xmlns:p14="http://schemas.microsoft.com/office/powerpoint/2010/main" val="3052735013"/>
+        <p14:creationId xmlns:p14="http://schemas.microsoft.com/office/powerpoint/2010/main" val="2260658980"/>
       </p:ext>
     </p:extLst>
   </p:cSld>
@@ -2048,13 +1870,7 @@
       </p:grpSpPr>
       <p:sp>
         <p:nvSpPr>
-          <p:cNvPr id="2" name="タイトル 1">
-            <a:extLst>
-              <a:ext uri="{FF2B5EF4-FFF2-40B4-BE49-F238E27FC236}">
-                <a16:creationId xmlns:a16="http://schemas.microsoft.com/office/drawing/2014/main" id="{1F5067ED-0838-4E65-BD26-8B88ADE57E81}"/>
-              </a:ext>
-            </a:extLst>
-          </p:cNvPr>
+          <p:cNvPr id="2" name="Title 1"/>
           <p:cNvSpPr>
             <a:spLocks noGrp="1"/>
           </p:cNvSpPr>
@@ -2064,8 +1880,8 @@
         </p:nvSpPr>
         <p:spPr>
           <a:xfrm>
-            <a:off x="629841" y="365126"/>
-            <a:ext cx="7886700" cy="1325563"/>
+            <a:off x="839788" y="365125"/>
+            <a:ext cx="10515600" cy="1325563"/>
           </a:xfrm>
         </p:spPr>
         <p:txBody>
@@ -2073,21 +1889,16 @@
           <a:lstStyle/>
           <a:p>
             <a:r>
-              <a:rPr kumimoji="1" lang="ja-JP" altLang="en-US"/>
+              <a:rPr lang="ja-JP" altLang="en-US"/>
               <a:t>マスター タイトルの書式設定</a:t>
             </a:r>
-          </a:p>
-        </p:txBody>
-      </p:sp>
-      <p:sp>
-        <p:nvSpPr>
-          <p:cNvPr id="3" name="テキスト プレースホルダー 2">
-            <a:extLst>
-              <a:ext uri="{FF2B5EF4-FFF2-40B4-BE49-F238E27FC236}">
-                <a16:creationId xmlns:a16="http://schemas.microsoft.com/office/drawing/2014/main" id="{9CE39B44-D81E-4092-8FCA-BD64DB707D9B}"/>
-              </a:ext>
-            </a:extLst>
-          </p:cNvPr>
+            <a:endParaRPr lang="en-US" dirty="0"/>
+          </a:p>
+        </p:txBody>
+      </p:sp>
+      <p:sp>
+        <p:nvSpPr>
+          <p:cNvPr id="3" name="Text Placeholder 2"/>
           <p:cNvSpPr>
             <a:spLocks noGrp="1"/>
           </p:cNvSpPr>
@@ -2097,8 +1908,8 @@
         </p:nvSpPr>
         <p:spPr>
           <a:xfrm>
-            <a:off x="629842" y="1681163"/>
-            <a:ext cx="3868340" cy="823912"/>
+            <a:off x="839788" y="1681163"/>
+            <a:ext cx="5157787" cy="823912"/>
           </a:xfrm>
         </p:spPr>
         <p:txBody>
@@ -2144,7 +1955,7 @@
           <a:p>
             <a:pPr lvl="0"/>
             <a:r>
-              <a:rPr kumimoji="1" lang="ja-JP" altLang="en-US"/>
+              <a:rPr lang="ja-JP" altLang="en-US"/>
               <a:t>マスター テキストの書式設定</a:t>
             </a:r>
           </a:p>
@@ -2152,13 +1963,7 @@
       </p:sp>
       <p:sp>
         <p:nvSpPr>
-          <p:cNvPr id="4" name="コンテンツ プレースホルダー 3">
-            <a:extLst>
-              <a:ext uri="{FF2B5EF4-FFF2-40B4-BE49-F238E27FC236}">
-                <a16:creationId xmlns:a16="http://schemas.microsoft.com/office/drawing/2014/main" id="{F964C5E1-E238-4DB8-831C-92C909C7BBD6}"/>
-              </a:ext>
-            </a:extLst>
-          </p:cNvPr>
+          <p:cNvPr id="4" name="Content Placeholder 3"/>
           <p:cNvSpPr>
             <a:spLocks noGrp="1"/>
           </p:cNvSpPr>
@@ -2168,8 +1973,8 @@
         </p:nvSpPr>
         <p:spPr>
           <a:xfrm>
-            <a:off x="629842" y="2505075"/>
-            <a:ext cx="3868340" cy="3684588"/>
+            <a:off x="839788" y="2505075"/>
+            <a:ext cx="5157787" cy="3684588"/>
           </a:xfrm>
         </p:spPr>
         <p:txBody>
@@ -2178,81 +1983,76 @@
           <a:p>
             <a:pPr lvl="0"/>
             <a:r>
-              <a:rPr kumimoji="1" lang="ja-JP" altLang="en-US"/>
+              <a:rPr lang="ja-JP" altLang="en-US"/>
               <a:t>マスター テキストの書式設定</a:t>
             </a:r>
           </a:p>
           <a:p>
             <a:pPr lvl="1"/>
             <a:r>
-              <a:rPr kumimoji="1" lang="ja-JP" altLang="en-US"/>
+              <a:rPr lang="ja-JP" altLang="en-US"/>
               <a:t>第 </a:t>
             </a:r>
             <a:r>
-              <a:rPr kumimoji="1" lang="en-US" altLang="ja-JP"/>
+              <a:rPr lang="en-US" altLang="ja-JP"/>
               <a:t>2 </a:t>
             </a:r>
             <a:r>
-              <a:rPr kumimoji="1" lang="ja-JP" altLang="en-US"/>
+              <a:rPr lang="ja-JP" altLang="en-US"/>
               <a:t>レベル</a:t>
             </a:r>
           </a:p>
           <a:p>
             <a:pPr lvl="2"/>
             <a:r>
-              <a:rPr kumimoji="1" lang="ja-JP" altLang="en-US"/>
+              <a:rPr lang="ja-JP" altLang="en-US"/>
               <a:t>第 </a:t>
             </a:r>
             <a:r>
-              <a:rPr kumimoji="1" lang="en-US" altLang="ja-JP"/>
+              <a:rPr lang="en-US" altLang="ja-JP"/>
               <a:t>3 </a:t>
             </a:r>
             <a:r>
-              <a:rPr kumimoji="1" lang="ja-JP" altLang="en-US"/>
+              <a:rPr lang="ja-JP" altLang="en-US"/>
               <a:t>レベル</a:t>
             </a:r>
           </a:p>
           <a:p>
             <a:pPr lvl="3"/>
             <a:r>
-              <a:rPr kumimoji="1" lang="ja-JP" altLang="en-US"/>
+              <a:rPr lang="ja-JP" altLang="en-US"/>
               <a:t>第 </a:t>
             </a:r>
             <a:r>
-              <a:rPr kumimoji="1" lang="en-US" altLang="ja-JP"/>
+              <a:rPr lang="en-US" altLang="ja-JP"/>
               <a:t>4 </a:t>
             </a:r>
             <a:r>
-              <a:rPr kumimoji="1" lang="ja-JP" altLang="en-US"/>
+              <a:rPr lang="ja-JP" altLang="en-US"/>
               <a:t>レベル</a:t>
             </a:r>
           </a:p>
           <a:p>
             <a:pPr lvl="4"/>
             <a:r>
-              <a:rPr kumimoji="1" lang="ja-JP" altLang="en-US"/>
+              <a:rPr lang="ja-JP" altLang="en-US"/>
               <a:t>第 </a:t>
             </a:r>
             <a:r>
-              <a:rPr kumimoji="1" lang="en-US" altLang="ja-JP"/>
+              <a:rPr lang="en-US" altLang="ja-JP"/>
               <a:t>5 </a:t>
             </a:r>
             <a:r>
-              <a:rPr kumimoji="1" lang="ja-JP" altLang="en-US"/>
+              <a:rPr lang="ja-JP" altLang="en-US"/>
               <a:t>レベル</a:t>
             </a:r>
-          </a:p>
-        </p:txBody>
-      </p:sp>
-      <p:sp>
-        <p:nvSpPr>
-          <p:cNvPr id="5" name="テキスト プレースホルダー 4">
-            <a:extLst>
-              <a:ext uri="{FF2B5EF4-FFF2-40B4-BE49-F238E27FC236}">
-                <a16:creationId xmlns:a16="http://schemas.microsoft.com/office/drawing/2014/main" id="{50A464FE-14E8-4CD3-A5FB-3E837627C2B7}"/>
-              </a:ext>
-            </a:extLst>
-          </p:cNvPr>
+            <a:endParaRPr lang="en-US" dirty="0"/>
+          </a:p>
+        </p:txBody>
+      </p:sp>
+      <p:sp>
+        <p:nvSpPr>
+          <p:cNvPr id="5" name="Text Placeholder 4"/>
           <p:cNvSpPr>
             <a:spLocks noGrp="1"/>
           </p:cNvSpPr>
@@ -2262,8 +2062,8 @@
         </p:nvSpPr>
         <p:spPr>
           <a:xfrm>
-            <a:off x="4629150" y="1681163"/>
-            <a:ext cx="3887391" cy="823912"/>
+            <a:off x="6172200" y="1681163"/>
+            <a:ext cx="5183188" cy="823912"/>
           </a:xfrm>
         </p:spPr>
         <p:txBody>
@@ -2309,7 +2109,7 @@
           <a:p>
             <a:pPr lvl="0"/>
             <a:r>
-              <a:rPr kumimoji="1" lang="ja-JP" altLang="en-US"/>
+              <a:rPr lang="ja-JP" altLang="en-US"/>
               <a:t>マスター テキストの書式設定</a:t>
             </a:r>
           </a:p>
@@ -2317,13 +2117,7 @@
       </p:sp>
       <p:sp>
         <p:nvSpPr>
-          <p:cNvPr id="6" name="コンテンツ プレースホルダー 5">
-            <a:extLst>
-              <a:ext uri="{FF2B5EF4-FFF2-40B4-BE49-F238E27FC236}">
-                <a16:creationId xmlns:a16="http://schemas.microsoft.com/office/drawing/2014/main" id="{FD529878-3AA1-495B-AF8C-2446DFB6BD0A}"/>
-              </a:ext>
-            </a:extLst>
-          </p:cNvPr>
+          <p:cNvPr id="6" name="Content Placeholder 5"/>
           <p:cNvSpPr>
             <a:spLocks noGrp="1"/>
           </p:cNvSpPr>
@@ -2333,8 +2127,8 @@
         </p:nvSpPr>
         <p:spPr>
           <a:xfrm>
-            <a:off x="4629150" y="2505075"/>
-            <a:ext cx="3887391" cy="3684588"/>
+            <a:off x="6172200" y="2505075"/>
+            <a:ext cx="5183188" cy="3684588"/>
           </a:xfrm>
         </p:spPr>
         <p:txBody>
@@ -2343,81 +2137,76 @@
           <a:p>
             <a:pPr lvl="0"/>
             <a:r>
-              <a:rPr kumimoji="1" lang="ja-JP" altLang="en-US"/>
+              <a:rPr lang="ja-JP" altLang="en-US"/>
               <a:t>マスター テキストの書式設定</a:t>
             </a:r>
           </a:p>
           <a:p>
             <a:pPr lvl="1"/>
             <a:r>
-              <a:rPr kumimoji="1" lang="ja-JP" altLang="en-US"/>
+              <a:rPr lang="ja-JP" altLang="en-US"/>
               <a:t>第 </a:t>
             </a:r>
             <a:r>
-              <a:rPr kumimoji="1" lang="en-US" altLang="ja-JP"/>
+              <a:rPr lang="en-US" altLang="ja-JP"/>
               <a:t>2 </a:t>
             </a:r>
             <a:r>
-              <a:rPr kumimoji="1" lang="ja-JP" altLang="en-US"/>
+              <a:rPr lang="ja-JP" altLang="en-US"/>
               <a:t>レベル</a:t>
             </a:r>
           </a:p>
           <a:p>
             <a:pPr lvl="2"/>
             <a:r>
-              <a:rPr kumimoji="1" lang="ja-JP" altLang="en-US"/>
+              <a:rPr lang="ja-JP" altLang="en-US"/>
               <a:t>第 </a:t>
             </a:r>
             <a:r>
-              <a:rPr kumimoji="1" lang="en-US" altLang="ja-JP"/>
+              <a:rPr lang="en-US" altLang="ja-JP"/>
               <a:t>3 </a:t>
             </a:r>
             <a:r>
-              <a:rPr kumimoji="1" lang="ja-JP" altLang="en-US"/>
+              <a:rPr lang="ja-JP" altLang="en-US"/>
               <a:t>レベル</a:t>
             </a:r>
           </a:p>
           <a:p>
             <a:pPr lvl="3"/>
             <a:r>
-              <a:rPr kumimoji="1" lang="ja-JP" altLang="en-US"/>
+              <a:rPr lang="ja-JP" altLang="en-US"/>
               <a:t>第 </a:t>
             </a:r>
             <a:r>
-              <a:rPr kumimoji="1" lang="en-US" altLang="ja-JP"/>
+              <a:rPr lang="en-US" altLang="ja-JP"/>
               <a:t>4 </a:t>
             </a:r>
             <a:r>
-              <a:rPr kumimoji="1" lang="ja-JP" altLang="en-US"/>
+              <a:rPr lang="ja-JP" altLang="en-US"/>
               <a:t>レベル</a:t>
             </a:r>
           </a:p>
           <a:p>
             <a:pPr lvl="4"/>
             <a:r>
-              <a:rPr kumimoji="1" lang="ja-JP" altLang="en-US"/>
+              <a:rPr lang="ja-JP" altLang="en-US"/>
               <a:t>第 </a:t>
             </a:r>
             <a:r>
-              <a:rPr kumimoji="1" lang="en-US" altLang="ja-JP"/>
+              <a:rPr lang="en-US" altLang="ja-JP"/>
               <a:t>5 </a:t>
             </a:r>
             <a:r>
-              <a:rPr kumimoji="1" lang="ja-JP" altLang="en-US"/>
+              <a:rPr lang="ja-JP" altLang="en-US"/>
               <a:t>レベル</a:t>
             </a:r>
-          </a:p>
-        </p:txBody>
-      </p:sp>
-      <p:sp>
-        <p:nvSpPr>
-          <p:cNvPr id="7" name="日付プレースホルダー 6">
-            <a:extLst>
-              <a:ext uri="{FF2B5EF4-FFF2-40B4-BE49-F238E27FC236}">
-                <a16:creationId xmlns:a16="http://schemas.microsoft.com/office/drawing/2014/main" id="{FA5144D1-CDBF-4195-AECA-AD06E108486E}"/>
-              </a:ext>
-            </a:extLst>
-          </p:cNvPr>
+            <a:endParaRPr lang="en-US" dirty="0"/>
+          </a:p>
+        </p:txBody>
+      </p:sp>
+      <p:sp>
+        <p:nvSpPr>
+          <p:cNvPr id="7" name="Date Placeholder 6"/>
           <p:cNvSpPr>
             <a:spLocks noGrp="1"/>
           </p:cNvSpPr>
@@ -2432,7 +2221,7 @@
           <a:p>
             <a:fld id="{BCC3470B-979D-4AC3-9CEF-E2615858CE2E}" type="datetimeFigureOut">
               <a:rPr kumimoji="1" lang="ja-JP" altLang="en-US" smtClean="0"/>
-              <a:t>2017/9/10</a:t>
+              <a:t>2023/8/25</a:t>
             </a:fld>
             <a:endParaRPr kumimoji="1" lang="ja-JP" altLang="en-US"/>
           </a:p>
@@ -2440,13 +2229,7 @@
       </p:sp>
       <p:sp>
         <p:nvSpPr>
-          <p:cNvPr id="8" name="フッター プレースホルダー 7">
-            <a:extLst>
-              <a:ext uri="{FF2B5EF4-FFF2-40B4-BE49-F238E27FC236}">
-                <a16:creationId xmlns:a16="http://schemas.microsoft.com/office/drawing/2014/main" id="{A4CC6E82-D470-49A1-B2E2-2F0CE2B1A445}"/>
-              </a:ext>
-            </a:extLst>
-          </p:cNvPr>
+          <p:cNvPr id="8" name="Footer Placeholder 7"/>
           <p:cNvSpPr>
             <a:spLocks noGrp="1"/>
           </p:cNvSpPr>
@@ -2465,13 +2248,7 @@
       </p:sp>
       <p:sp>
         <p:nvSpPr>
-          <p:cNvPr id="9" name="スライド番号プレースホルダー 8">
-            <a:extLst>
-              <a:ext uri="{FF2B5EF4-FFF2-40B4-BE49-F238E27FC236}">
-                <a16:creationId xmlns:a16="http://schemas.microsoft.com/office/drawing/2014/main" id="{62C52876-658A-42FB-9DD7-77BCB77F43CC}"/>
-              </a:ext>
-            </a:extLst>
-          </p:cNvPr>
+          <p:cNvPr id="9" name="Slide Number Placeholder 8"/>
           <p:cNvSpPr>
             <a:spLocks noGrp="1"/>
           </p:cNvSpPr>
@@ -2495,7 +2272,7 @@
     </p:spTree>
     <p:extLst>
       <p:ext uri="{BB962C8B-B14F-4D97-AF65-F5344CB8AC3E}">
-        <p14:creationId xmlns:p14="http://schemas.microsoft.com/office/powerpoint/2010/main" val="2498931311"/>
+        <p14:creationId xmlns:p14="http://schemas.microsoft.com/office/powerpoint/2010/main" val="4138159483"/>
       </p:ext>
     </p:extLst>
   </p:cSld>
@@ -2524,13 +2301,7 @@
       </p:grpSpPr>
       <p:sp>
         <p:nvSpPr>
-          <p:cNvPr id="2" name="タイトル 1">
-            <a:extLst>
-              <a:ext uri="{FF2B5EF4-FFF2-40B4-BE49-F238E27FC236}">
-                <a16:creationId xmlns:a16="http://schemas.microsoft.com/office/drawing/2014/main" id="{79FF38F5-536E-47BE-9249-EE31E17A586F}"/>
-              </a:ext>
-            </a:extLst>
-          </p:cNvPr>
+          <p:cNvPr id="2" name="Title 1"/>
           <p:cNvSpPr>
             <a:spLocks noGrp="1"/>
           </p:cNvSpPr>
@@ -2544,21 +2315,16 @@
           <a:lstStyle/>
           <a:p>
             <a:r>
-              <a:rPr kumimoji="1" lang="ja-JP" altLang="en-US"/>
+              <a:rPr lang="ja-JP" altLang="en-US"/>
               <a:t>マスター タイトルの書式設定</a:t>
             </a:r>
-          </a:p>
-        </p:txBody>
-      </p:sp>
-      <p:sp>
-        <p:nvSpPr>
-          <p:cNvPr id="3" name="日付プレースホルダー 2">
-            <a:extLst>
-              <a:ext uri="{FF2B5EF4-FFF2-40B4-BE49-F238E27FC236}">
-                <a16:creationId xmlns:a16="http://schemas.microsoft.com/office/drawing/2014/main" id="{07CB3045-FB54-46B7-B046-4F9A3B847F2B}"/>
-              </a:ext>
-            </a:extLst>
-          </p:cNvPr>
+            <a:endParaRPr lang="en-US" dirty="0"/>
+          </a:p>
+        </p:txBody>
+      </p:sp>
+      <p:sp>
+        <p:nvSpPr>
+          <p:cNvPr id="3" name="Date Placeholder 2"/>
           <p:cNvSpPr>
             <a:spLocks noGrp="1"/>
           </p:cNvSpPr>
@@ -2573,7 +2339,7 @@
           <a:p>
             <a:fld id="{BCC3470B-979D-4AC3-9CEF-E2615858CE2E}" type="datetimeFigureOut">
               <a:rPr kumimoji="1" lang="ja-JP" altLang="en-US" smtClean="0"/>
-              <a:t>2017/9/10</a:t>
+              <a:t>2023/8/25</a:t>
             </a:fld>
             <a:endParaRPr kumimoji="1" lang="ja-JP" altLang="en-US"/>
           </a:p>
@@ -2581,13 +2347,7 @@
       </p:sp>
       <p:sp>
         <p:nvSpPr>
-          <p:cNvPr id="4" name="フッター プレースホルダー 3">
-            <a:extLst>
-              <a:ext uri="{FF2B5EF4-FFF2-40B4-BE49-F238E27FC236}">
-                <a16:creationId xmlns:a16="http://schemas.microsoft.com/office/drawing/2014/main" id="{5ECED15D-9C74-469C-8E3C-B91843A74D4B}"/>
-              </a:ext>
-            </a:extLst>
-          </p:cNvPr>
+          <p:cNvPr id="4" name="Footer Placeholder 3"/>
           <p:cNvSpPr>
             <a:spLocks noGrp="1"/>
           </p:cNvSpPr>
@@ -2606,13 +2366,7 @@
       </p:sp>
       <p:sp>
         <p:nvSpPr>
-          <p:cNvPr id="5" name="スライド番号プレースホルダー 4">
-            <a:extLst>
-              <a:ext uri="{FF2B5EF4-FFF2-40B4-BE49-F238E27FC236}">
-                <a16:creationId xmlns:a16="http://schemas.microsoft.com/office/drawing/2014/main" id="{AAF8A85A-1042-46F4-93FA-E8F4AB4AB7F6}"/>
-              </a:ext>
-            </a:extLst>
-          </p:cNvPr>
+          <p:cNvPr id="5" name="Slide Number Placeholder 4"/>
           <p:cNvSpPr>
             <a:spLocks noGrp="1"/>
           </p:cNvSpPr>
@@ -2636,7 +2390,7 @@
     </p:spTree>
     <p:extLst>
       <p:ext uri="{BB962C8B-B14F-4D97-AF65-F5344CB8AC3E}">
-        <p14:creationId xmlns:p14="http://schemas.microsoft.com/office/powerpoint/2010/main" val="732835344"/>
+        <p14:creationId xmlns:p14="http://schemas.microsoft.com/office/powerpoint/2010/main" val="976800749"/>
       </p:ext>
     </p:extLst>
   </p:cSld>
@@ -2665,13 +2419,7 @@
       </p:grpSpPr>
       <p:sp>
         <p:nvSpPr>
-          <p:cNvPr id="2" name="日付プレースホルダー 1">
-            <a:extLst>
-              <a:ext uri="{FF2B5EF4-FFF2-40B4-BE49-F238E27FC236}">
-                <a16:creationId xmlns:a16="http://schemas.microsoft.com/office/drawing/2014/main" id="{FCB3A632-2E6D-47AA-9D41-B542EB614177}"/>
-              </a:ext>
-            </a:extLst>
-          </p:cNvPr>
+          <p:cNvPr id="2" name="Date Placeholder 1"/>
           <p:cNvSpPr>
             <a:spLocks noGrp="1"/>
           </p:cNvSpPr>
@@ -2686,7 +2434,7 @@
           <a:p>
             <a:fld id="{BCC3470B-979D-4AC3-9CEF-E2615858CE2E}" type="datetimeFigureOut">
               <a:rPr kumimoji="1" lang="ja-JP" altLang="en-US" smtClean="0"/>
-              <a:t>2017/9/10</a:t>
+              <a:t>2023/8/25</a:t>
             </a:fld>
             <a:endParaRPr kumimoji="1" lang="ja-JP" altLang="en-US"/>
           </a:p>
@@ -2694,13 +2442,7 @@
       </p:sp>
       <p:sp>
         <p:nvSpPr>
-          <p:cNvPr id="3" name="フッター プレースホルダー 2">
-            <a:extLst>
-              <a:ext uri="{FF2B5EF4-FFF2-40B4-BE49-F238E27FC236}">
-                <a16:creationId xmlns:a16="http://schemas.microsoft.com/office/drawing/2014/main" id="{51DE58E0-D604-44D9-AB0A-579CF23A7F38}"/>
-              </a:ext>
-            </a:extLst>
-          </p:cNvPr>
+          <p:cNvPr id="3" name="Footer Placeholder 2"/>
           <p:cNvSpPr>
             <a:spLocks noGrp="1"/>
           </p:cNvSpPr>
@@ -2719,13 +2461,7 @@
       </p:sp>
       <p:sp>
         <p:nvSpPr>
-          <p:cNvPr id="4" name="スライド番号プレースホルダー 3">
-            <a:extLst>
-              <a:ext uri="{FF2B5EF4-FFF2-40B4-BE49-F238E27FC236}">
-                <a16:creationId xmlns:a16="http://schemas.microsoft.com/office/drawing/2014/main" id="{8E3B1122-36C1-4EF6-B192-4791749ADDC8}"/>
-              </a:ext>
-            </a:extLst>
-          </p:cNvPr>
+          <p:cNvPr id="4" name="Slide Number Placeholder 3"/>
           <p:cNvSpPr>
             <a:spLocks noGrp="1"/>
           </p:cNvSpPr>
@@ -2749,7 +2485,7 @@
     </p:spTree>
     <p:extLst>
       <p:ext uri="{BB962C8B-B14F-4D97-AF65-F5344CB8AC3E}">
-        <p14:creationId xmlns:p14="http://schemas.microsoft.com/office/powerpoint/2010/main" val="2554930808"/>
+        <p14:creationId xmlns:p14="http://schemas.microsoft.com/office/powerpoint/2010/main" val="3299669377"/>
       </p:ext>
     </p:extLst>
   </p:cSld>
@@ -2778,13 +2514,7 @@
       </p:grpSpPr>
       <p:sp>
         <p:nvSpPr>
-          <p:cNvPr id="2" name="タイトル 1">
-            <a:extLst>
-              <a:ext uri="{FF2B5EF4-FFF2-40B4-BE49-F238E27FC236}">
-                <a16:creationId xmlns:a16="http://schemas.microsoft.com/office/drawing/2014/main" id="{32EB93E2-742C-40DA-A8F0-09D81B36FCED}"/>
-              </a:ext>
-            </a:extLst>
-          </p:cNvPr>
+          <p:cNvPr id="2" name="Title 1"/>
           <p:cNvSpPr>
             <a:spLocks noGrp="1"/>
           </p:cNvSpPr>
@@ -2794,8 +2524,8 @@
         </p:nvSpPr>
         <p:spPr>
           <a:xfrm>
-            <a:off x="629841" y="457200"/>
-            <a:ext cx="2949178" cy="1600200"/>
+            <a:off x="839788" y="457200"/>
+            <a:ext cx="3932237" cy="1600200"/>
           </a:xfrm>
         </p:spPr>
         <p:txBody>
@@ -2807,21 +2537,16 @@
           </a:lstStyle>
           <a:p>
             <a:r>
-              <a:rPr kumimoji="1" lang="ja-JP" altLang="en-US"/>
+              <a:rPr lang="ja-JP" altLang="en-US"/>
               <a:t>マスター タイトルの書式設定</a:t>
             </a:r>
-          </a:p>
-        </p:txBody>
-      </p:sp>
-      <p:sp>
-        <p:nvSpPr>
-          <p:cNvPr id="3" name="コンテンツ プレースホルダー 2">
-            <a:extLst>
-              <a:ext uri="{FF2B5EF4-FFF2-40B4-BE49-F238E27FC236}">
-                <a16:creationId xmlns:a16="http://schemas.microsoft.com/office/drawing/2014/main" id="{AC474D4D-1C0D-458D-9FF6-A1A57723BB58}"/>
-              </a:ext>
-            </a:extLst>
-          </p:cNvPr>
+            <a:endParaRPr lang="en-US" dirty="0"/>
+          </a:p>
+        </p:txBody>
+      </p:sp>
+      <p:sp>
+        <p:nvSpPr>
+          <p:cNvPr id="3" name="Content Placeholder 2"/>
           <p:cNvSpPr>
             <a:spLocks noGrp="1"/>
           </p:cNvSpPr>
@@ -2831,8 +2556,8 @@
         </p:nvSpPr>
         <p:spPr>
           <a:xfrm>
-            <a:off x="3887391" y="987426"/>
-            <a:ext cx="4629150" cy="4873625"/>
+            <a:off x="5183188" y="987425"/>
+            <a:ext cx="6172200" cy="4873625"/>
           </a:xfrm>
         </p:spPr>
         <p:txBody>
@@ -2869,81 +2594,76 @@
           <a:p>
             <a:pPr lvl="0"/>
             <a:r>
-              <a:rPr kumimoji="1" lang="ja-JP" altLang="en-US"/>
+              <a:rPr lang="ja-JP" altLang="en-US"/>
               <a:t>マスター テキストの書式設定</a:t>
             </a:r>
           </a:p>
           <a:p>
             <a:pPr lvl="1"/>
             <a:r>
-              <a:rPr kumimoji="1" lang="ja-JP" altLang="en-US"/>
+              <a:rPr lang="ja-JP" altLang="en-US"/>
               <a:t>第 </a:t>
             </a:r>
             <a:r>
-              <a:rPr kumimoji="1" lang="en-US" altLang="ja-JP"/>
+              <a:rPr lang="en-US" altLang="ja-JP"/>
               <a:t>2 </a:t>
             </a:r>
             <a:r>
-              <a:rPr kumimoji="1" lang="ja-JP" altLang="en-US"/>
+              <a:rPr lang="ja-JP" altLang="en-US"/>
               <a:t>レベル</a:t>
             </a:r>
           </a:p>
           <a:p>
             <a:pPr lvl="2"/>
             <a:r>
-              <a:rPr kumimoji="1" lang="ja-JP" altLang="en-US"/>
+              <a:rPr lang="ja-JP" altLang="en-US"/>
               <a:t>第 </a:t>
             </a:r>
             <a:r>
-              <a:rPr kumimoji="1" lang="en-US" altLang="ja-JP"/>
+              <a:rPr lang="en-US" altLang="ja-JP"/>
               <a:t>3 </a:t>
             </a:r>
             <a:r>
-              <a:rPr kumimoji="1" lang="ja-JP" altLang="en-US"/>
+              <a:rPr lang="ja-JP" altLang="en-US"/>
               <a:t>レベル</a:t>
             </a:r>
           </a:p>
           <a:p>
             <a:pPr lvl="3"/>
             <a:r>
-              <a:rPr kumimoji="1" lang="ja-JP" altLang="en-US"/>
+              <a:rPr lang="ja-JP" altLang="en-US"/>
               <a:t>第 </a:t>
             </a:r>
             <a:r>
-              <a:rPr kumimoji="1" lang="en-US" altLang="ja-JP"/>
+              <a:rPr lang="en-US" altLang="ja-JP"/>
               <a:t>4 </a:t>
             </a:r>
             <a:r>
-              <a:rPr kumimoji="1" lang="ja-JP" altLang="en-US"/>
+              <a:rPr lang="ja-JP" altLang="en-US"/>
               <a:t>レベル</a:t>
             </a:r>
           </a:p>
           <a:p>
             <a:pPr lvl="4"/>
             <a:r>
-              <a:rPr kumimoji="1" lang="ja-JP" altLang="en-US"/>
+              <a:rPr lang="ja-JP" altLang="en-US"/>
               <a:t>第 </a:t>
             </a:r>
             <a:r>
-              <a:rPr kumimoji="1" lang="en-US" altLang="ja-JP"/>
+              <a:rPr lang="en-US" altLang="ja-JP"/>
               <a:t>5 </a:t>
             </a:r>
             <a:r>
-              <a:rPr kumimoji="1" lang="ja-JP" altLang="en-US"/>
+              <a:rPr lang="ja-JP" altLang="en-US"/>
               <a:t>レベル</a:t>
             </a:r>
-          </a:p>
-        </p:txBody>
-      </p:sp>
-      <p:sp>
-        <p:nvSpPr>
-          <p:cNvPr id="4" name="テキスト プレースホルダー 3">
-            <a:extLst>
-              <a:ext uri="{FF2B5EF4-FFF2-40B4-BE49-F238E27FC236}">
-                <a16:creationId xmlns:a16="http://schemas.microsoft.com/office/drawing/2014/main" id="{D59A0723-E6D5-4A19-818C-2CC237DCE793}"/>
-              </a:ext>
-            </a:extLst>
-          </p:cNvPr>
+            <a:endParaRPr lang="en-US" dirty="0"/>
+          </a:p>
+        </p:txBody>
+      </p:sp>
+      <p:sp>
+        <p:nvSpPr>
+          <p:cNvPr id="4" name="Text Placeholder 3"/>
           <p:cNvSpPr>
             <a:spLocks noGrp="1"/>
           </p:cNvSpPr>
@@ -2953,8 +2673,8 @@
         </p:nvSpPr>
         <p:spPr>
           <a:xfrm>
-            <a:off x="629841" y="2057400"/>
-            <a:ext cx="2949178" cy="3811588"/>
+            <a:off x="839788" y="2057400"/>
+            <a:ext cx="3932237" cy="3811588"/>
           </a:xfrm>
         </p:spPr>
         <p:txBody>
@@ -3000,7 +2720,7 @@
           <a:p>
             <a:pPr lvl="0"/>
             <a:r>
-              <a:rPr kumimoji="1" lang="ja-JP" altLang="en-US"/>
+              <a:rPr lang="ja-JP" altLang="en-US"/>
               <a:t>マスター テキストの書式設定</a:t>
             </a:r>
           </a:p>
@@ -3008,13 +2728,7 @@
       </p:sp>
       <p:sp>
         <p:nvSpPr>
-          <p:cNvPr id="5" name="日付プレースホルダー 4">
-            <a:extLst>
-              <a:ext uri="{FF2B5EF4-FFF2-40B4-BE49-F238E27FC236}">
-                <a16:creationId xmlns:a16="http://schemas.microsoft.com/office/drawing/2014/main" id="{EC8AFEC2-77A9-4086-B939-E2C58F4BF6C5}"/>
-              </a:ext>
-            </a:extLst>
-          </p:cNvPr>
+          <p:cNvPr id="5" name="Date Placeholder 4"/>
           <p:cNvSpPr>
             <a:spLocks noGrp="1"/>
           </p:cNvSpPr>
@@ -3029,7 +2743,7 @@
           <a:p>
             <a:fld id="{BCC3470B-979D-4AC3-9CEF-E2615858CE2E}" type="datetimeFigureOut">
               <a:rPr kumimoji="1" lang="ja-JP" altLang="en-US" smtClean="0"/>
-              <a:t>2017/9/10</a:t>
+              <a:t>2023/8/25</a:t>
             </a:fld>
             <a:endParaRPr kumimoji="1" lang="ja-JP" altLang="en-US"/>
           </a:p>
@@ -3037,13 +2751,7 @@
       </p:sp>
       <p:sp>
         <p:nvSpPr>
-          <p:cNvPr id="6" name="フッター プレースホルダー 5">
-            <a:extLst>
-              <a:ext uri="{FF2B5EF4-FFF2-40B4-BE49-F238E27FC236}">
-                <a16:creationId xmlns:a16="http://schemas.microsoft.com/office/drawing/2014/main" id="{CCCE669C-F3A1-498F-87BB-AFC7E57A09BB}"/>
-              </a:ext>
-            </a:extLst>
-          </p:cNvPr>
+          <p:cNvPr id="6" name="Footer Placeholder 5"/>
           <p:cNvSpPr>
             <a:spLocks noGrp="1"/>
           </p:cNvSpPr>
@@ -3062,13 +2770,7 @@
       </p:sp>
       <p:sp>
         <p:nvSpPr>
-          <p:cNvPr id="7" name="スライド番号プレースホルダー 6">
-            <a:extLst>
-              <a:ext uri="{FF2B5EF4-FFF2-40B4-BE49-F238E27FC236}">
-                <a16:creationId xmlns:a16="http://schemas.microsoft.com/office/drawing/2014/main" id="{D25A9716-FF4B-4EE9-93B4-F37325C18E42}"/>
-              </a:ext>
-            </a:extLst>
-          </p:cNvPr>
+          <p:cNvPr id="7" name="Slide Number Placeholder 6"/>
           <p:cNvSpPr>
             <a:spLocks noGrp="1"/>
           </p:cNvSpPr>
@@ -3092,7 +2794,7 @@
     </p:spTree>
     <p:extLst>
       <p:ext uri="{BB962C8B-B14F-4D97-AF65-F5344CB8AC3E}">
-        <p14:creationId xmlns:p14="http://schemas.microsoft.com/office/powerpoint/2010/main" val="1651372392"/>
+        <p14:creationId xmlns:p14="http://schemas.microsoft.com/office/powerpoint/2010/main" val="162861494"/>
       </p:ext>
     </p:extLst>
   </p:cSld>
@@ -3121,13 +2823,7 @@
       </p:grpSpPr>
       <p:sp>
         <p:nvSpPr>
-          <p:cNvPr id="2" name="タイトル 1">
-            <a:extLst>
-              <a:ext uri="{FF2B5EF4-FFF2-40B4-BE49-F238E27FC236}">
-                <a16:creationId xmlns:a16="http://schemas.microsoft.com/office/drawing/2014/main" id="{F6BE48DE-0EBA-4D97-9DBF-1EC753EBE759}"/>
-              </a:ext>
-            </a:extLst>
-          </p:cNvPr>
+          <p:cNvPr id="2" name="Title 1"/>
           <p:cNvSpPr>
             <a:spLocks noGrp="1"/>
           </p:cNvSpPr>
@@ -3137,8 +2833,8 @@
         </p:nvSpPr>
         <p:spPr>
           <a:xfrm>
-            <a:off x="629841" y="457200"/>
-            <a:ext cx="2949178" cy="1600200"/>
+            <a:off x="839788" y="457200"/>
+            <a:ext cx="3932237" cy="1600200"/>
           </a:xfrm>
         </p:spPr>
         <p:txBody>
@@ -3150,23 +2846,18 @@
           </a:lstStyle>
           <a:p>
             <a:r>
-              <a:rPr kumimoji="1" lang="ja-JP" altLang="en-US"/>
+              <a:rPr lang="ja-JP" altLang="en-US"/>
               <a:t>マスター タイトルの書式設定</a:t>
             </a:r>
-          </a:p>
-        </p:txBody>
-      </p:sp>
-      <p:sp>
-        <p:nvSpPr>
-          <p:cNvPr id="3" name="図プレースホルダー 2">
-            <a:extLst>
-              <a:ext uri="{FF2B5EF4-FFF2-40B4-BE49-F238E27FC236}">
-                <a16:creationId xmlns:a16="http://schemas.microsoft.com/office/drawing/2014/main" id="{2B35F2B9-EF3E-4AC9-8F35-B559A54EBBA6}"/>
-              </a:ext>
-            </a:extLst>
-          </p:cNvPr>
-          <p:cNvSpPr>
-            <a:spLocks noGrp="1"/>
+            <a:endParaRPr lang="en-US" dirty="0"/>
+          </a:p>
+        </p:txBody>
+      </p:sp>
+      <p:sp>
+        <p:nvSpPr>
+          <p:cNvPr id="3" name="Picture Placeholder 2"/>
+          <p:cNvSpPr>
+            <a:spLocks noGrp="1" noChangeAspect="1"/>
           </p:cNvSpPr>
           <p:nvPr>
             <p:ph type="pic" idx="1"/>
@@ -3174,12 +2865,12 @@
         </p:nvSpPr>
         <p:spPr>
           <a:xfrm>
-            <a:off x="3887391" y="987426"/>
-            <a:ext cx="4629150" cy="4873625"/>
+            <a:off x="5183188" y="987425"/>
+            <a:ext cx="6172200" cy="4873625"/>
           </a:xfrm>
         </p:spPr>
         <p:txBody>
-          <a:bodyPr/>
+          <a:bodyPr anchor="t"/>
           <a:lstStyle>
             <a:lvl1pPr marL="0" indent="0">
               <a:buNone/>
@@ -3219,19 +2910,17 @@
             </a:lvl9pPr>
           </a:lstStyle>
           <a:p>
-            <a:endParaRPr kumimoji="1" lang="ja-JP" altLang="en-US"/>
-          </a:p>
-        </p:txBody>
-      </p:sp>
-      <p:sp>
-        <p:nvSpPr>
-          <p:cNvPr id="4" name="テキスト プレースホルダー 3">
-            <a:extLst>
-              <a:ext uri="{FF2B5EF4-FFF2-40B4-BE49-F238E27FC236}">
-                <a16:creationId xmlns:a16="http://schemas.microsoft.com/office/drawing/2014/main" id="{C7480445-5168-40B5-ABFE-461FF3C35C05}"/>
-              </a:ext>
-            </a:extLst>
-          </p:cNvPr>
+            <a:r>
+              <a:rPr lang="ja-JP" altLang="en-US"/>
+              <a:t>アイコンをクリックして図を追加</a:t>
+            </a:r>
+            <a:endParaRPr lang="en-US" dirty="0"/>
+          </a:p>
+        </p:txBody>
+      </p:sp>
+      <p:sp>
+        <p:nvSpPr>
+          <p:cNvPr id="4" name="Text Placeholder 3"/>
           <p:cNvSpPr>
             <a:spLocks noGrp="1"/>
           </p:cNvSpPr>
@@ -3241,8 +2930,8 @@
         </p:nvSpPr>
         <p:spPr>
           <a:xfrm>
-            <a:off x="629841" y="2057400"/>
-            <a:ext cx="2949178" cy="3811588"/>
+            <a:off x="839788" y="2057400"/>
+            <a:ext cx="3932237" cy="3811588"/>
           </a:xfrm>
         </p:spPr>
         <p:txBody>
@@ -3288,7 +2977,7 @@
           <a:p>
             <a:pPr lvl="0"/>
             <a:r>
-              <a:rPr kumimoji="1" lang="ja-JP" altLang="en-US"/>
+              <a:rPr lang="ja-JP" altLang="en-US"/>
               <a:t>マスター テキストの書式設定</a:t>
             </a:r>
           </a:p>
@@ -3296,13 +2985,7 @@
       </p:sp>
       <p:sp>
         <p:nvSpPr>
-          <p:cNvPr id="5" name="日付プレースホルダー 4">
-            <a:extLst>
-              <a:ext uri="{FF2B5EF4-FFF2-40B4-BE49-F238E27FC236}">
-                <a16:creationId xmlns:a16="http://schemas.microsoft.com/office/drawing/2014/main" id="{521ECF7E-BD91-4A78-BA11-C7AA653C7969}"/>
-              </a:ext>
-            </a:extLst>
-          </p:cNvPr>
+          <p:cNvPr id="5" name="Date Placeholder 4"/>
           <p:cNvSpPr>
             <a:spLocks noGrp="1"/>
           </p:cNvSpPr>
@@ -3317,7 +3000,7 @@
           <a:p>
             <a:fld id="{BCC3470B-979D-4AC3-9CEF-E2615858CE2E}" type="datetimeFigureOut">
               <a:rPr kumimoji="1" lang="ja-JP" altLang="en-US" smtClean="0"/>
-              <a:t>2017/9/10</a:t>
+              <a:t>2023/8/25</a:t>
             </a:fld>
             <a:endParaRPr kumimoji="1" lang="ja-JP" altLang="en-US"/>
           </a:p>
@@ -3325,13 +3008,7 @@
       </p:sp>
       <p:sp>
         <p:nvSpPr>
-          <p:cNvPr id="6" name="フッター プレースホルダー 5">
-            <a:extLst>
-              <a:ext uri="{FF2B5EF4-FFF2-40B4-BE49-F238E27FC236}">
-                <a16:creationId xmlns:a16="http://schemas.microsoft.com/office/drawing/2014/main" id="{837EC663-4A4A-43E3-884F-DFCBF1673EEA}"/>
-              </a:ext>
-            </a:extLst>
-          </p:cNvPr>
+          <p:cNvPr id="6" name="Footer Placeholder 5"/>
           <p:cNvSpPr>
             <a:spLocks noGrp="1"/>
           </p:cNvSpPr>
@@ -3350,13 +3027,7 @@
       </p:sp>
       <p:sp>
         <p:nvSpPr>
-          <p:cNvPr id="7" name="スライド番号プレースホルダー 6">
-            <a:extLst>
-              <a:ext uri="{FF2B5EF4-FFF2-40B4-BE49-F238E27FC236}">
-                <a16:creationId xmlns:a16="http://schemas.microsoft.com/office/drawing/2014/main" id="{C39F6F37-892C-4014-A0C6-77EF3492C846}"/>
-              </a:ext>
-            </a:extLst>
-          </p:cNvPr>
+          <p:cNvPr id="7" name="Slide Number Placeholder 6"/>
           <p:cNvSpPr>
             <a:spLocks noGrp="1"/>
           </p:cNvSpPr>
@@ -3380,7 +3051,7 @@
     </p:spTree>
     <p:extLst>
       <p:ext uri="{BB962C8B-B14F-4D97-AF65-F5344CB8AC3E}">
-        <p14:creationId xmlns:p14="http://schemas.microsoft.com/office/powerpoint/2010/main" val="764307389"/>
+        <p14:creationId xmlns:p14="http://schemas.microsoft.com/office/powerpoint/2010/main" val="1380375425"/>
       </p:ext>
     </p:extLst>
   </p:cSld>
@@ -3414,13 +3085,7 @@
       </p:grpSpPr>
       <p:sp>
         <p:nvSpPr>
-          <p:cNvPr id="2" name="タイトル プレースホルダー 1">
-            <a:extLst>
-              <a:ext uri="{FF2B5EF4-FFF2-40B4-BE49-F238E27FC236}">
-                <a16:creationId xmlns:a16="http://schemas.microsoft.com/office/drawing/2014/main" id="{DB27D74D-F45C-4C91-B82A-E0A4952D99BC}"/>
-              </a:ext>
-            </a:extLst>
-          </p:cNvPr>
+          <p:cNvPr id="2" name="Title Placeholder 1"/>
           <p:cNvSpPr>
             <a:spLocks noGrp="1"/>
           </p:cNvSpPr>
@@ -3430,8 +3095,8 @@
         </p:nvSpPr>
         <p:spPr>
           <a:xfrm>
-            <a:off x="628650" y="365126"/>
-            <a:ext cx="7886700" cy="1325563"/>
+            <a:off x="838200" y="365125"/>
+            <a:ext cx="10515600" cy="1325563"/>
           </a:xfrm>
           <a:prstGeom prst="rect">
             <a:avLst/>
@@ -3444,21 +3109,16 @@
           <a:lstStyle/>
           <a:p>
             <a:r>
-              <a:rPr kumimoji="1" lang="ja-JP" altLang="en-US"/>
+              <a:rPr lang="ja-JP" altLang="en-US"/>
               <a:t>マスター タイトルの書式設定</a:t>
             </a:r>
-          </a:p>
-        </p:txBody>
-      </p:sp>
-      <p:sp>
-        <p:nvSpPr>
-          <p:cNvPr id="3" name="テキスト プレースホルダー 2">
-            <a:extLst>
-              <a:ext uri="{FF2B5EF4-FFF2-40B4-BE49-F238E27FC236}">
-                <a16:creationId xmlns:a16="http://schemas.microsoft.com/office/drawing/2014/main" id="{C0B8D245-CCE6-404F-82D7-72BA357D8D7E}"/>
-              </a:ext>
-            </a:extLst>
-          </p:cNvPr>
+            <a:endParaRPr lang="en-US" dirty="0"/>
+          </a:p>
+        </p:txBody>
+      </p:sp>
+      <p:sp>
+        <p:nvSpPr>
+          <p:cNvPr id="3" name="Text Placeholder 2"/>
           <p:cNvSpPr>
             <a:spLocks noGrp="1"/>
           </p:cNvSpPr>
@@ -3468,8 +3128,8 @@
         </p:nvSpPr>
         <p:spPr>
           <a:xfrm>
-            <a:off x="628650" y="1825625"/>
-            <a:ext cx="7886700" cy="4351338"/>
+            <a:off x="838200" y="1825625"/>
+            <a:ext cx="10515600" cy="4351338"/>
           </a:xfrm>
           <a:prstGeom prst="rect">
             <a:avLst/>
@@ -3483,81 +3143,76 @@
           <a:p>
             <a:pPr lvl="0"/>
             <a:r>
-              <a:rPr kumimoji="1" lang="ja-JP" altLang="en-US"/>
+              <a:rPr lang="ja-JP" altLang="en-US"/>
               <a:t>マスター テキストの書式設定</a:t>
             </a:r>
           </a:p>
           <a:p>
             <a:pPr lvl="1"/>
             <a:r>
-              <a:rPr kumimoji="1" lang="ja-JP" altLang="en-US"/>
+              <a:rPr lang="ja-JP" altLang="en-US"/>
               <a:t>第 </a:t>
             </a:r>
             <a:r>
-              <a:rPr kumimoji="1" lang="en-US" altLang="ja-JP"/>
+              <a:rPr lang="en-US" altLang="ja-JP"/>
               <a:t>2 </a:t>
             </a:r>
             <a:r>
-              <a:rPr kumimoji="1" lang="ja-JP" altLang="en-US"/>
+              <a:rPr lang="ja-JP" altLang="en-US"/>
               <a:t>レベル</a:t>
             </a:r>
           </a:p>
           <a:p>
             <a:pPr lvl="2"/>
             <a:r>
-              <a:rPr kumimoji="1" lang="ja-JP" altLang="en-US"/>
+              <a:rPr lang="ja-JP" altLang="en-US"/>
               <a:t>第 </a:t>
             </a:r>
             <a:r>
-              <a:rPr kumimoji="1" lang="en-US" altLang="ja-JP"/>
+              <a:rPr lang="en-US" altLang="ja-JP"/>
               <a:t>3 </a:t>
             </a:r>
             <a:r>
-              <a:rPr kumimoji="1" lang="ja-JP" altLang="en-US"/>
+              <a:rPr lang="ja-JP" altLang="en-US"/>
               <a:t>レベル</a:t>
             </a:r>
           </a:p>
           <a:p>
             <a:pPr lvl="3"/>
             <a:r>
-              <a:rPr kumimoji="1" lang="ja-JP" altLang="en-US"/>
+              <a:rPr lang="ja-JP" altLang="en-US"/>
               <a:t>第 </a:t>
             </a:r>
             <a:r>
-              <a:rPr kumimoji="1" lang="en-US" altLang="ja-JP"/>
+              <a:rPr lang="en-US" altLang="ja-JP"/>
               <a:t>4 </a:t>
             </a:r>
             <a:r>
-              <a:rPr kumimoji="1" lang="ja-JP" altLang="en-US"/>
+              <a:rPr lang="ja-JP" altLang="en-US"/>
               <a:t>レベル</a:t>
             </a:r>
           </a:p>
           <a:p>
             <a:pPr lvl="4"/>
             <a:r>
-              <a:rPr kumimoji="1" lang="ja-JP" altLang="en-US"/>
+              <a:rPr lang="ja-JP" altLang="en-US"/>
               <a:t>第 </a:t>
             </a:r>
             <a:r>
-              <a:rPr kumimoji="1" lang="en-US" altLang="ja-JP"/>
+              <a:rPr lang="en-US" altLang="ja-JP"/>
               <a:t>5 </a:t>
             </a:r>
             <a:r>
-              <a:rPr kumimoji="1" lang="ja-JP" altLang="en-US"/>
+              <a:rPr lang="ja-JP" altLang="en-US"/>
               <a:t>レベル</a:t>
             </a:r>
-          </a:p>
-        </p:txBody>
-      </p:sp>
-      <p:sp>
-        <p:nvSpPr>
-          <p:cNvPr id="4" name="日付プレースホルダー 3">
-            <a:extLst>
-              <a:ext uri="{FF2B5EF4-FFF2-40B4-BE49-F238E27FC236}">
-                <a16:creationId xmlns:a16="http://schemas.microsoft.com/office/drawing/2014/main" id="{70295F89-3A91-48EB-9192-772ADF1B5864}"/>
-              </a:ext>
-            </a:extLst>
-          </p:cNvPr>
+            <a:endParaRPr lang="en-US" dirty="0"/>
+          </a:p>
+        </p:txBody>
+      </p:sp>
+      <p:sp>
+        <p:nvSpPr>
+          <p:cNvPr id="4" name="Date Placeholder 3"/>
           <p:cNvSpPr>
             <a:spLocks noGrp="1"/>
           </p:cNvSpPr>
@@ -3567,8 +3222,8 @@
         </p:nvSpPr>
         <p:spPr>
           <a:xfrm>
-            <a:off x="628650" y="6356351"/>
-            <a:ext cx="2057400" cy="365125"/>
+            <a:off x="838200" y="6356350"/>
+            <a:ext cx="2743200" cy="365125"/>
           </a:xfrm>
           <a:prstGeom prst="rect">
             <a:avLst/>
@@ -3590,7 +3245,7 @@
           <a:p>
             <a:fld id="{BCC3470B-979D-4AC3-9CEF-E2615858CE2E}" type="datetimeFigureOut">
               <a:rPr kumimoji="1" lang="ja-JP" altLang="en-US" smtClean="0"/>
-              <a:t>2017/9/10</a:t>
+              <a:t>2023/8/25</a:t>
             </a:fld>
             <a:endParaRPr kumimoji="1" lang="ja-JP" altLang="en-US"/>
           </a:p>
@@ -3598,13 +3253,7 @@
       </p:sp>
       <p:sp>
         <p:nvSpPr>
-          <p:cNvPr id="5" name="フッター プレースホルダー 4">
-            <a:extLst>
-              <a:ext uri="{FF2B5EF4-FFF2-40B4-BE49-F238E27FC236}">
-                <a16:creationId xmlns:a16="http://schemas.microsoft.com/office/drawing/2014/main" id="{E47E0B0A-84E7-454B-8F60-7C126E1EDC76}"/>
-              </a:ext>
-            </a:extLst>
-          </p:cNvPr>
+          <p:cNvPr id="5" name="Footer Placeholder 4"/>
           <p:cNvSpPr>
             <a:spLocks noGrp="1"/>
           </p:cNvSpPr>
@@ -3614,8 +3263,8 @@
         </p:nvSpPr>
         <p:spPr>
           <a:xfrm>
-            <a:off x="3028950" y="6356351"/>
-            <a:ext cx="3086100" cy="365125"/>
+            <a:off x="4038600" y="6356350"/>
+            <a:ext cx="4114800" cy="365125"/>
           </a:xfrm>
           <a:prstGeom prst="rect">
             <a:avLst/>
@@ -3641,13 +3290,7 @@
       </p:sp>
       <p:sp>
         <p:nvSpPr>
-          <p:cNvPr id="6" name="スライド番号プレースホルダー 5">
-            <a:extLst>
-              <a:ext uri="{FF2B5EF4-FFF2-40B4-BE49-F238E27FC236}">
-                <a16:creationId xmlns:a16="http://schemas.microsoft.com/office/drawing/2014/main" id="{84A3534F-9767-433C-9943-7509C1C58129}"/>
-              </a:ext>
-            </a:extLst>
-          </p:cNvPr>
+          <p:cNvPr id="6" name="Slide Number Placeholder 5"/>
           <p:cNvSpPr>
             <a:spLocks noGrp="1"/>
           </p:cNvSpPr>
@@ -3657,8 +3300,8 @@
         </p:nvSpPr>
         <p:spPr>
           <a:xfrm>
-            <a:off x="6457950" y="6356351"/>
-            <a:ext cx="2057400" cy="365125"/>
+            <a:off x="8610600" y="6356350"/>
+            <a:ext cx="2743200" cy="365125"/>
           </a:xfrm>
           <a:prstGeom prst="rect">
             <a:avLst/>
@@ -3689,23 +3332,23 @@
     </p:spTree>
     <p:extLst>
       <p:ext uri="{BB962C8B-B14F-4D97-AF65-F5344CB8AC3E}">
-        <p14:creationId xmlns:p14="http://schemas.microsoft.com/office/powerpoint/2010/main" val="554696255"/>
+        <p14:creationId xmlns:p14="http://schemas.microsoft.com/office/powerpoint/2010/main" val="1632256569"/>
       </p:ext>
     </p:extLst>
   </p:cSld>
   <p:clrMap bg1="lt1" tx1="dk1" bg2="lt2" tx2="dk2" accent1="accent1" accent2="accent2" accent3="accent3" accent4="accent4" accent5="accent5" accent6="accent6" hlink="hlink" folHlink="folHlink"/>
   <p:sldLayoutIdLst>
-    <p:sldLayoutId id="2147483649" r:id="rId1"/>
-    <p:sldLayoutId id="2147483650" r:id="rId2"/>
-    <p:sldLayoutId id="2147483651" r:id="rId3"/>
-    <p:sldLayoutId id="2147483652" r:id="rId4"/>
-    <p:sldLayoutId id="2147483653" r:id="rId5"/>
-    <p:sldLayoutId id="2147483654" r:id="rId6"/>
-    <p:sldLayoutId id="2147483655" r:id="rId7"/>
-    <p:sldLayoutId id="2147483656" r:id="rId8"/>
-    <p:sldLayoutId id="2147483657" r:id="rId9"/>
-    <p:sldLayoutId id="2147483658" r:id="rId10"/>
-    <p:sldLayoutId id="2147483659" r:id="rId11"/>
+    <p:sldLayoutId id="2147483661" r:id="rId1"/>
+    <p:sldLayoutId id="2147483662" r:id="rId2"/>
+    <p:sldLayoutId id="2147483663" r:id="rId3"/>
+    <p:sldLayoutId id="2147483664" r:id="rId4"/>
+    <p:sldLayoutId id="2147483665" r:id="rId5"/>
+    <p:sldLayoutId id="2147483666" r:id="rId6"/>
+    <p:sldLayoutId id="2147483667" r:id="rId7"/>
+    <p:sldLayoutId id="2147483668" r:id="rId8"/>
+    <p:sldLayoutId id="2147483669" r:id="rId9"/>
+    <p:sldLayoutId id="2147483670" r:id="rId10"/>
+    <p:sldLayoutId id="2147483671" r:id="rId11"/>
   </p:sldLayoutIdLst>
   <p:txStyles>
     <p:titleStyle>
@@ -3717,7 +3360,7 @@
           <a:spcPct val="0"/>
         </a:spcBef>
         <a:buNone/>
-        <a:defRPr kumimoji="1" sz="4400" kern="1200">
+        <a:defRPr sz="4400" kern="1200">
           <a:solidFill>
             <a:schemeClr val="tx1"/>
           </a:solidFill>
@@ -3737,7 +3380,7 @@
         </a:spcBef>
         <a:buFont typeface="Arial" panose="020B0604020202020204" pitchFamily="34" charset="0"/>
         <a:buChar char="•"/>
-        <a:defRPr kumimoji="1" sz="2800" kern="1200">
+        <a:defRPr sz="2800" kern="1200">
           <a:solidFill>
             <a:schemeClr val="tx1"/>
           </a:solidFill>
@@ -3755,7 +3398,7 @@
         </a:spcBef>
         <a:buFont typeface="Arial" panose="020B0604020202020204" pitchFamily="34" charset="0"/>
         <a:buChar char="•"/>
-        <a:defRPr kumimoji="1" sz="2400" kern="1200">
+        <a:defRPr sz="2400" kern="1200">
           <a:solidFill>
             <a:schemeClr val="tx1"/>
           </a:solidFill>
@@ -3773,7 +3416,7 @@
         </a:spcBef>
         <a:buFont typeface="Arial" panose="020B0604020202020204" pitchFamily="34" charset="0"/>
         <a:buChar char="•"/>
-        <a:defRPr kumimoji="1" sz="2000" kern="1200">
+        <a:defRPr sz="2000" kern="1200">
           <a:solidFill>
             <a:schemeClr val="tx1"/>
           </a:solidFill>
@@ -3791,7 +3434,7 @@
         </a:spcBef>
         <a:buFont typeface="Arial" panose="020B0604020202020204" pitchFamily="34" charset="0"/>
         <a:buChar char="•"/>
-        <a:defRPr kumimoji="1" sz="1800" kern="1200">
+        <a:defRPr sz="1800" kern="1200">
           <a:solidFill>
             <a:schemeClr val="tx1"/>
           </a:solidFill>
@@ -3809,7 +3452,7 @@
         </a:spcBef>
         <a:buFont typeface="Arial" panose="020B0604020202020204" pitchFamily="34" charset="0"/>
         <a:buChar char="•"/>
-        <a:defRPr kumimoji="1" sz="1800" kern="1200">
+        <a:defRPr sz="1800" kern="1200">
           <a:solidFill>
             <a:schemeClr val="tx1"/>
           </a:solidFill>
@@ -3827,7 +3470,7 @@
         </a:spcBef>
         <a:buFont typeface="Arial" panose="020B0604020202020204" pitchFamily="34" charset="0"/>
         <a:buChar char="•"/>
-        <a:defRPr kumimoji="1" sz="1800" kern="1200">
+        <a:defRPr sz="1800" kern="1200">
           <a:solidFill>
             <a:schemeClr val="tx1"/>
           </a:solidFill>
@@ -3845,7 +3488,7 @@
         </a:spcBef>
         <a:buFont typeface="Arial" panose="020B0604020202020204" pitchFamily="34" charset="0"/>
         <a:buChar char="•"/>
-        <a:defRPr kumimoji="1" sz="1800" kern="1200">
+        <a:defRPr sz="1800" kern="1200">
           <a:solidFill>
             <a:schemeClr val="tx1"/>
           </a:solidFill>
@@ -3863,7 +3506,7 @@
         </a:spcBef>
         <a:buFont typeface="Arial" panose="020B0604020202020204" pitchFamily="34" charset="0"/>
         <a:buChar char="•"/>
-        <a:defRPr kumimoji="1" sz="1800" kern="1200">
+        <a:defRPr sz="1800" kern="1200">
           <a:solidFill>
             <a:schemeClr val="tx1"/>
           </a:solidFill>
@@ -3881,7 +3524,7 @@
         </a:spcBef>
         <a:buFont typeface="Arial" panose="020B0604020202020204" pitchFamily="34" charset="0"/>
         <a:buChar char="•"/>
-        <a:defRPr kumimoji="1" sz="1800" kern="1200">
+        <a:defRPr sz="1800" kern="1200">
           <a:solidFill>
             <a:schemeClr val="tx1"/>
           </a:solidFill>
@@ -3893,10 +3536,10 @@
     </p:bodyStyle>
     <p:otherStyle>
       <a:defPPr>
-        <a:defRPr lang="ja-JP"/>
+        <a:defRPr lang="en-US"/>
       </a:defPPr>
       <a:lvl1pPr marL="0" algn="l" defTabSz="914400" rtl="0" eaLnBrk="1" latinLnBrk="0" hangingPunct="1">
-        <a:defRPr kumimoji="1" sz="1800" kern="1200">
+        <a:defRPr sz="1800" kern="1200">
           <a:solidFill>
             <a:schemeClr val="tx1"/>
           </a:solidFill>
@@ -3906,7 +3549,7 @@
         </a:defRPr>
       </a:lvl1pPr>
       <a:lvl2pPr marL="457200" algn="l" defTabSz="914400" rtl="0" eaLnBrk="1" latinLnBrk="0" hangingPunct="1">
-        <a:defRPr kumimoji="1" sz="1800" kern="1200">
+        <a:defRPr sz="1800" kern="1200">
           <a:solidFill>
             <a:schemeClr val="tx1"/>
           </a:solidFill>
@@ -3916,7 +3559,7 @@
         </a:defRPr>
       </a:lvl2pPr>
       <a:lvl3pPr marL="914400" algn="l" defTabSz="914400" rtl="0" eaLnBrk="1" latinLnBrk="0" hangingPunct="1">
-        <a:defRPr kumimoji="1" sz="1800" kern="1200">
+        <a:defRPr sz="1800" kern="1200">
           <a:solidFill>
             <a:schemeClr val="tx1"/>
           </a:solidFill>
@@ -3926,7 +3569,7 @@
         </a:defRPr>
       </a:lvl3pPr>
       <a:lvl4pPr marL="1371600" algn="l" defTabSz="914400" rtl="0" eaLnBrk="1" latinLnBrk="0" hangingPunct="1">
-        <a:defRPr kumimoji="1" sz="1800" kern="1200">
+        <a:defRPr sz="1800" kern="1200">
           <a:solidFill>
             <a:schemeClr val="tx1"/>
           </a:solidFill>
@@ -3936,7 +3579,7 @@
         </a:defRPr>
       </a:lvl4pPr>
       <a:lvl5pPr marL="1828800" algn="l" defTabSz="914400" rtl="0" eaLnBrk="1" latinLnBrk="0" hangingPunct="1">
-        <a:defRPr kumimoji="1" sz="1800" kern="1200">
+        <a:defRPr sz="1800" kern="1200">
           <a:solidFill>
             <a:schemeClr val="tx1"/>
           </a:solidFill>
@@ -3946,7 +3589,7 @@
         </a:defRPr>
       </a:lvl5pPr>
       <a:lvl6pPr marL="2286000" algn="l" defTabSz="914400" rtl="0" eaLnBrk="1" latinLnBrk="0" hangingPunct="1">
-        <a:defRPr kumimoji="1" sz="1800" kern="1200">
+        <a:defRPr sz="1800" kern="1200">
           <a:solidFill>
             <a:schemeClr val="tx1"/>
           </a:solidFill>
@@ -3956,7 +3599,7 @@
         </a:defRPr>
       </a:lvl6pPr>
       <a:lvl7pPr marL="2743200" algn="l" defTabSz="914400" rtl="0" eaLnBrk="1" latinLnBrk="0" hangingPunct="1">
-        <a:defRPr kumimoji="1" sz="1800" kern="1200">
+        <a:defRPr sz="1800" kern="1200">
           <a:solidFill>
             <a:schemeClr val="tx1"/>
           </a:solidFill>
@@ -3966,7 +3609,7 @@
         </a:defRPr>
       </a:lvl7pPr>
       <a:lvl8pPr marL="3200400" algn="l" defTabSz="914400" rtl="0" eaLnBrk="1" latinLnBrk="0" hangingPunct="1">
-        <a:defRPr kumimoji="1" sz="1800" kern="1200">
+        <a:defRPr sz="1800" kern="1200">
           <a:solidFill>
             <a:schemeClr val="tx1"/>
           </a:solidFill>
@@ -3976,7 +3619,7 @@
         </a:defRPr>
       </a:lvl8pPr>
       <a:lvl9pPr marL="3657600" algn="l" defTabSz="914400" rtl="0" eaLnBrk="1" latinLnBrk="0" hangingPunct="1">
-        <a:defRPr kumimoji="1" sz="1800" kern="1200">
+        <a:defRPr sz="1800" kern="1200">
           <a:solidFill>
             <a:schemeClr val="tx1"/>
           </a:solidFill>
@@ -4007,12 +3650,48 @@
           <a:chExt cx="0" cy="0"/>
         </a:xfrm>
       </p:grpSpPr>
+      <p:pic>
+        <p:nvPicPr>
+          <p:cNvPr id="6" name="図 5">
+            <a:extLst>
+              <a:ext uri="{FF2B5EF4-FFF2-40B4-BE49-F238E27FC236}">
+                <a16:creationId xmlns:a16="http://schemas.microsoft.com/office/drawing/2014/main" id="{F38E1B96-59C7-C13E-FD67-E3D8B77E9FEE}"/>
+              </a:ext>
+            </a:extLst>
+          </p:cNvPr>
+          <p:cNvPicPr>
+            <a:picLocks noChangeAspect="1"/>
+          </p:cNvPicPr>
+          <p:nvPr/>
+        </p:nvPicPr>
+        <p:blipFill>
+          <a:blip r:embed="rId2">
+            <a:extLst>
+              <a:ext uri="{28A0092B-C50C-407E-A947-70E740481C1C}">
+                <a14:useLocalDpi xmlns:a14="http://schemas.microsoft.com/office/drawing/2010/main" val="0"/>
+              </a:ext>
+            </a:extLst>
+          </a:blip>
+          <a:stretch>
+            <a:fillRect/>
+          </a:stretch>
+        </p:blipFill>
+        <p:spPr>
+          <a:xfrm>
+            <a:off x="3591763" y="1014037"/>
+            <a:ext cx="4371712" cy="4651329"/>
+          </a:xfrm>
+          <a:prstGeom prst="rect">
+            <a:avLst/>
+          </a:prstGeom>
+        </p:spPr>
+      </p:pic>
       <p:sp>
         <p:nvSpPr>
           <p:cNvPr id="2" name="タイトル 1">
             <a:extLst>
               <a:ext uri="{FF2B5EF4-FFF2-40B4-BE49-F238E27FC236}">
-                <a16:creationId xmlns:a16="http://schemas.microsoft.com/office/drawing/2014/main" id="{E0A6C36D-B57E-41FF-B110-33EBAF6F6A44}"/>
+                <a16:creationId xmlns:a16="http://schemas.microsoft.com/office/drawing/2014/main" id="{F9A1451B-504E-4EAC-B7E4-07A4B7A2A9F5}"/>
               </a:ext>
             </a:extLst>
           </p:cNvPr>
@@ -4025,8 +3704,8 @@
         </p:nvSpPr>
         <p:spPr>
           <a:xfrm>
-            <a:off x="628649" y="365126"/>
-            <a:ext cx="8020675" cy="1325563"/>
+            <a:off x="384657" y="347011"/>
+            <a:ext cx="10515600" cy="829494"/>
           </a:xfrm>
         </p:spPr>
         <p:txBody>
@@ -4036,7 +3715,7 @@
           <a:lstStyle/>
           <a:p>
             <a:r>
-              <a:rPr lang="en-US" altLang="ja-JP" sz="4000">
+              <a:rPr lang="en-US" altLang="ja-JP" sz="4000" dirty="0">
                 <a:solidFill>
                   <a:schemeClr val="accent1"/>
                 </a:solidFill>
@@ -4046,7 +3725,7 @@
               <a:t>7. </a:t>
             </a:r>
             <a:r>
-              <a:rPr lang="ja-JP" altLang="en-US" sz="4000">
+              <a:rPr lang="ja-JP" altLang="en-US" sz="4000" dirty="0">
                 <a:solidFill>
                   <a:schemeClr val="accent1"/>
                 </a:solidFill>
@@ -4055,55 +3734,212 @@
               </a:rPr>
               <a:t>音声の認識：高度な音響モデル</a:t>
             </a:r>
-            <a:endParaRPr kumimoji="1" lang="ja-JP" altLang="en-US" sz="4000">
-              <a:solidFill>
-                <a:schemeClr val="accent1"/>
-              </a:solidFill>
+          </a:p>
+        </p:txBody>
+      </p:sp>
+      <p:sp>
+        <p:nvSpPr>
+          <p:cNvPr id="5" name="テキスト ボックス 4">
+            <a:extLst>
+              <a:ext uri="{FF2B5EF4-FFF2-40B4-BE49-F238E27FC236}">
+                <a16:creationId xmlns:a16="http://schemas.microsoft.com/office/drawing/2014/main" id="{E979BD5E-4176-A88C-DBED-0029D8B05292}"/>
+              </a:ext>
+            </a:extLst>
+          </p:cNvPr>
+          <p:cNvSpPr txBox="1"/>
+          <p:nvPr/>
+        </p:nvSpPr>
+        <p:spPr>
+          <a:xfrm>
+            <a:off x="7453506" y="5211575"/>
+            <a:ext cx="4559053" cy="1077218"/>
+          </a:xfrm>
+          <a:prstGeom prst="rect">
+            <a:avLst/>
+          </a:prstGeom>
+          <a:noFill/>
+        </p:spPr>
+        <p:txBody>
+          <a:bodyPr wrap="square" rtlCol="0">
+            <a:spAutoFit/>
+          </a:bodyPr>
+          <a:lstStyle/>
+          <a:p>
+            <a:pPr marL="285750" indent="-285750">
+              <a:spcBef>
+                <a:spcPts val="600"/>
+              </a:spcBef>
+              <a:buFont typeface="Arial" panose="020B0604020202020204" pitchFamily="34" charset="0"/>
+              <a:buChar char="•"/>
+            </a:pPr>
+            <a:r>
+              <a:rPr lang="ja-JP" altLang="en-US" dirty="0"/>
+              <a:t>荒木雅弘</a:t>
+            </a:r>
+            <a:r>
+              <a:rPr lang="en-US" altLang="ja-JP" dirty="0"/>
+              <a:t> :『</a:t>
+            </a:r>
+            <a:r>
+              <a:rPr lang="ja-JP" altLang="en-US" dirty="0"/>
+              <a:t>イラストで学ぶ音声認識</a:t>
+            </a:r>
+            <a:r>
+              <a:rPr lang="en-US" altLang="ja-JP" dirty="0"/>
+              <a:t>』</a:t>
+            </a:r>
+          </a:p>
+          <a:p>
+            <a:pPr>
+              <a:spcBef>
+                <a:spcPts val="600"/>
+              </a:spcBef>
+            </a:pPr>
+            <a:r>
+              <a:rPr lang="ja-JP" altLang="en-US" dirty="0"/>
+              <a:t>　（講談社</a:t>
+            </a:r>
+            <a:r>
+              <a:rPr lang="en-US" altLang="ja-JP" dirty="0"/>
+              <a:t>,</a:t>
+            </a:r>
+            <a:r>
+              <a:rPr lang="ja-JP" altLang="en-US" dirty="0"/>
+              <a:t> </a:t>
+            </a:r>
+            <a:r>
+              <a:rPr lang="en-US" altLang="ja-JP" dirty="0"/>
+              <a:t>2015</a:t>
+            </a:r>
+            <a:r>
+              <a:rPr lang="ja-JP" altLang="en-US" dirty="0"/>
+              <a:t>年）</a:t>
+            </a:r>
+            <a:endParaRPr lang="en-US" altLang="ja-JP" dirty="0"/>
+          </a:p>
+          <a:p>
+            <a:pPr marL="285750" indent="-285750">
+              <a:spcBef>
+                <a:spcPts val="600"/>
+              </a:spcBef>
+              <a:buFont typeface="Arial" panose="020B0604020202020204" pitchFamily="34" charset="0"/>
+              <a:buChar char="•"/>
+            </a:pPr>
+            <a:r>
+              <a:rPr lang="ja-JP" altLang="en-US" dirty="0">
+                <a:hlinkClick r:id="rId3"/>
+              </a:rPr>
+              <a:t>サポートページ</a:t>
+            </a:r>
+            <a:endParaRPr lang="en-US" dirty="0"/>
+          </a:p>
+        </p:txBody>
+      </p:sp>
+      <p:pic>
+        <p:nvPicPr>
+          <p:cNvPr id="3" name="図 2">
+            <a:extLst>
+              <a:ext uri="{FF2B5EF4-FFF2-40B4-BE49-F238E27FC236}">
+                <a16:creationId xmlns:a16="http://schemas.microsoft.com/office/drawing/2014/main" id="{F7698FEA-6294-08A1-296D-5D1B60E2FCC4}"/>
+              </a:ext>
+            </a:extLst>
+          </p:cNvPr>
+          <p:cNvPicPr>
+            <a:picLocks noChangeAspect="1"/>
+          </p:cNvPicPr>
+          <p:nvPr/>
+        </p:nvPicPr>
+        <p:blipFill>
+          <a:blip r:embed="rId4">
+            <a:extLst>
+              <a:ext uri="{28A0092B-C50C-407E-A947-70E740481C1C}">
+                <a14:useLocalDpi xmlns:a14="http://schemas.microsoft.com/office/drawing/2010/main" val="0"/>
+              </a:ext>
+            </a:extLst>
+          </a:blip>
+          <a:stretch>
+            <a:fillRect/>
+          </a:stretch>
+        </p:blipFill>
+        <p:spPr>
+          <a:xfrm>
+            <a:off x="8366615" y="1053081"/>
+            <a:ext cx="2725188" cy="3867171"/>
+          </a:xfrm>
+          <a:prstGeom prst="rect">
+            <a:avLst/>
+          </a:prstGeom>
+        </p:spPr>
+      </p:pic>
+      <p:sp>
+        <p:nvSpPr>
+          <p:cNvPr id="7" name="コンテンツ プレースホルダー 2">
+            <a:extLst>
+              <a:ext uri="{FF2B5EF4-FFF2-40B4-BE49-F238E27FC236}">
+                <a16:creationId xmlns:a16="http://schemas.microsoft.com/office/drawing/2014/main" id="{1BBBF547-AFA4-E491-EC8F-36D566715F6A}"/>
+              </a:ext>
+            </a:extLst>
+          </p:cNvPr>
+          <p:cNvSpPr>
+            <a:spLocks noGrp="1"/>
+          </p:cNvSpPr>
+          <p:nvPr>
+            <p:ph idx="1"/>
+          </p:nvPr>
+        </p:nvSpPr>
+        <p:spPr>
+          <a:xfrm>
+            <a:off x="626971" y="4920252"/>
+            <a:ext cx="6692113" cy="1465918"/>
+          </a:xfrm>
+        </p:spPr>
+        <p:txBody>
+          <a:bodyPr>
+            <a:normAutofit/>
+          </a:bodyPr>
+          <a:lstStyle/>
+          <a:p>
+            <a:pPr marL="0" indent="0">
+              <a:buNone/>
+            </a:pPr>
+            <a:r>
+              <a:rPr kumimoji="1" lang="en-US" altLang="ja-JP" sz="2400" dirty="0">
+                <a:latin typeface="メイリオ" panose="020B0604030504040204" pitchFamily="50" charset="-128"/>
+                <a:ea typeface="メイリオ" panose="020B0604030504040204" pitchFamily="50" charset="-128"/>
+              </a:rPr>
+              <a:t>7.1 </a:t>
+            </a:r>
+            <a:r>
+              <a:rPr kumimoji="1" lang="ja-JP" altLang="en-US" sz="2400" dirty="0">
+                <a:latin typeface="メイリオ" panose="020B0604030504040204" pitchFamily="50" charset="-128"/>
+                <a:ea typeface="メイリオ" panose="020B0604030504040204" pitchFamily="50" charset="-128"/>
+              </a:rPr>
+              <a:t>実際の音響モデル</a:t>
+            </a:r>
+            <a:endParaRPr kumimoji="1" lang="en-US" altLang="ja-JP" sz="2400" dirty="0">
               <a:latin typeface="メイリオ" panose="020B0604030504040204" pitchFamily="50" charset="-128"/>
               <a:ea typeface="メイリオ" panose="020B0604030504040204" pitchFamily="50" charset="-128"/>
             </a:endParaRPr>
           </a:p>
-        </p:txBody>
-      </p:sp>
-      <p:sp>
-        <p:nvSpPr>
-          <p:cNvPr id="3" name="コンテンツ プレースホルダー 2">
-            <a:extLst>
-              <a:ext uri="{FF2B5EF4-FFF2-40B4-BE49-F238E27FC236}">
-                <a16:creationId xmlns:a16="http://schemas.microsoft.com/office/drawing/2014/main" id="{2849B80F-89EA-42F2-84EA-9460FE0EBDF1}"/>
-              </a:ext>
-            </a:extLst>
-          </p:cNvPr>
-          <p:cNvSpPr>
-            <a:spLocks noGrp="1"/>
-          </p:cNvSpPr>
-          <p:nvPr>
-            <p:ph idx="1"/>
-          </p:nvPr>
-        </p:nvSpPr>
-        <p:spPr/>
-        <p:txBody>
-          <a:bodyPr/>
-          <a:lstStyle/>
           <a:p>
             <a:pPr marL="0" indent="0">
               <a:buNone/>
             </a:pPr>
             <a:r>
-              <a:rPr kumimoji="1" lang="en-US" altLang="ja-JP">
-                <a:latin typeface="メイリオ" panose="020B0604030504040204" pitchFamily="50" charset="-128"/>
-                <a:ea typeface="メイリオ" panose="020B0604030504040204" pitchFamily="50" charset="-128"/>
-              </a:rPr>
-              <a:t>7.1 </a:t>
-            </a:r>
-            <a:r>
-              <a:rPr kumimoji="1" lang="ja-JP" altLang="en-US">
-                <a:latin typeface="メイリオ" panose="020B0604030504040204" pitchFamily="50" charset="-128"/>
-                <a:ea typeface="メイリオ" panose="020B0604030504040204" pitchFamily="50" charset="-128"/>
-              </a:rPr>
-              <a:t>実際の音響モデル</a:t>
-            </a:r>
-            <a:endParaRPr kumimoji="1" lang="en-US" altLang="ja-JP">
+              <a:rPr kumimoji="1" lang="en-US" altLang="ja-JP" sz="2400" dirty="0">
+                <a:latin typeface="メイリオ" panose="020B0604030504040204" pitchFamily="50" charset="-128"/>
+                <a:ea typeface="メイリオ" panose="020B0604030504040204" pitchFamily="50" charset="-128"/>
+              </a:rPr>
+              <a:t>7.2 </a:t>
+            </a:r>
+            <a:r>
+              <a:rPr kumimoji="1" lang="ja-JP" altLang="en-US" sz="2400" dirty="0">
+                <a:latin typeface="メイリオ" panose="020B0604030504040204" pitchFamily="50" charset="-128"/>
+                <a:ea typeface="メイリオ" panose="020B0604030504040204" pitchFamily="50" charset="-128"/>
+              </a:rPr>
+              <a:t>識別的学習</a:t>
+            </a:r>
+            <a:endParaRPr kumimoji="1" lang="en-US" altLang="ja-JP" sz="2400" dirty="0">
               <a:latin typeface="メイリオ" panose="020B0604030504040204" pitchFamily="50" charset="-128"/>
               <a:ea typeface="メイリオ" panose="020B0604030504040204" pitchFamily="50" charset="-128"/>
             </a:endParaRPr>
@@ -4113,37 +3949,14 @@
               <a:buNone/>
             </a:pPr>
             <a:r>
-              <a:rPr kumimoji="1" lang="en-US" altLang="ja-JP">
-                <a:latin typeface="メイリオ" panose="020B0604030504040204" pitchFamily="50" charset="-128"/>
-                <a:ea typeface="メイリオ" panose="020B0604030504040204" pitchFamily="50" charset="-128"/>
-              </a:rPr>
-              <a:t>7.2 </a:t>
-            </a:r>
-            <a:r>
-              <a:rPr kumimoji="1" lang="ja-JP" altLang="en-US">
-                <a:latin typeface="メイリオ" panose="020B0604030504040204" pitchFamily="50" charset="-128"/>
-                <a:ea typeface="メイリオ" panose="020B0604030504040204" pitchFamily="50" charset="-128"/>
-              </a:rPr>
-              <a:t>識別的学習</a:t>
-            </a:r>
-            <a:endParaRPr kumimoji="1" lang="en-US" altLang="ja-JP">
-              <a:latin typeface="メイリオ" panose="020B0604030504040204" pitchFamily="50" charset="-128"/>
-              <a:ea typeface="メイリオ" panose="020B0604030504040204" pitchFamily="50" charset="-128"/>
-            </a:endParaRPr>
-          </a:p>
-          <a:p>
-            <a:pPr marL="0" indent="0">
-              <a:buNone/>
-            </a:pPr>
-            <a:r>
-              <a:rPr kumimoji="1" lang="en-US" altLang="ja-JP">
+              <a:rPr kumimoji="1" lang="en-US" altLang="ja-JP" sz="2400" dirty="0">
                 <a:latin typeface="メイリオ" panose="020B0604030504040204" pitchFamily="50" charset="-128"/>
                 <a:ea typeface="メイリオ" panose="020B0604030504040204" pitchFamily="50" charset="-128"/>
               </a:rPr>
               <a:t>7.3 </a:t>
             </a:r>
             <a:r>
-              <a:rPr kumimoji="1" lang="ja-JP" altLang="en-US">
+              <a:rPr kumimoji="1" lang="ja-JP" altLang="en-US" sz="2400" dirty="0">
                 <a:latin typeface="メイリオ" panose="020B0604030504040204" pitchFamily="50" charset="-128"/>
                 <a:ea typeface="メイリオ" panose="020B0604030504040204" pitchFamily="50" charset="-128"/>
               </a:rPr>
@@ -4155,7 +3968,7 @@
     </p:spTree>
     <p:extLst>
       <p:ext uri="{BB962C8B-B14F-4D97-AF65-F5344CB8AC3E}">
-        <p14:creationId xmlns:p14="http://schemas.microsoft.com/office/powerpoint/2010/main" val="3856461189"/>
+        <p14:creationId xmlns:p14="http://schemas.microsoft.com/office/powerpoint/2010/main" val="144594472"/>
       </p:ext>
     </p:extLst>
   </p:cSld>
@@ -4200,7 +4013,7 @@
         </p:nvSpPr>
         <p:spPr>
           <a:xfrm>
-            <a:off x="628650" y="365127"/>
+            <a:off x="587197" y="306606"/>
             <a:ext cx="7886700" cy="961504"/>
           </a:xfrm>
         </p:spPr>
@@ -4211,7 +4024,7 @@
           <a:lstStyle/>
           <a:p>
             <a:r>
-              <a:rPr lang="en-US" altLang="ja-JP">
+              <a:rPr lang="en-US" altLang="ja-JP" dirty="0">
                 <a:solidFill>
                   <a:schemeClr val="accent1"/>
                 </a:solidFill>
@@ -4221,7 +4034,7 @@
               <a:t>7.1 </a:t>
             </a:r>
             <a:r>
-              <a:rPr lang="ja-JP" altLang="en-US">
+              <a:rPr lang="ja-JP" altLang="en-US" dirty="0">
                 <a:solidFill>
                   <a:schemeClr val="accent1"/>
                 </a:solidFill>
@@ -4230,7 +4043,7 @@
               </a:rPr>
               <a:t>実際の音響モデル</a:t>
             </a:r>
-            <a:endParaRPr kumimoji="1" lang="ja-JP" altLang="en-US">
+            <a:endParaRPr kumimoji="1" lang="ja-JP" altLang="en-US" dirty="0">
               <a:solidFill>
                 <a:schemeClr val="accent1"/>
               </a:solidFill>
@@ -4258,8 +4071,8 @@
         </p:nvSpPr>
         <p:spPr>
           <a:xfrm>
-            <a:off x="628650" y="1326631"/>
-            <a:ext cx="7886700" cy="5096654"/>
+            <a:off x="573481" y="1226799"/>
+            <a:ext cx="11031322" cy="5096654"/>
           </a:xfrm>
         </p:spPr>
         <p:txBody>
@@ -4272,15 +4085,21 @@
               <a:lnSpc>
                 <a:spcPct val="100000"/>
               </a:lnSpc>
+              <a:spcBef>
+                <a:spcPts val="600"/>
+              </a:spcBef>
+              <a:spcAft>
+                <a:spcPts val="600"/>
+              </a:spcAft>
             </a:pPr>
             <a:r>
-              <a:rPr kumimoji="1" lang="ja-JP" altLang="en-US">
+              <a:rPr kumimoji="1" lang="ja-JP" altLang="en-US" dirty="0">
                 <a:latin typeface="メイリオ" panose="020B0604030504040204" pitchFamily="50" charset="-128"/>
                 <a:ea typeface="メイリオ" panose="020B0604030504040204" pitchFamily="50" charset="-128"/>
               </a:rPr>
               <a:t>混合分布の学習</a:t>
             </a:r>
-            <a:endParaRPr kumimoji="1" lang="en-US" altLang="ja-JP">
+            <a:endParaRPr kumimoji="1" lang="en-US" altLang="ja-JP" dirty="0">
               <a:latin typeface="メイリオ" panose="020B0604030504040204" pitchFamily="50" charset="-128"/>
               <a:ea typeface="メイリオ" panose="020B0604030504040204" pitchFamily="50" charset="-128"/>
             </a:endParaRPr>
@@ -4290,29 +4109,35 @@
               <a:lnSpc>
                 <a:spcPct val="100000"/>
               </a:lnSpc>
+              <a:spcBef>
+                <a:spcPts val="600"/>
+              </a:spcBef>
+              <a:spcAft>
+                <a:spcPts val="600"/>
+              </a:spcAft>
             </a:pPr>
             <a:r>
-              <a:rPr kumimoji="1" lang="ja-JP" altLang="en-US">
+              <a:rPr kumimoji="1" lang="ja-JP" altLang="en-US" dirty="0">
                 <a:latin typeface="メイリオ" panose="020B0604030504040204" pitchFamily="50" charset="-128"/>
                 <a:ea typeface="メイリオ" panose="020B0604030504040204" pitchFamily="50" charset="-128"/>
               </a:rPr>
               <a:t>各音素の特徴ベクトルは、一つの正規分布で近似できるほど単純ではない</a:t>
             </a:r>
             <a:br>
-              <a:rPr kumimoji="1" lang="en-US" altLang="ja-JP">
+              <a:rPr kumimoji="1" lang="en-US" altLang="ja-JP" dirty="0">
                 <a:latin typeface="メイリオ" panose="020B0604030504040204" pitchFamily="50" charset="-128"/>
                 <a:ea typeface="メイリオ" panose="020B0604030504040204" pitchFamily="50" charset="-128"/>
               </a:rPr>
             </a:br>
             <a:r>
-              <a:rPr kumimoji="1" lang="ja-JP" altLang="en-US">
+              <a:rPr kumimoji="1" lang="ja-JP" altLang="en-US" dirty="0">
                 <a:latin typeface="メイリオ" panose="020B0604030504040204" pitchFamily="50" charset="-128"/>
                 <a:ea typeface="メイリオ" panose="020B0604030504040204" pitchFamily="50" charset="-128"/>
               </a:rPr>
               <a:t>例）男女差、方言、</a:t>
             </a:r>
             <a:r>
-              <a:rPr kumimoji="1" lang="en-US" altLang="ja-JP">
+              <a:rPr kumimoji="1" lang="en-US" altLang="ja-JP" dirty="0">
                 <a:latin typeface="メイリオ" panose="020B0604030504040204" pitchFamily="50" charset="-128"/>
                 <a:ea typeface="メイリオ" panose="020B0604030504040204" pitchFamily="50" charset="-128"/>
               </a:rPr>
@@ -4324,15 +4149,21 @@
               <a:lnSpc>
                 <a:spcPct val="100000"/>
               </a:lnSpc>
+              <a:spcBef>
+                <a:spcPts val="600"/>
+              </a:spcBef>
+              <a:spcAft>
+                <a:spcPts val="600"/>
+              </a:spcAft>
             </a:pPr>
             <a:r>
-              <a:rPr kumimoji="1" lang="ja-JP" altLang="en-US">
-                <a:latin typeface="メイリオ" panose="020B0604030504040204" pitchFamily="50" charset="-128"/>
-                <a:ea typeface="メイリオ" panose="020B0604030504040204" pitchFamily="50" charset="-128"/>
-              </a:rPr>
-              <a:t>複雑な確率密度関数を複数の正規分布の重み付き和で表現　→　混合分布</a:t>
-            </a:r>
-            <a:endParaRPr kumimoji="1" lang="en-US" altLang="ja-JP">
+              <a:rPr kumimoji="1" lang="ja-JP" altLang="en-US" dirty="0">
+                <a:latin typeface="メイリオ" panose="020B0604030504040204" pitchFamily="50" charset="-128"/>
+                <a:ea typeface="メイリオ" panose="020B0604030504040204" pitchFamily="50" charset="-128"/>
+              </a:rPr>
+              <a:t>複雑な確率密度関数を複数の正規分布の重み付き和で表現 → 混合分布</a:t>
+            </a:r>
+            <a:endParaRPr kumimoji="1" lang="en-US" altLang="ja-JP" dirty="0">
               <a:latin typeface="メイリオ" panose="020B0604030504040204" pitchFamily="50" charset="-128"/>
               <a:ea typeface="メイリオ" panose="020B0604030504040204" pitchFamily="50" charset="-128"/>
             </a:endParaRPr>
@@ -4342,8 +4173,14 @@
               <a:lnSpc>
                 <a:spcPct val="100000"/>
               </a:lnSpc>
+              <a:spcBef>
+                <a:spcPts val="600"/>
+              </a:spcBef>
+              <a:spcAft>
+                <a:spcPts val="600"/>
+              </a:spcAft>
             </a:pPr>
-            <a:endParaRPr lang="en-US" altLang="ja-JP">
+            <a:endParaRPr lang="en-US" altLang="ja-JP" dirty="0">
               <a:latin typeface="メイリオ" panose="020B0604030504040204" pitchFamily="50" charset="-128"/>
               <a:ea typeface="メイリオ" panose="020B0604030504040204" pitchFamily="50" charset="-128"/>
             </a:endParaRPr>
@@ -4353,8 +4190,32 @@
               <a:lnSpc>
                 <a:spcPct val="100000"/>
               </a:lnSpc>
+              <a:spcBef>
+                <a:spcPts val="600"/>
+              </a:spcBef>
+              <a:spcAft>
+                <a:spcPts val="600"/>
+              </a:spcAft>
             </a:pPr>
-            <a:endParaRPr kumimoji="1" lang="en-US" altLang="ja-JP">
+            <a:endParaRPr kumimoji="1" lang="en-US" altLang="ja-JP" dirty="0">
+              <a:latin typeface="メイリオ" panose="020B0604030504040204" pitchFamily="50" charset="-128"/>
+              <a:ea typeface="メイリオ" panose="020B0604030504040204" pitchFamily="50" charset="-128"/>
+            </a:endParaRPr>
+          </a:p>
+          <a:p>
+            <a:pPr marL="457200" lvl="1" indent="0">
+              <a:lnSpc>
+                <a:spcPct val="100000"/>
+              </a:lnSpc>
+              <a:spcBef>
+                <a:spcPts val="600"/>
+              </a:spcBef>
+              <a:spcAft>
+                <a:spcPts val="600"/>
+              </a:spcAft>
+              <a:buNone/>
+            </a:pPr>
+            <a:endParaRPr lang="en-US" altLang="ja-JP" dirty="0">
               <a:latin typeface="メイリオ" panose="020B0604030504040204" pitchFamily="50" charset="-128"/>
               <a:ea typeface="メイリオ" panose="020B0604030504040204" pitchFamily="50" charset="-128"/>
             </a:endParaRPr>
@@ -4364,51 +4225,35 @@
               <a:lnSpc>
                 <a:spcPct val="100000"/>
               </a:lnSpc>
+              <a:spcBef>
+                <a:spcPts val="600"/>
+              </a:spcBef>
+              <a:spcAft>
+                <a:spcPts val="600"/>
+              </a:spcAft>
             </a:pPr>
-            <a:endParaRPr lang="en-US" altLang="ja-JP">
-              <a:latin typeface="メイリオ" panose="020B0604030504040204" pitchFamily="50" charset="-128"/>
-              <a:ea typeface="メイリオ" panose="020B0604030504040204" pitchFamily="50" charset="-128"/>
-            </a:endParaRPr>
-          </a:p>
-          <a:p>
-            <a:pPr lvl="1">
-              <a:lnSpc>
-                <a:spcPct val="100000"/>
-              </a:lnSpc>
-            </a:pPr>
-            <a:endParaRPr lang="en-US" altLang="ja-JP">
-              <a:latin typeface="メイリオ" panose="020B0604030504040204" pitchFamily="50" charset="-128"/>
-              <a:ea typeface="メイリオ" panose="020B0604030504040204" pitchFamily="50" charset="-128"/>
-            </a:endParaRPr>
-          </a:p>
-          <a:p>
-            <a:pPr lvl="1">
-              <a:lnSpc>
-                <a:spcPct val="100000"/>
-              </a:lnSpc>
-            </a:pPr>
-            <a:r>
-              <a:rPr lang="ja-JP" altLang="en-US">
+            <a:r>
+              <a:rPr lang="ja-JP" altLang="en-US" dirty="0">
                 <a:latin typeface="メイリオ" panose="020B0604030504040204" pitchFamily="50" charset="-128"/>
                 <a:ea typeface="メイリオ" panose="020B0604030504040204" pitchFamily="50" charset="-128"/>
               </a:rPr>
               <a:t>重みは</a:t>
             </a:r>
             <a:r>
-              <a:rPr lang="en-US" altLang="ja-JP">
+              <a:rPr lang="en-US" altLang="ja-JP" dirty="0">
                 <a:latin typeface="メイリオ" panose="020B0604030504040204" pitchFamily="50" charset="-128"/>
                 <a:ea typeface="メイリオ" panose="020B0604030504040204" pitchFamily="50" charset="-128"/>
               </a:rPr>
               <a:t>EM</a:t>
             </a:r>
             <a:r>
-              <a:rPr lang="ja-JP" altLang="en-US">
+              <a:rPr lang="ja-JP" altLang="en-US" dirty="0">
                 <a:latin typeface="メイリオ" panose="020B0604030504040204" pitchFamily="50" charset="-128"/>
                 <a:ea typeface="メイリオ" panose="020B0604030504040204" pitchFamily="50" charset="-128"/>
               </a:rPr>
               <a:t>アルゴリズムで学習</a:t>
             </a:r>
-            <a:endParaRPr lang="en-US" altLang="ja-JP">
+            <a:endParaRPr lang="en-US" altLang="ja-JP" dirty="0">
               <a:latin typeface="メイリオ" panose="020B0604030504040204" pitchFamily="50" charset="-128"/>
               <a:ea typeface="メイリオ" panose="020B0604030504040204" pitchFamily="50" charset="-128"/>
             </a:endParaRPr>
@@ -4437,7 +4282,7 @@
         </p:blipFill>
         <p:spPr>
           <a:xfrm>
-            <a:off x="2134197" y="3885143"/>
+            <a:off x="3153450" y="3407537"/>
             <a:ext cx="1937533" cy="1034191"/>
           </a:xfrm>
           <a:prstGeom prst="rect">
@@ -4459,7 +4304,7 @@
         </p:nvSpPr>
         <p:spPr>
           <a:xfrm>
-            <a:off x="5021706" y="3996004"/>
+            <a:off x="5726404" y="3518398"/>
             <a:ext cx="3132589" cy="923330"/>
           </a:xfrm>
           <a:prstGeom prst="rect">
@@ -4474,110 +4319,124 @@
           <a:lstStyle/>
           <a:p>
             <a:r>
-              <a:rPr lang="en-US" altLang="ja-JP" i="1">
+              <a:rPr lang="en-US" altLang="ja-JP" i="1" dirty="0" err="1">
                 <a:latin typeface="Century Schoolbook" panose="02040604050505020304" pitchFamily="18" charset="0"/>
                 <a:ea typeface="メイリオ" panose="020B0604030504040204" pitchFamily="50" charset="-128"/>
               </a:rPr>
               <a:t>Φ</a:t>
             </a:r>
             <a:r>
-              <a:rPr lang="en-US" altLang="ja-JP" i="1" baseline="-25000">
+              <a:rPr lang="en-US" altLang="ja-JP" i="1" baseline="-25000" dirty="0" err="1">
                 <a:latin typeface="Century Schoolbook" panose="02040604050505020304" pitchFamily="18" charset="0"/>
                 <a:ea typeface="メイリオ" panose="020B0604030504040204" pitchFamily="50" charset="-128"/>
               </a:rPr>
               <a:t>i</a:t>
             </a:r>
             <a:r>
-              <a:rPr lang="en-US" altLang="ja-JP">
+              <a:rPr lang="en-US" altLang="ja-JP" dirty="0">
                 <a:latin typeface="メイリオ" panose="020B0604030504040204" pitchFamily="50" charset="-128"/>
                 <a:ea typeface="メイリオ" panose="020B0604030504040204" pitchFamily="50" charset="-128"/>
               </a:rPr>
               <a:t> : </a:t>
             </a:r>
             <a:r>
-              <a:rPr lang="en-US" altLang="ja-JP" i="1">
+              <a:rPr lang="en-US" altLang="ja-JP" i="1" dirty="0" err="1">
                 <a:latin typeface="Century Schoolbook" panose="02040604050505020304" pitchFamily="18" charset="0"/>
                 <a:ea typeface="メイリオ" panose="020B0604030504040204" pitchFamily="50" charset="-128"/>
               </a:rPr>
-              <a:t>i </a:t>
-            </a:r>
-            <a:r>
-              <a:rPr lang="ja-JP" altLang="en-US">
+              <a:t>i</a:t>
+            </a:r>
+            <a:r>
+              <a:rPr lang="en-US" altLang="ja-JP" i="1" dirty="0">
+                <a:latin typeface="Century Schoolbook" panose="02040604050505020304" pitchFamily="18" charset="0"/>
+                <a:ea typeface="メイリオ" panose="020B0604030504040204" pitchFamily="50" charset="-128"/>
+              </a:rPr>
+              <a:t> </a:t>
+            </a:r>
+            <a:r>
+              <a:rPr lang="ja-JP" altLang="en-US" dirty="0">
                 <a:latin typeface="メイリオ" panose="020B0604030504040204" pitchFamily="50" charset="-128"/>
                 <a:ea typeface="メイリオ" panose="020B0604030504040204" pitchFamily="50" charset="-128"/>
               </a:rPr>
               <a:t>番目の正規分布</a:t>
             </a:r>
-            <a:endParaRPr lang="en-US" altLang="ja-JP">
+            <a:endParaRPr lang="en-US" altLang="ja-JP" dirty="0">
               <a:latin typeface="メイリオ" panose="020B0604030504040204" pitchFamily="50" charset="-128"/>
               <a:ea typeface="メイリオ" panose="020B0604030504040204" pitchFamily="50" charset="-128"/>
             </a:endParaRPr>
           </a:p>
           <a:p>
             <a:r>
-              <a:rPr lang="en-US" altLang="ja-JP" i="1">
+              <a:rPr lang="en-US" altLang="ja-JP" i="1" dirty="0" err="1">
                 <a:latin typeface="Century Schoolbook" panose="02040604050505020304" pitchFamily="18" charset="0"/>
                 <a:ea typeface="メイリオ" panose="020B0604030504040204" pitchFamily="50" charset="-128"/>
               </a:rPr>
               <a:t>w</a:t>
             </a:r>
             <a:r>
-              <a:rPr lang="en-US" altLang="ja-JP" i="1" baseline="-25000">
+              <a:rPr lang="en-US" altLang="ja-JP" i="1" baseline="-25000" dirty="0" err="1">
                 <a:latin typeface="Century Schoolbook" panose="02040604050505020304" pitchFamily="18" charset="0"/>
                 <a:ea typeface="メイリオ" panose="020B0604030504040204" pitchFamily="50" charset="-128"/>
               </a:rPr>
               <a:t>i</a:t>
             </a:r>
             <a:r>
-              <a:rPr lang="en-US" altLang="ja-JP" i="1">
+              <a:rPr lang="en-US" altLang="ja-JP" i="1" dirty="0">
                 <a:latin typeface="Century Schoolbook" panose="02040604050505020304" pitchFamily="18" charset="0"/>
                 <a:ea typeface="メイリオ" panose="020B0604030504040204" pitchFamily="50" charset="-128"/>
               </a:rPr>
               <a:t> </a:t>
             </a:r>
             <a:r>
-              <a:rPr lang="en-US" altLang="ja-JP">
+              <a:rPr lang="en-US" altLang="ja-JP" dirty="0">
                 <a:latin typeface="メイリオ" panose="020B0604030504040204" pitchFamily="50" charset="-128"/>
                 <a:ea typeface="メイリオ" panose="020B0604030504040204" pitchFamily="50" charset="-128"/>
               </a:rPr>
               <a:t>: </a:t>
             </a:r>
             <a:r>
-              <a:rPr lang="en-US" altLang="ja-JP" i="1">
+              <a:rPr lang="en-US" altLang="ja-JP" i="1" dirty="0" err="1">
                 <a:latin typeface="Century Schoolbook" panose="02040604050505020304" pitchFamily="18" charset="0"/>
                 <a:ea typeface="メイリオ" panose="020B0604030504040204" pitchFamily="50" charset="-128"/>
               </a:rPr>
-              <a:t>i </a:t>
-            </a:r>
-            <a:r>
-              <a:rPr lang="ja-JP" altLang="en-US">
+              <a:t>i</a:t>
+            </a:r>
+            <a:r>
+              <a:rPr lang="en-US" altLang="ja-JP" i="1" dirty="0">
+                <a:latin typeface="Century Schoolbook" panose="02040604050505020304" pitchFamily="18" charset="0"/>
+                <a:ea typeface="メイリオ" panose="020B0604030504040204" pitchFamily="50" charset="-128"/>
+              </a:rPr>
+              <a:t> </a:t>
+            </a:r>
+            <a:r>
+              <a:rPr lang="ja-JP" altLang="en-US" dirty="0">
                 <a:latin typeface="メイリオ" panose="020B0604030504040204" pitchFamily="50" charset="-128"/>
                 <a:ea typeface="メイリオ" panose="020B0604030504040204" pitchFamily="50" charset="-128"/>
               </a:rPr>
               <a:t>番目の正規分布の重み</a:t>
             </a:r>
-            <a:endParaRPr lang="en-US" altLang="ja-JP">
+            <a:endParaRPr lang="en-US" altLang="ja-JP" dirty="0">
               <a:latin typeface="メイリオ" panose="020B0604030504040204" pitchFamily="50" charset="-128"/>
               <a:ea typeface="メイリオ" panose="020B0604030504040204" pitchFamily="50" charset="-128"/>
             </a:endParaRPr>
           </a:p>
           <a:p>
             <a:r>
-              <a:rPr lang="en-US" altLang="ja-JP" i="1">
+              <a:rPr lang="en-US" altLang="ja-JP" i="1" dirty="0">
                 <a:latin typeface="Century Schoolbook" panose="02040604050505020304" pitchFamily="18" charset="0"/>
                 <a:ea typeface="メイリオ" panose="020B0604030504040204" pitchFamily="50" charset="-128"/>
               </a:rPr>
               <a:t>N</a:t>
             </a:r>
             <a:r>
-              <a:rPr lang="en-US" altLang="ja-JP">
+              <a:rPr lang="en-US" altLang="ja-JP" dirty="0">
                 <a:latin typeface="メイリオ" panose="020B0604030504040204" pitchFamily="50" charset="-128"/>
                 <a:ea typeface="メイリオ" panose="020B0604030504040204" pitchFamily="50" charset="-128"/>
               </a:rPr>
               <a:t> : </a:t>
             </a:r>
             <a:r>
-              <a:rPr lang="ja-JP" altLang="en-US">
+              <a:rPr lang="ja-JP" altLang="en-US" dirty="0">
                 <a:latin typeface="メイリオ" panose="020B0604030504040204" pitchFamily="50" charset="-128"/>
                 <a:ea typeface="メイリオ" panose="020B0604030504040204" pitchFamily="50" charset="-128"/>
               </a:rPr>
@@ -4634,7 +4493,7 @@
         </p:nvSpPr>
         <p:spPr>
           <a:xfrm>
-            <a:off x="628650" y="365127"/>
+            <a:off x="546718" y="365127"/>
             <a:ext cx="7886700" cy="961504"/>
           </a:xfrm>
         </p:spPr>
@@ -4645,7 +4504,7 @@
           <a:lstStyle/>
           <a:p>
             <a:r>
-              <a:rPr lang="en-US" altLang="ja-JP">
+              <a:rPr lang="en-US" altLang="ja-JP" dirty="0">
                 <a:solidFill>
                   <a:schemeClr val="accent1"/>
                 </a:solidFill>
@@ -4655,7 +4514,7 @@
               <a:t>7.1 </a:t>
             </a:r>
             <a:r>
-              <a:rPr lang="ja-JP" altLang="en-US">
+              <a:rPr lang="ja-JP" altLang="en-US" dirty="0">
                 <a:solidFill>
                   <a:schemeClr val="accent1"/>
                 </a:solidFill>
@@ -4664,7 +4523,7 @@
               </a:rPr>
               <a:t>実際の音響モデル</a:t>
             </a:r>
-            <a:endParaRPr kumimoji="1" lang="ja-JP" altLang="en-US">
+            <a:endParaRPr kumimoji="1" lang="ja-JP" altLang="en-US" dirty="0">
               <a:solidFill>
                 <a:schemeClr val="accent1"/>
               </a:solidFill>
@@ -4692,8 +4551,8 @@
         </p:nvSpPr>
         <p:spPr>
           <a:xfrm>
-            <a:off x="628650" y="1326631"/>
-            <a:ext cx="8043160" cy="4850332"/>
+            <a:off x="672998" y="1326631"/>
+            <a:ext cx="10043770" cy="4850332"/>
           </a:xfrm>
         </p:spPr>
         <p:txBody>
@@ -4704,15 +4563,21 @@
               <a:lnSpc>
                 <a:spcPct val="100000"/>
               </a:lnSpc>
+              <a:spcBef>
+                <a:spcPts val="600"/>
+              </a:spcBef>
+              <a:spcAft>
+                <a:spcPts val="600"/>
+              </a:spcAft>
             </a:pPr>
             <a:r>
-              <a:rPr kumimoji="1" lang="ja-JP" altLang="en-US">
+              <a:rPr kumimoji="1" lang="ja-JP" altLang="en-US" dirty="0">
                 <a:latin typeface="メイリオ" panose="020B0604030504040204" pitchFamily="50" charset="-128"/>
                 <a:ea typeface="メイリオ" panose="020B0604030504040204" pitchFamily="50" charset="-128"/>
               </a:rPr>
               <a:t>話者適応</a:t>
             </a:r>
-            <a:endParaRPr kumimoji="1" lang="en-US" altLang="ja-JP">
+            <a:endParaRPr kumimoji="1" lang="en-US" altLang="ja-JP" dirty="0">
               <a:latin typeface="メイリオ" panose="020B0604030504040204" pitchFamily="50" charset="-128"/>
               <a:ea typeface="メイリオ" panose="020B0604030504040204" pitchFamily="50" charset="-128"/>
             </a:endParaRPr>
@@ -4722,15 +4587,21 @@
               <a:lnSpc>
                 <a:spcPct val="100000"/>
               </a:lnSpc>
+              <a:spcBef>
+                <a:spcPts val="600"/>
+              </a:spcBef>
+              <a:spcAft>
+                <a:spcPts val="600"/>
+              </a:spcAft>
             </a:pPr>
             <a:r>
-              <a:rPr kumimoji="1" lang="ja-JP" altLang="en-US">
+              <a:rPr kumimoji="1" lang="ja-JP" altLang="en-US" dirty="0">
                 <a:latin typeface="メイリオ" panose="020B0604030504040204" pitchFamily="50" charset="-128"/>
                 <a:ea typeface="メイリオ" panose="020B0604030504040204" pitchFamily="50" charset="-128"/>
               </a:rPr>
               <a:t>不特定話者用音響モデルのパラメータを、少数の特定話者データを用いて調整</a:t>
             </a:r>
-            <a:endParaRPr kumimoji="1" lang="en-US" altLang="ja-JP">
+            <a:endParaRPr kumimoji="1" lang="en-US" altLang="ja-JP" dirty="0">
               <a:latin typeface="メイリオ" panose="020B0604030504040204" pitchFamily="50" charset="-128"/>
               <a:ea typeface="メイリオ" panose="020B0604030504040204" pitchFamily="50" charset="-128"/>
             </a:endParaRPr>
@@ -4740,43 +4611,49 @@
               <a:lnSpc>
                 <a:spcPct val="100000"/>
               </a:lnSpc>
+              <a:spcBef>
+                <a:spcPts val="600"/>
+              </a:spcBef>
+              <a:spcAft>
+                <a:spcPts val="600"/>
+              </a:spcAft>
             </a:pPr>
             <a:r>
-              <a:rPr lang="en-US" altLang="ja-JP">
+              <a:rPr lang="en-US" altLang="ja-JP" dirty="0">
                 <a:latin typeface="メイリオ" panose="020B0604030504040204" pitchFamily="50" charset="-128"/>
                 <a:ea typeface="メイリオ" panose="020B0604030504040204" pitchFamily="50" charset="-128"/>
               </a:rPr>
               <a:t>MLLR</a:t>
             </a:r>
             <a:r>
-              <a:rPr lang="ja-JP" altLang="en-US">
+              <a:rPr lang="ja-JP" altLang="en-US" dirty="0">
                 <a:latin typeface="メイリオ" panose="020B0604030504040204" pitchFamily="50" charset="-128"/>
                 <a:ea typeface="メイリオ" panose="020B0604030504040204" pitchFamily="50" charset="-128"/>
               </a:rPr>
               <a:t> </a:t>
             </a:r>
             <a:r>
-              <a:rPr lang="en-US" altLang="ja-JP" sz="2000">
+              <a:rPr lang="en-US" altLang="ja-JP" sz="2000" dirty="0">
                 <a:latin typeface="メイリオ" panose="020B0604030504040204" pitchFamily="50" charset="-128"/>
                 <a:ea typeface="メイリオ" panose="020B0604030504040204" pitchFamily="50" charset="-128"/>
               </a:rPr>
               <a:t>(Maximum Likelihood Linear Regression)</a:t>
             </a:r>
             <a:r>
-              <a:rPr lang="ja-JP" altLang="en-US" sz="2000">
+              <a:rPr lang="ja-JP" altLang="en-US" sz="2000" dirty="0">
                 <a:latin typeface="メイリオ" panose="020B0604030504040204" pitchFamily="50" charset="-128"/>
                 <a:ea typeface="メイリオ" panose="020B0604030504040204" pitchFamily="50" charset="-128"/>
               </a:rPr>
               <a:t> </a:t>
             </a:r>
             <a:r>
-              <a:rPr lang="ja-JP" altLang="en-US">
+              <a:rPr lang="ja-JP" altLang="en-US" dirty="0">
                 <a:latin typeface="メイリオ" panose="020B0604030504040204" pitchFamily="50" charset="-128"/>
                 <a:ea typeface="メイリオ" panose="020B0604030504040204" pitchFamily="50" charset="-128"/>
               </a:rPr>
               <a:t>法</a:t>
             </a:r>
-            <a:endParaRPr lang="en-US" altLang="ja-JP">
+            <a:endParaRPr lang="en-US" altLang="ja-JP" dirty="0">
               <a:latin typeface="メイリオ" panose="020B0604030504040204" pitchFamily="50" charset="-128"/>
               <a:ea typeface="メイリオ" panose="020B0604030504040204" pitchFamily="50" charset="-128"/>
             </a:endParaRPr>
@@ -4786,29 +4663,35 @@
               <a:lnSpc>
                 <a:spcPct val="100000"/>
               </a:lnSpc>
+              <a:spcBef>
+                <a:spcPts val="600"/>
+              </a:spcBef>
+              <a:spcAft>
+                <a:spcPts val="600"/>
+              </a:spcAft>
             </a:pPr>
             <a:r>
-              <a:rPr kumimoji="1" lang="ja-JP" altLang="en-US">
+              <a:rPr kumimoji="1" lang="ja-JP" altLang="en-US" dirty="0">
                 <a:latin typeface="メイリオ" panose="020B0604030504040204" pitchFamily="50" charset="-128"/>
                 <a:ea typeface="メイリオ" panose="020B0604030504040204" pitchFamily="50" charset="-128"/>
               </a:rPr>
               <a:t>学習済み</a:t>
             </a:r>
             <a:r>
-              <a:rPr kumimoji="1" lang="en-US" altLang="ja-JP">
+              <a:rPr kumimoji="1" lang="en-US" altLang="ja-JP" dirty="0">
                 <a:latin typeface="メイリオ" panose="020B0604030504040204" pitchFamily="50" charset="-128"/>
                 <a:ea typeface="メイリオ" panose="020B0604030504040204" pitchFamily="50" charset="-128"/>
               </a:rPr>
               <a:t>HMM</a:t>
             </a:r>
             <a:r>
-              <a:rPr kumimoji="1" lang="ja-JP" altLang="en-US">
+              <a:rPr kumimoji="1" lang="ja-JP" altLang="en-US" dirty="0">
                 <a:latin typeface="メイリオ" panose="020B0604030504040204" pitchFamily="50" charset="-128"/>
                 <a:ea typeface="メイリオ" panose="020B0604030504040204" pitchFamily="50" charset="-128"/>
               </a:rPr>
               <a:t>において、平均ベクトルを以下の式で変換</a:t>
             </a:r>
-            <a:endParaRPr kumimoji="1" lang="en-US" altLang="ja-JP">
+            <a:endParaRPr kumimoji="1" lang="en-US" altLang="ja-JP" dirty="0">
               <a:latin typeface="メイリオ" panose="020B0604030504040204" pitchFamily="50" charset="-128"/>
               <a:ea typeface="メイリオ" panose="020B0604030504040204" pitchFamily="50" charset="-128"/>
             </a:endParaRPr>
@@ -4818,8 +4701,14 @@
               <a:lnSpc>
                 <a:spcPct val="100000"/>
               </a:lnSpc>
+              <a:spcBef>
+                <a:spcPts val="600"/>
+              </a:spcBef>
+              <a:spcAft>
+                <a:spcPts val="600"/>
+              </a:spcAft>
             </a:pPr>
-            <a:endParaRPr lang="en-US" altLang="ja-JP">
+            <a:endParaRPr lang="en-US" altLang="ja-JP" dirty="0">
               <a:latin typeface="メイリオ" panose="020B0604030504040204" pitchFamily="50" charset="-128"/>
               <a:ea typeface="メイリオ" panose="020B0604030504040204" pitchFamily="50" charset="-128"/>
             </a:endParaRPr>
@@ -4829,9 +4718,15 @@
               <a:lnSpc>
                 <a:spcPct val="100000"/>
               </a:lnSpc>
+              <a:spcBef>
+                <a:spcPts val="600"/>
+              </a:spcBef>
+              <a:spcAft>
+                <a:spcPts val="600"/>
+              </a:spcAft>
               <a:buNone/>
             </a:pPr>
-            <a:endParaRPr lang="en-US" altLang="ja-JP">
+            <a:endParaRPr lang="en-US" altLang="ja-JP" dirty="0">
               <a:latin typeface="メイリオ" panose="020B0604030504040204" pitchFamily="50" charset="-128"/>
               <a:ea typeface="メイリオ" panose="020B0604030504040204" pitchFamily="50" charset="-128"/>
             </a:endParaRPr>
@@ -4841,37 +4736,43 @@
               <a:lnSpc>
                 <a:spcPct val="100000"/>
               </a:lnSpc>
+              <a:spcBef>
+                <a:spcPts val="600"/>
+              </a:spcBef>
+              <a:spcAft>
+                <a:spcPts val="600"/>
+              </a:spcAft>
             </a:pPr>
             <a:r>
-              <a:rPr kumimoji="1" lang="ja-JP" altLang="en-US">
-                <a:latin typeface="メイリオ" panose="020B0604030504040204" pitchFamily="50" charset="-128"/>
-                <a:ea typeface="メイリオ" panose="020B0604030504040204" pitchFamily="50" charset="-128"/>
-              </a:rPr>
-              <a:t>特定話者データの尤度が最大となるような行列</a:t>
-            </a:r>
-            <a:r>
-              <a:rPr lang="en-US" altLang="ja-JP" b="1" i="1">
+              <a:rPr kumimoji="1" lang="ja-JP" altLang="en-US" dirty="0">
+                <a:latin typeface="メイリオ" panose="020B0604030504040204" pitchFamily="50" charset="-128"/>
+                <a:ea typeface="メイリオ" panose="020B0604030504040204" pitchFamily="50" charset="-128"/>
+              </a:rPr>
+              <a:t>特定話者データの尤度が最大となるような行列 </a:t>
+            </a:r>
+            <a:r>
+              <a:rPr lang="en-US" altLang="ja-JP" b="1" i="1" dirty="0">
                 <a:latin typeface="Century Schoolbook" panose="02040604050505020304" pitchFamily="18" charset="0"/>
                 <a:ea typeface="メイリオ" panose="020B0604030504040204" pitchFamily="50" charset="-128"/>
               </a:rPr>
-              <a:t>A</a:t>
-            </a:r>
-            <a:r>
-              <a:rPr kumimoji="1" lang="ja-JP" altLang="en-US">
-                <a:latin typeface="メイリオ" panose="020B0604030504040204" pitchFamily="50" charset="-128"/>
-                <a:ea typeface="メイリオ" panose="020B0604030504040204" pitchFamily="50" charset="-128"/>
-              </a:rPr>
-              <a:t>と定数項</a:t>
-            </a:r>
-            <a:r>
-              <a:rPr lang="en-US" altLang="ja-JP" i="1">
+              <a:t>A </a:t>
+            </a:r>
+            <a:r>
+              <a:rPr kumimoji="1" lang="ja-JP" altLang="en-US" dirty="0">
+                <a:latin typeface="メイリオ" panose="020B0604030504040204" pitchFamily="50" charset="-128"/>
+                <a:ea typeface="メイリオ" panose="020B0604030504040204" pitchFamily="50" charset="-128"/>
+              </a:rPr>
+              <a:t>と定数項 </a:t>
+            </a:r>
+            <a:r>
+              <a:rPr lang="en-US" altLang="ja-JP" i="1" dirty="0">
                 <a:latin typeface="Century Schoolbook" panose="02040604050505020304" pitchFamily="18" charset="0"/>
                 <a:ea typeface="メイリオ" panose="020B0604030504040204" pitchFamily="50" charset="-128"/>
               </a:rPr>
-              <a:t>b</a:t>
-            </a:r>
-            <a:r>
-              <a:rPr kumimoji="1" lang="ja-JP" altLang="en-US">
+              <a:t>b </a:t>
+            </a:r>
+            <a:r>
+              <a:rPr kumimoji="1" lang="ja-JP" altLang="en-US" dirty="0">
                 <a:latin typeface="メイリオ" panose="020B0604030504040204" pitchFamily="50" charset="-128"/>
                 <a:ea typeface="メイリオ" panose="020B0604030504040204" pitchFamily="50" charset="-128"/>
               </a:rPr>
@@ -4902,7 +4803,7 @@
         </p:blipFill>
         <p:spPr>
           <a:xfrm>
-            <a:off x="2966067" y="3529684"/>
+            <a:off x="4029210" y="3888129"/>
             <a:ext cx="1892731" cy="361777"/>
           </a:xfrm>
           <a:prstGeom prst="rect">
@@ -4958,7 +4859,7 @@
         </p:nvSpPr>
         <p:spPr>
           <a:xfrm>
-            <a:off x="628650" y="365127"/>
+            <a:off x="497250" y="362557"/>
             <a:ext cx="7886700" cy="796611"/>
           </a:xfrm>
         </p:spPr>
@@ -4969,7 +4870,7 @@
           <a:lstStyle/>
           <a:p>
             <a:r>
-              <a:rPr lang="en-US" altLang="ja-JP">
+              <a:rPr lang="en-US" altLang="ja-JP" dirty="0">
                 <a:solidFill>
                   <a:schemeClr val="accent1"/>
                 </a:solidFill>
@@ -4979,7 +4880,7 @@
               <a:t>7.2 </a:t>
             </a:r>
             <a:r>
-              <a:rPr lang="ja-JP" altLang="en-US">
+              <a:rPr lang="ja-JP" altLang="en-US" dirty="0">
                 <a:solidFill>
                   <a:schemeClr val="accent1"/>
                 </a:solidFill>
@@ -4988,7 +4889,7 @@
               </a:rPr>
               <a:t>識別的学習</a:t>
             </a:r>
-            <a:endParaRPr kumimoji="1" lang="ja-JP" altLang="en-US">
+            <a:endParaRPr kumimoji="1" lang="ja-JP" altLang="en-US" dirty="0">
               <a:solidFill>
                 <a:schemeClr val="accent1"/>
               </a:solidFill>
@@ -5016,8 +4917,8 @@
         </p:nvSpPr>
         <p:spPr>
           <a:xfrm>
-            <a:off x="628649" y="1124266"/>
-            <a:ext cx="8163082" cy="4850332"/>
+            <a:off x="636422" y="1124266"/>
+            <a:ext cx="10336378" cy="4850332"/>
           </a:xfrm>
         </p:spPr>
         <p:txBody>
@@ -5028,15 +4929,21 @@
               <a:lnSpc>
                 <a:spcPct val="100000"/>
               </a:lnSpc>
+              <a:spcBef>
+                <a:spcPts val="600"/>
+              </a:spcBef>
+              <a:spcAft>
+                <a:spcPts val="600"/>
+              </a:spcAft>
             </a:pPr>
             <a:r>
-              <a:rPr kumimoji="1" lang="ja-JP" altLang="en-US">
+              <a:rPr kumimoji="1" lang="ja-JP" altLang="en-US" dirty="0">
                 <a:latin typeface="メイリオ" panose="020B0604030504040204" pitchFamily="50" charset="-128"/>
                 <a:ea typeface="メイリオ" panose="020B0604030504040204" pitchFamily="50" charset="-128"/>
               </a:rPr>
               <a:t>学習データの尤度計算</a:t>
             </a:r>
-            <a:endParaRPr kumimoji="1" lang="en-US" altLang="ja-JP">
+            <a:endParaRPr kumimoji="1" lang="en-US" altLang="ja-JP" dirty="0">
               <a:latin typeface="メイリオ" panose="020B0604030504040204" pitchFamily="50" charset="-128"/>
               <a:ea typeface="メイリオ" panose="020B0604030504040204" pitchFamily="50" charset="-128"/>
             </a:endParaRPr>
@@ -5046,8 +4953,14 @@
               <a:lnSpc>
                 <a:spcPct val="100000"/>
               </a:lnSpc>
+              <a:spcBef>
+                <a:spcPts val="600"/>
+              </a:spcBef>
+              <a:spcAft>
+                <a:spcPts val="600"/>
+              </a:spcAft>
             </a:pPr>
-            <a:endParaRPr lang="en-US" altLang="ja-JP">
+            <a:endParaRPr lang="en-US" altLang="ja-JP" dirty="0">
               <a:latin typeface="メイリオ" panose="020B0604030504040204" pitchFamily="50" charset="-128"/>
               <a:ea typeface="メイリオ" panose="020B0604030504040204" pitchFamily="50" charset="-128"/>
             </a:endParaRPr>
@@ -5057,8 +4970,14 @@
               <a:lnSpc>
                 <a:spcPct val="100000"/>
               </a:lnSpc>
+              <a:spcBef>
+                <a:spcPts val="600"/>
+              </a:spcBef>
+              <a:spcAft>
+                <a:spcPts val="600"/>
+              </a:spcAft>
             </a:pPr>
-            <a:endParaRPr kumimoji="1" lang="en-US" altLang="ja-JP">
+            <a:endParaRPr kumimoji="1" lang="en-US" altLang="ja-JP" dirty="0">
               <a:latin typeface="メイリオ" panose="020B0604030504040204" pitchFamily="50" charset="-128"/>
               <a:ea typeface="メイリオ" panose="020B0604030504040204" pitchFamily="50" charset="-128"/>
             </a:endParaRPr>
@@ -5068,71 +4987,77 @@
               <a:lnSpc>
                 <a:spcPct val="100000"/>
               </a:lnSpc>
+              <a:spcBef>
+                <a:spcPts val="600"/>
+              </a:spcBef>
+              <a:spcAft>
+                <a:spcPts val="600"/>
+              </a:spcAft>
             </a:pPr>
             <a:r>
-              <a:rPr kumimoji="1" lang="ja-JP" altLang="en-US" sz="2000">
+              <a:rPr lang="ja-JP" altLang="en-US" sz="2000" dirty="0">
                 <a:latin typeface="メイリオ" panose="020B0604030504040204" pitchFamily="50" charset="-128"/>
                 <a:ea typeface="メイリオ" panose="020B0604030504040204" pitchFamily="50" charset="-128"/>
               </a:rPr>
               <a:t>生成モデル：</a:t>
             </a:r>
             <a:r>
-              <a:rPr lang="en-US" altLang="ja-JP" sz="2000" i="1">
+              <a:rPr lang="en-US" altLang="ja-JP" sz="2000" i="1" dirty="0">
                 <a:latin typeface="Century Schoolbook" panose="02040604050505020304" pitchFamily="18" charset="0"/>
                 <a:ea typeface="メイリオ" panose="020B0604030504040204" pitchFamily="50" charset="-128"/>
               </a:rPr>
               <a:t>P</a:t>
             </a:r>
             <a:r>
-              <a:rPr lang="en-US" altLang="ja-JP" sz="2000">
+              <a:rPr lang="en-US" altLang="ja-JP" sz="2000" dirty="0">
                 <a:latin typeface="Century Schoolbook" panose="02040604050505020304" pitchFamily="18" charset="0"/>
                 <a:ea typeface="メイリオ" panose="020B0604030504040204" pitchFamily="50" charset="-128"/>
               </a:rPr>
               <a:t>(</a:t>
             </a:r>
             <a:r>
-              <a:rPr lang="en-US" altLang="ja-JP" sz="2000" b="1" i="1">
+              <a:rPr lang="en-US" altLang="ja-JP" sz="2000" b="1" i="1" dirty="0">
                 <a:latin typeface="Century Schoolbook" panose="02040604050505020304" pitchFamily="18" charset="0"/>
                 <a:ea typeface="メイリオ" panose="020B0604030504040204" pitchFamily="50" charset="-128"/>
               </a:rPr>
               <a:t>X</a:t>
             </a:r>
             <a:r>
-              <a:rPr lang="en-US" altLang="ja-JP" sz="2000" i="1">
+              <a:rPr lang="en-US" altLang="ja-JP" sz="2000" i="1" dirty="0">
                 <a:latin typeface="Century Schoolbook" panose="02040604050505020304" pitchFamily="18" charset="0"/>
                 <a:ea typeface="メイリオ" panose="020B0604030504040204" pitchFamily="50" charset="-128"/>
               </a:rPr>
               <a:t>|</a:t>
             </a:r>
             <a:r>
-              <a:rPr lang="en-US" altLang="ja-JP" sz="2000" b="1" i="1">
+              <a:rPr lang="en-US" altLang="ja-JP" sz="2000" b="1" i="1" dirty="0">
                 <a:latin typeface="Century Schoolbook" panose="02040604050505020304" pitchFamily="18" charset="0"/>
                 <a:ea typeface="メイリオ" panose="020B0604030504040204" pitchFamily="50" charset="-128"/>
               </a:rPr>
               <a:t>W</a:t>
             </a:r>
             <a:r>
-              <a:rPr lang="en-US" altLang="ja-JP" sz="2000">
+              <a:rPr lang="en-US" altLang="ja-JP" sz="2000" dirty="0">
                 <a:latin typeface="Century Schoolbook" panose="02040604050505020304" pitchFamily="18" charset="0"/>
                 <a:ea typeface="メイリオ" panose="020B0604030504040204" pitchFamily="50" charset="-128"/>
               </a:rPr>
               <a:t>)</a:t>
             </a:r>
             <a:r>
-              <a:rPr lang="ja-JP" altLang="en-US" sz="2000" i="1">
+              <a:rPr lang="ja-JP" altLang="en-US" sz="2000" i="1" dirty="0">
                 <a:latin typeface="Century Schoolbook" panose="02040604050505020304" pitchFamily="18" charset="0"/>
                 <a:ea typeface="メイリオ" panose="020B0604030504040204" pitchFamily="50" charset="-128"/>
               </a:rPr>
               <a:t> </a:t>
             </a:r>
             <a:r>
-              <a:rPr kumimoji="1" lang="ja-JP" altLang="en-US" sz="2000">
+              <a:rPr lang="ja-JP" altLang="en-US" sz="2000" dirty="0">
                 <a:latin typeface="メイリオ" panose="020B0604030504040204" pitchFamily="50" charset="-128"/>
                 <a:ea typeface="メイリオ" panose="020B0604030504040204" pitchFamily="50" charset="-128"/>
               </a:rPr>
               <a:t>が大きくなるようにパラメータを求めた</a:t>
             </a:r>
-            <a:endParaRPr kumimoji="1" lang="en-US" altLang="ja-JP" sz="2000">
+            <a:endParaRPr lang="en-US" altLang="ja-JP" sz="2000" dirty="0">
               <a:latin typeface="メイリオ" panose="020B0604030504040204" pitchFamily="50" charset="-128"/>
               <a:ea typeface="メイリオ" panose="020B0604030504040204" pitchFamily="50" charset="-128"/>
             </a:endParaRPr>
@@ -5142,175 +5067,181 @@
               <a:lnSpc>
                 <a:spcPct val="100000"/>
               </a:lnSpc>
+              <a:spcBef>
+                <a:spcPts val="600"/>
+              </a:spcBef>
+              <a:spcAft>
+                <a:spcPts val="600"/>
+              </a:spcAft>
             </a:pPr>
             <a:r>
-              <a:rPr kumimoji="1" lang="ja-JP" altLang="en-US" sz="2000">
+              <a:rPr lang="ja-JP" altLang="en-US" sz="2000" dirty="0">
                 <a:latin typeface="メイリオ" panose="020B0604030504040204" pitchFamily="50" charset="-128"/>
                 <a:ea typeface="メイリオ" panose="020B0604030504040204" pitchFamily="50" charset="-128"/>
               </a:rPr>
               <a:t>識別モデルの考え方：</a:t>
             </a:r>
             <a:r>
-              <a:rPr lang="en-US" altLang="ja-JP" sz="2000">
+              <a:rPr lang="en-US" altLang="ja-JP" sz="2000" dirty="0">
                 <a:latin typeface="Century Schoolbook" panose="02040604050505020304" pitchFamily="18" charset="0"/>
                 <a:ea typeface="メイリオ" panose="020B0604030504040204" pitchFamily="50" charset="-128"/>
               </a:rPr>
               <a:t>Σ</a:t>
             </a:r>
             <a:r>
-              <a:rPr lang="en-US" altLang="ja-JP" sz="2000" b="1" i="1" baseline="-25000">
+              <a:rPr lang="en-US" altLang="ja-JP" sz="2000" b="1" i="1" baseline="-25000" dirty="0">
                 <a:latin typeface="Century Schoolbook" panose="02040604050505020304" pitchFamily="18" charset="0"/>
                 <a:ea typeface="メイリオ" panose="020B0604030504040204" pitchFamily="50" charset="-128"/>
               </a:rPr>
               <a:t>W</a:t>
             </a:r>
             <a:r>
-              <a:rPr lang="en-US" altLang="ja-JP" sz="2000" i="1">
+              <a:rPr lang="en-US" altLang="ja-JP" sz="2000" i="1" dirty="0">
                 <a:latin typeface="Century Schoolbook" panose="02040604050505020304" pitchFamily="18" charset="0"/>
                 <a:ea typeface="メイリオ" panose="020B0604030504040204" pitchFamily="50" charset="-128"/>
               </a:rPr>
               <a:t> P</a:t>
             </a:r>
             <a:r>
-              <a:rPr lang="en-US" altLang="ja-JP" sz="2000">
+              <a:rPr lang="en-US" altLang="ja-JP" sz="2000" dirty="0">
                 <a:latin typeface="Century Schoolbook" panose="02040604050505020304" pitchFamily="18" charset="0"/>
                 <a:ea typeface="メイリオ" panose="020B0604030504040204" pitchFamily="50" charset="-128"/>
               </a:rPr>
               <a:t>(</a:t>
             </a:r>
             <a:r>
-              <a:rPr lang="en-US" altLang="ja-JP" sz="2000" b="1" i="1">
+              <a:rPr lang="en-US" altLang="ja-JP" sz="2000" b="1" i="1" dirty="0">
                 <a:latin typeface="Century Schoolbook" panose="02040604050505020304" pitchFamily="18" charset="0"/>
                 <a:ea typeface="メイリオ" panose="020B0604030504040204" pitchFamily="50" charset="-128"/>
               </a:rPr>
               <a:t>X</a:t>
             </a:r>
             <a:r>
-              <a:rPr lang="en-US" altLang="ja-JP" sz="2000" i="1">
+              <a:rPr lang="en-US" altLang="ja-JP" sz="2000" i="1" dirty="0">
                 <a:latin typeface="Century Schoolbook" panose="02040604050505020304" pitchFamily="18" charset="0"/>
                 <a:ea typeface="メイリオ" panose="020B0604030504040204" pitchFamily="50" charset="-128"/>
               </a:rPr>
               <a:t>|</a:t>
             </a:r>
             <a:r>
-              <a:rPr lang="en-US" altLang="ja-JP" sz="2000" b="1" i="1">
+              <a:rPr lang="en-US" altLang="ja-JP" sz="2000" b="1" i="1" dirty="0">
                 <a:latin typeface="Century Schoolbook" panose="02040604050505020304" pitchFamily="18" charset="0"/>
                 <a:ea typeface="メイリオ" panose="020B0604030504040204" pitchFamily="50" charset="-128"/>
               </a:rPr>
               <a:t>W</a:t>
             </a:r>
             <a:r>
-              <a:rPr lang="en-US" altLang="ja-JP" sz="2000">
+              <a:rPr lang="en-US" altLang="ja-JP" sz="2000" dirty="0">
                 <a:latin typeface="Century Schoolbook" panose="02040604050505020304" pitchFamily="18" charset="0"/>
                 <a:ea typeface="メイリオ" panose="020B0604030504040204" pitchFamily="50" charset="-128"/>
               </a:rPr>
               <a:t>)</a:t>
             </a:r>
             <a:r>
-              <a:rPr lang="en-US" altLang="ja-JP" sz="2000" i="1">
+              <a:rPr lang="en-US" altLang="ja-JP" sz="2000" i="1" dirty="0">
                 <a:latin typeface="Century Schoolbook" panose="02040604050505020304" pitchFamily="18" charset="0"/>
                 <a:ea typeface="メイリオ" panose="020B0604030504040204" pitchFamily="50" charset="-128"/>
               </a:rPr>
               <a:t>P</a:t>
             </a:r>
             <a:r>
-              <a:rPr lang="en-US" altLang="ja-JP" sz="2000">
+              <a:rPr lang="en-US" altLang="ja-JP" sz="2000" dirty="0">
                 <a:latin typeface="Century Schoolbook" panose="02040604050505020304" pitchFamily="18" charset="0"/>
                 <a:ea typeface="メイリオ" panose="020B0604030504040204" pitchFamily="50" charset="-128"/>
               </a:rPr>
               <a:t>(</a:t>
             </a:r>
             <a:r>
-              <a:rPr lang="en-US" altLang="ja-JP" sz="2000" b="1" i="1">
+              <a:rPr lang="en-US" altLang="ja-JP" sz="2000" b="1" i="1" dirty="0">
                 <a:latin typeface="Century Schoolbook" panose="02040604050505020304" pitchFamily="18" charset="0"/>
                 <a:ea typeface="メイリオ" panose="020B0604030504040204" pitchFamily="50" charset="-128"/>
               </a:rPr>
               <a:t>W</a:t>
             </a:r>
             <a:r>
-              <a:rPr lang="en-US" altLang="ja-JP" sz="2000">
+              <a:rPr lang="en-US" altLang="ja-JP" sz="2000" dirty="0">
                 <a:latin typeface="Century Schoolbook" panose="02040604050505020304" pitchFamily="18" charset="0"/>
                 <a:ea typeface="メイリオ" panose="020B0604030504040204" pitchFamily="50" charset="-128"/>
               </a:rPr>
               <a:t>) </a:t>
             </a:r>
             <a:r>
-              <a:rPr kumimoji="1" lang="ja-JP" altLang="en-US" sz="2000">
+              <a:rPr lang="ja-JP" altLang="en-US" sz="2000" dirty="0">
                 <a:latin typeface="メイリオ" panose="020B0604030504040204" pitchFamily="50" charset="-128"/>
                 <a:ea typeface="メイリオ" panose="020B0604030504040204" pitchFamily="50" charset="-128"/>
               </a:rPr>
               <a:t>を小さくすればよい</a:t>
             </a:r>
             <a:br>
-              <a:rPr kumimoji="1" lang="en-US" altLang="ja-JP" sz="2000">
+              <a:rPr lang="en-US" altLang="ja-JP" sz="2000" dirty="0">
                 <a:latin typeface="メイリオ" panose="020B0604030504040204" pitchFamily="50" charset="-128"/>
                 <a:ea typeface="メイリオ" panose="020B0604030504040204" pitchFamily="50" charset="-128"/>
               </a:rPr>
             </a:br>
             <a:r>
-              <a:rPr kumimoji="1" lang="ja-JP" altLang="en-US" sz="2000">
+              <a:rPr lang="ja-JP" altLang="en-US" sz="2000" dirty="0">
                 <a:latin typeface="メイリオ" panose="020B0604030504040204" pitchFamily="50" charset="-128"/>
                 <a:ea typeface="メイリオ" panose="020B0604030504040204" pitchFamily="50" charset="-128"/>
               </a:rPr>
               <a:t>→ 正解以外の単語列に対して</a:t>
             </a:r>
             <a:r>
-              <a:rPr lang="en-US" altLang="ja-JP" sz="2000" i="1">
+              <a:rPr lang="en-US" altLang="ja-JP" sz="2000" i="1" dirty="0">
                 <a:latin typeface="Century Schoolbook" panose="02040604050505020304" pitchFamily="18" charset="0"/>
                 <a:ea typeface="メイリオ" panose="020B0604030504040204" pitchFamily="50" charset="-128"/>
               </a:rPr>
               <a:t> P</a:t>
             </a:r>
             <a:r>
-              <a:rPr lang="en-US" altLang="ja-JP" sz="2000">
+              <a:rPr lang="en-US" altLang="ja-JP" sz="2000" dirty="0">
                 <a:latin typeface="Century Schoolbook" panose="02040604050505020304" pitchFamily="18" charset="0"/>
                 <a:ea typeface="メイリオ" panose="020B0604030504040204" pitchFamily="50" charset="-128"/>
               </a:rPr>
               <a:t>(</a:t>
             </a:r>
             <a:r>
-              <a:rPr lang="en-US" altLang="ja-JP" sz="2000" b="1" i="1">
+              <a:rPr lang="en-US" altLang="ja-JP" sz="2000" b="1" i="1" dirty="0">
                 <a:latin typeface="Century Schoolbook" panose="02040604050505020304" pitchFamily="18" charset="0"/>
                 <a:ea typeface="メイリオ" panose="020B0604030504040204" pitchFamily="50" charset="-128"/>
               </a:rPr>
               <a:t>X</a:t>
             </a:r>
             <a:r>
-              <a:rPr lang="en-US" altLang="ja-JP" sz="2000" i="1">
+              <a:rPr lang="en-US" altLang="ja-JP" sz="2000" i="1" dirty="0">
                 <a:latin typeface="Century Schoolbook" panose="02040604050505020304" pitchFamily="18" charset="0"/>
                 <a:ea typeface="メイリオ" panose="020B0604030504040204" pitchFamily="50" charset="-128"/>
               </a:rPr>
               <a:t>|</a:t>
             </a:r>
             <a:r>
-              <a:rPr lang="en-US" altLang="ja-JP" sz="2000" b="1" i="1">
+              <a:rPr lang="en-US" altLang="ja-JP" sz="2000" b="1" i="1" dirty="0">
                 <a:latin typeface="Century Schoolbook" panose="02040604050505020304" pitchFamily="18" charset="0"/>
                 <a:ea typeface="メイリオ" panose="020B0604030504040204" pitchFamily="50" charset="-128"/>
               </a:rPr>
               <a:t>W</a:t>
             </a:r>
             <a:r>
-              <a:rPr lang="en-US" altLang="ja-JP" sz="2000">
+              <a:rPr lang="en-US" altLang="ja-JP" sz="2000" dirty="0">
                 <a:latin typeface="Century Schoolbook" panose="02040604050505020304" pitchFamily="18" charset="0"/>
                 <a:ea typeface="メイリオ" panose="020B0604030504040204" pitchFamily="50" charset="-128"/>
               </a:rPr>
               <a:t>)</a:t>
             </a:r>
             <a:r>
-              <a:rPr lang="ja-JP" altLang="en-US" sz="2000">
+              <a:rPr lang="ja-JP" altLang="en-US" sz="2000" dirty="0">
                 <a:latin typeface="Century Schoolbook" panose="02040604050505020304" pitchFamily="18" charset="0"/>
                 <a:ea typeface="メイリオ" panose="020B0604030504040204" pitchFamily="50" charset="-128"/>
               </a:rPr>
               <a:t> </a:t>
             </a:r>
             <a:r>
-              <a:rPr kumimoji="1" lang="ja-JP" altLang="en-US" sz="2000">
+              <a:rPr lang="ja-JP" altLang="en-US" sz="2000" dirty="0">
                 <a:latin typeface="メイリオ" panose="020B0604030504040204" pitchFamily="50" charset="-128"/>
                 <a:ea typeface="メイリオ" panose="020B0604030504040204" pitchFamily="50" charset="-128"/>
               </a:rPr>
               <a:t>が小さくなるように学習</a:t>
             </a:r>
-            <a:endParaRPr kumimoji="1" lang="en-US" altLang="ja-JP" sz="2000">
+            <a:endParaRPr lang="en-US" altLang="ja-JP" sz="2000" dirty="0">
               <a:latin typeface="メイリオ" panose="020B0604030504040204" pitchFamily="50" charset="-128"/>
               <a:ea typeface="メイリオ" panose="020B0604030504040204" pitchFamily="50" charset="-128"/>
             </a:endParaRPr>
@@ -5320,15 +5251,21 @@
               <a:lnSpc>
                 <a:spcPct val="100000"/>
               </a:lnSpc>
+              <a:spcBef>
+                <a:spcPts val="600"/>
+              </a:spcBef>
+              <a:spcAft>
+                <a:spcPts val="600"/>
+              </a:spcAft>
             </a:pPr>
             <a:r>
-              <a:rPr lang="zh-TW" altLang="en-US">
+              <a:rPr lang="zh-TW" altLang="en-US" dirty="0">
                 <a:latin typeface="メイリオ" panose="020B0604030504040204" pitchFamily="50" charset="-128"/>
                 <a:ea typeface="メイリオ" panose="020B0604030504040204" pitchFamily="50" charset="-128"/>
               </a:rPr>
               <a:t>相互情報量最大化基準</a:t>
             </a:r>
-            <a:endParaRPr lang="en-US" altLang="ja-JP">
+            <a:endParaRPr lang="en-US" altLang="ja-JP" dirty="0">
               <a:latin typeface="メイリオ" panose="020B0604030504040204" pitchFamily="50" charset="-128"/>
               <a:ea typeface="メイリオ" panose="020B0604030504040204" pitchFamily="50" charset="-128"/>
             </a:endParaRPr>
@@ -5357,7 +5294,7 @@
         </p:blipFill>
         <p:spPr>
           <a:xfrm>
-            <a:off x="1455040" y="1762290"/>
+            <a:off x="2254836" y="1830854"/>
             <a:ext cx="6985359" cy="736898"/>
           </a:xfrm>
           <a:prstGeom prst="rect">
@@ -5387,7 +5324,7 @@
         </p:blipFill>
         <p:spPr>
           <a:xfrm>
-            <a:off x="1324336" y="4502044"/>
+            <a:off x="2343587" y="4773709"/>
             <a:ext cx="4636556" cy="1361612"/>
           </a:xfrm>
           <a:prstGeom prst="rect">
@@ -5409,8 +5346,8 @@
         </p:nvSpPr>
         <p:spPr>
           <a:xfrm>
-            <a:off x="6526092" y="4992850"/>
-            <a:ext cx="1914307" cy="923330"/>
+            <a:off x="7640442" y="5328267"/>
+            <a:ext cx="3412825" cy="646331"/>
           </a:xfrm>
           <a:prstGeom prst="rect">
             <a:avLst/>
@@ -5418,71 +5355,58 @@
           <a:noFill/>
         </p:spPr>
         <p:txBody>
-          <a:bodyPr wrap="none" rtlCol="0">
+          <a:bodyPr wrap="square" rtlCol="0">
             <a:spAutoFit/>
           </a:bodyPr>
           <a:lstStyle/>
           <a:p>
             <a:r>
-              <a:rPr lang="ja-JP" altLang="en-US">
+              <a:rPr lang="ja-JP" altLang="en-US" dirty="0">
                 <a:latin typeface="メイリオ" panose="020B0604030504040204" pitchFamily="50" charset="-128"/>
                 <a:ea typeface="メイリオ" panose="020B0604030504040204" pitchFamily="50" charset="-128"/>
               </a:rPr>
               <a:t>　</a:t>
             </a:r>
             <a:r>
-              <a:rPr lang="en-US" altLang="ja-JP">
+              <a:rPr lang="en-US" altLang="ja-JP" dirty="0">
                 <a:latin typeface="メイリオ" panose="020B0604030504040204" pitchFamily="50" charset="-128"/>
                 <a:ea typeface="メイリオ" panose="020B0604030504040204" pitchFamily="50" charset="-128"/>
               </a:rPr>
               <a:t> : </a:t>
             </a:r>
             <a:r>
-              <a:rPr lang="ja-JP" altLang="en-US">
+              <a:rPr lang="ja-JP" altLang="en-US" dirty="0">
                 <a:latin typeface="メイリオ" panose="020B0604030504040204" pitchFamily="50" charset="-128"/>
                 <a:ea typeface="メイリオ" panose="020B0604030504040204" pitchFamily="50" charset="-128"/>
               </a:rPr>
               <a:t>対立仮説</a:t>
             </a:r>
-            <a:endParaRPr lang="en-US" altLang="ja-JP">
+            <a:endParaRPr lang="en-US" altLang="ja-JP" dirty="0">
               <a:latin typeface="メイリオ" panose="020B0604030504040204" pitchFamily="50" charset="-128"/>
               <a:ea typeface="メイリオ" panose="020B0604030504040204" pitchFamily="50" charset="-128"/>
             </a:endParaRPr>
           </a:p>
           <a:p>
             <a:r>
-              <a:rPr lang="en-US" altLang="ja-JP" i="1">
+              <a:rPr lang="en-US" altLang="ja-JP" i="1" dirty="0">
                 <a:latin typeface="Century Schoolbook" panose="02040604050505020304" pitchFamily="18" charset="0"/>
                 <a:ea typeface="メイリオ" panose="020B0604030504040204" pitchFamily="50" charset="-128"/>
               </a:rPr>
               <a:t>r </a:t>
             </a:r>
             <a:r>
-              <a:rPr lang="en-US" altLang="ja-JP">
+              <a:rPr lang="en-US" altLang="ja-JP" dirty="0">
                 <a:latin typeface="メイリオ" panose="020B0604030504040204" pitchFamily="50" charset="-128"/>
                 <a:ea typeface="メイリオ" panose="020B0604030504040204" pitchFamily="50" charset="-128"/>
               </a:rPr>
               <a:t>: </a:t>
             </a:r>
             <a:r>
-              <a:rPr lang="ja-JP" altLang="en-US">
-                <a:latin typeface="メイリオ" panose="020B0604030504040204" pitchFamily="50" charset="-128"/>
-                <a:ea typeface="メイリオ" panose="020B0604030504040204" pitchFamily="50" charset="-128"/>
-              </a:rPr>
-              <a:t>学習データの</a:t>
-            </a:r>
-            <a:endParaRPr lang="en-US" altLang="ja-JP">
-              <a:latin typeface="メイリオ" panose="020B0604030504040204" pitchFamily="50" charset="-128"/>
-              <a:ea typeface="メイリオ" panose="020B0604030504040204" pitchFamily="50" charset="-128"/>
-            </a:endParaRPr>
-          </a:p>
-          <a:p>
-            <a:r>
-              <a:rPr lang="ja-JP" altLang="en-US">
-                <a:latin typeface="メイリオ" panose="020B0604030504040204" pitchFamily="50" charset="-128"/>
-                <a:ea typeface="メイリオ" panose="020B0604030504040204" pitchFamily="50" charset="-128"/>
-              </a:rPr>
-              <a:t>　 インデックス</a:t>
+              <a:rPr lang="ja-JP" altLang="en-US" dirty="0">
+                <a:latin typeface="メイリオ" panose="020B0604030504040204" pitchFamily="50" charset="-128"/>
+                <a:ea typeface="メイリオ" panose="020B0604030504040204" pitchFamily="50" charset="-128"/>
+              </a:rPr>
+              <a:t>学習データのインデックス</a:t>
             </a:r>
           </a:p>
         </p:txBody>
@@ -5509,7 +5433,7 @@
         </p:blipFill>
         <p:spPr>
           <a:xfrm>
-            <a:off x="6574134" y="5030325"/>
+            <a:off x="7710430" y="5367856"/>
             <a:ext cx="285815" cy="214549"/>
           </a:xfrm>
           <a:prstGeom prst="rect">
@@ -5565,8 +5489,8 @@
         </p:nvSpPr>
         <p:spPr>
           <a:xfrm>
-            <a:off x="628650" y="365127"/>
-            <a:ext cx="7886700" cy="961504"/>
+            <a:off x="660349" y="458362"/>
+            <a:ext cx="7886700" cy="647067"/>
           </a:xfrm>
         </p:spPr>
         <p:txBody>
@@ -5576,7 +5500,7 @@
           <a:lstStyle/>
           <a:p>
             <a:r>
-              <a:rPr lang="en-US" altLang="ja-JP">
+              <a:rPr lang="en-US" altLang="ja-JP" dirty="0">
                 <a:solidFill>
                   <a:schemeClr val="accent1"/>
                 </a:solidFill>
@@ -5586,7 +5510,7 @@
               <a:t>7.3 </a:t>
             </a:r>
             <a:r>
-              <a:rPr lang="ja-JP" altLang="en-US">
+              <a:rPr lang="ja-JP" altLang="en-US" dirty="0">
                 <a:solidFill>
                   <a:schemeClr val="accent1"/>
                 </a:solidFill>
@@ -5595,7 +5519,7 @@
               </a:rPr>
               <a:t>深層学習</a:t>
             </a:r>
-            <a:endParaRPr kumimoji="1" lang="ja-JP" altLang="en-US">
+            <a:endParaRPr kumimoji="1" lang="ja-JP" altLang="en-US" dirty="0">
               <a:solidFill>
                 <a:schemeClr val="accent1"/>
               </a:solidFill>
@@ -5623,8 +5547,8 @@
         </p:nvSpPr>
         <p:spPr>
           <a:xfrm>
-            <a:off x="628650" y="1326631"/>
-            <a:ext cx="8028170" cy="4850332"/>
+            <a:off x="775411" y="1326631"/>
+            <a:ext cx="10446106" cy="4850332"/>
           </a:xfrm>
         </p:spPr>
         <p:txBody>
@@ -5639,20 +5563,20 @@
               </a:lnSpc>
             </a:pPr>
             <a:r>
-              <a:rPr kumimoji="1" lang="en-US" altLang="ja-JP">
+              <a:rPr kumimoji="1" lang="en-US" altLang="ja-JP" dirty="0">
                 <a:latin typeface="メイリオ" panose="020B0604030504040204" pitchFamily="50" charset="-128"/>
                 <a:ea typeface="メイリオ" panose="020B0604030504040204" pitchFamily="50" charset="-128"/>
               </a:rPr>
               <a:t>DNN-HMM</a:t>
             </a:r>
             <a:r>
-              <a:rPr kumimoji="1" lang="ja-JP" altLang="en-US">
+              <a:rPr kumimoji="1" lang="ja-JP" altLang="en-US" dirty="0">
                 <a:latin typeface="メイリオ" panose="020B0604030504040204" pitchFamily="50" charset="-128"/>
                 <a:ea typeface="メイリオ" panose="020B0604030504040204" pitchFamily="50" charset="-128"/>
               </a:rPr>
               <a:t>法</a:t>
             </a:r>
-            <a:endParaRPr kumimoji="1" lang="en-US" altLang="ja-JP">
+            <a:endParaRPr kumimoji="1" lang="en-US" altLang="ja-JP" dirty="0">
               <a:latin typeface="メイリオ" panose="020B0604030504040204" pitchFamily="50" charset="-128"/>
               <a:ea typeface="メイリオ" panose="020B0604030504040204" pitchFamily="50" charset="-128"/>
             </a:endParaRPr>
@@ -5664,118 +5588,118 @@
               </a:lnSpc>
             </a:pPr>
             <a:r>
-              <a:rPr lang="en-US" altLang="ja-JP">
+              <a:rPr lang="en-US" altLang="ja-JP" dirty="0">
                 <a:latin typeface="メイリオ" panose="020B0604030504040204" pitchFamily="50" charset="-128"/>
                 <a:ea typeface="メイリオ" panose="020B0604030504040204" pitchFamily="50" charset="-128"/>
               </a:rPr>
               <a:t>HMM</a:t>
             </a:r>
             <a:r>
-              <a:rPr lang="ja-JP" altLang="en-US">
+              <a:rPr lang="ja-JP" altLang="en-US" dirty="0">
                 <a:latin typeface="メイリオ" panose="020B0604030504040204" pitchFamily="50" charset="-128"/>
                 <a:ea typeface="メイリオ" panose="020B0604030504040204" pitchFamily="50" charset="-128"/>
               </a:rPr>
               <a:t>の各状態で特徴ベクトルを出力する確率 </a:t>
             </a:r>
             <a:r>
-              <a:rPr lang="en-US" altLang="ja-JP" i="1">
+              <a:rPr lang="en-US" altLang="ja-JP" i="1" dirty="0">
                 <a:latin typeface="Century Schoolbook" panose="02040604050505020304" pitchFamily="18" charset="0"/>
                 <a:ea typeface="メイリオ" panose="020B0604030504040204" pitchFamily="50" charset="-128"/>
               </a:rPr>
               <a:t>b</a:t>
             </a:r>
             <a:r>
-              <a:rPr lang="en-US" altLang="ja-JP" i="1" baseline="-25000">
+              <a:rPr lang="en-US" altLang="ja-JP" i="1" baseline="-25000" dirty="0">
                 <a:latin typeface="Century Schoolbook" panose="02040604050505020304" pitchFamily="18" charset="0"/>
                 <a:ea typeface="メイリオ" panose="020B0604030504040204" pitchFamily="50" charset="-128"/>
               </a:rPr>
               <a:t>i</a:t>
             </a:r>
             <a:r>
-              <a:rPr lang="en-US" altLang="ja-JP">
+              <a:rPr lang="en-US" altLang="ja-JP" dirty="0">
                 <a:latin typeface="Century Schoolbook" panose="02040604050505020304" pitchFamily="18" charset="0"/>
                 <a:ea typeface="メイリオ" panose="020B0604030504040204" pitchFamily="50" charset="-128"/>
               </a:rPr>
               <a:t>(</a:t>
             </a:r>
             <a:r>
-              <a:rPr lang="en-US" altLang="ja-JP" b="1" i="1">
+              <a:rPr lang="en-US" altLang="ja-JP" b="1" i="1" dirty="0">
                 <a:latin typeface="Century Schoolbook" panose="02040604050505020304" pitchFamily="18" charset="0"/>
                 <a:ea typeface="メイリオ" panose="020B0604030504040204" pitchFamily="50" charset="-128"/>
               </a:rPr>
               <a:t>x</a:t>
             </a:r>
             <a:r>
-              <a:rPr lang="en-US" altLang="ja-JP">
+              <a:rPr lang="en-US" altLang="ja-JP" dirty="0">
                 <a:latin typeface="Century Schoolbook" panose="02040604050505020304" pitchFamily="18" charset="0"/>
                 <a:ea typeface="メイリオ" panose="020B0604030504040204" pitchFamily="50" charset="-128"/>
               </a:rPr>
               <a:t>)</a:t>
             </a:r>
             <a:r>
-              <a:rPr lang="ja-JP" altLang="en-US" i="1">
+              <a:rPr lang="ja-JP" altLang="en-US" i="1" dirty="0">
                 <a:latin typeface="Century Schoolbook" panose="02040604050505020304" pitchFamily="18" charset="0"/>
                 <a:ea typeface="メイリオ" panose="020B0604030504040204" pitchFamily="50" charset="-128"/>
               </a:rPr>
               <a:t> </a:t>
             </a:r>
             <a:r>
-              <a:rPr lang="ja-JP" altLang="en-US">
+              <a:rPr lang="ja-JP" altLang="en-US" dirty="0">
                 <a:latin typeface="メイリオ" panose="020B0604030504040204" pitchFamily="50" charset="-128"/>
                 <a:ea typeface="メイリオ" panose="020B0604030504040204" pitchFamily="50" charset="-128"/>
               </a:rPr>
               <a:t>を </a:t>
             </a:r>
             <a:r>
-              <a:rPr lang="en-US" altLang="ja-JP" i="1">
+              <a:rPr lang="en-US" altLang="ja-JP" i="1" dirty="0">
                 <a:latin typeface="Century Schoolbook" panose="02040604050505020304" pitchFamily="18" charset="0"/>
                 <a:ea typeface="メイリオ" panose="020B0604030504040204" pitchFamily="50" charset="-128"/>
               </a:rPr>
               <a:t>p</a:t>
             </a:r>
             <a:r>
-              <a:rPr lang="en-US" altLang="ja-JP">
+              <a:rPr lang="en-US" altLang="ja-JP" dirty="0">
                 <a:latin typeface="Century Schoolbook" panose="02040604050505020304" pitchFamily="18" charset="0"/>
                 <a:ea typeface="メイリオ" panose="020B0604030504040204" pitchFamily="50" charset="-128"/>
               </a:rPr>
               <a:t>(</a:t>
             </a:r>
             <a:r>
-              <a:rPr lang="en-US" altLang="ja-JP" b="1" i="1">
+              <a:rPr lang="en-US" altLang="ja-JP" b="1" i="1" dirty="0" err="1">
                 <a:latin typeface="Century Schoolbook" panose="02040604050505020304" pitchFamily="18" charset="0"/>
                 <a:ea typeface="メイリオ" panose="020B0604030504040204" pitchFamily="50" charset="-128"/>
               </a:rPr>
               <a:t>x</a:t>
             </a:r>
             <a:r>
-              <a:rPr lang="en-US" altLang="ja-JP" i="1">
+              <a:rPr lang="en-US" altLang="ja-JP" i="1" dirty="0" err="1">
                 <a:latin typeface="Century Schoolbook" panose="02040604050505020304" pitchFamily="18" charset="0"/>
                 <a:ea typeface="メイリオ" panose="020B0604030504040204" pitchFamily="50" charset="-128"/>
               </a:rPr>
               <a:t>|s</a:t>
             </a:r>
             <a:r>
-              <a:rPr lang="en-US" altLang="ja-JP" i="1" baseline="-25000">
+              <a:rPr lang="en-US" altLang="ja-JP" i="1" baseline="-25000" dirty="0" err="1">
                 <a:latin typeface="Century Schoolbook" panose="02040604050505020304" pitchFamily="18" charset="0"/>
                 <a:ea typeface="メイリオ" panose="020B0604030504040204" pitchFamily="50" charset="-128"/>
               </a:rPr>
               <a:t>i</a:t>
             </a:r>
             <a:r>
-              <a:rPr lang="en-US" altLang="ja-JP">
+              <a:rPr lang="en-US" altLang="ja-JP" dirty="0">
                 <a:latin typeface="Century Schoolbook" panose="02040604050505020304" pitchFamily="18" charset="0"/>
                 <a:ea typeface="メイリオ" panose="020B0604030504040204" pitchFamily="50" charset="-128"/>
               </a:rPr>
               <a:t>)</a:t>
             </a:r>
             <a:r>
-              <a:rPr lang="ja-JP" altLang="en-US">
+              <a:rPr lang="ja-JP" altLang="en-US" dirty="0">
                 <a:latin typeface="メイリオ" panose="020B0604030504040204" pitchFamily="50" charset="-128"/>
                 <a:ea typeface="メイリオ" panose="020B0604030504040204" pitchFamily="50" charset="-128"/>
               </a:rPr>
               <a:t> と書き換え</a:t>
             </a:r>
-            <a:endParaRPr lang="en-US" altLang="ja-JP">
+            <a:endParaRPr lang="en-US" altLang="ja-JP" dirty="0">
               <a:latin typeface="メイリオ" panose="020B0604030504040204" pitchFamily="50" charset="-128"/>
               <a:ea typeface="メイリオ" panose="020B0604030504040204" pitchFamily="50" charset="-128"/>
             </a:endParaRPr>
@@ -5787,13 +5711,13 @@
               </a:lnSpc>
             </a:pPr>
             <a:r>
-              <a:rPr kumimoji="1" lang="ja-JP" altLang="en-US">
+              <a:rPr kumimoji="1" lang="ja-JP" altLang="en-US" dirty="0">
                 <a:latin typeface="メイリオ" panose="020B0604030504040204" pitchFamily="50" charset="-128"/>
                 <a:ea typeface="メイリオ" panose="020B0604030504040204" pitchFamily="50" charset="-128"/>
               </a:rPr>
               <a:t>ベイズの定理</a:t>
             </a:r>
-            <a:endParaRPr kumimoji="1" lang="en-US" altLang="ja-JP">
+            <a:endParaRPr kumimoji="1" lang="en-US" altLang="ja-JP" dirty="0">
               <a:latin typeface="メイリオ" panose="020B0604030504040204" pitchFamily="50" charset="-128"/>
               <a:ea typeface="メイリオ" panose="020B0604030504040204" pitchFamily="50" charset="-128"/>
             </a:endParaRPr>
@@ -5804,7 +5728,7 @@
                 <a:spcPct val="100000"/>
               </a:lnSpc>
             </a:pPr>
-            <a:endParaRPr lang="en-US" altLang="ja-JP">
+            <a:endParaRPr lang="en-US" altLang="ja-JP" dirty="0">
               <a:latin typeface="メイリオ" panose="020B0604030504040204" pitchFamily="50" charset="-128"/>
               <a:ea typeface="メイリオ" panose="020B0604030504040204" pitchFamily="50" charset="-128"/>
             </a:endParaRPr>
@@ -5815,7 +5739,7 @@
                 <a:spcPct val="100000"/>
               </a:lnSpc>
             </a:pPr>
-            <a:endParaRPr kumimoji="1" lang="en-US" altLang="ja-JP">
+            <a:endParaRPr kumimoji="1" lang="en-US" altLang="ja-JP" dirty="0">
               <a:latin typeface="メイリオ" panose="020B0604030504040204" pitchFamily="50" charset="-128"/>
               <a:ea typeface="メイリオ" panose="020B0604030504040204" pitchFamily="50" charset="-128"/>
             </a:endParaRPr>
@@ -5826,7 +5750,7 @@
                 <a:spcPct val="100000"/>
               </a:lnSpc>
             </a:pPr>
-            <a:endParaRPr lang="en-US" altLang="ja-JP">
+            <a:endParaRPr lang="en-US" altLang="ja-JP" dirty="0">
               <a:latin typeface="メイリオ" panose="020B0604030504040204" pitchFamily="50" charset="-128"/>
               <a:ea typeface="メイリオ" panose="020B0604030504040204" pitchFamily="50" charset="-128"/>
             </a:endParaRPr>
@@ -5837,7 +5761,7 @@
                 <a:spcPct val="100000"/>
               </a:lnSpc>
             </a:pPr>
-            <a:endParaRPr kumimoji="1" lang="en-US" altLang="ja-JP">
+            <a:endParaRPr kumimoji="1" lang="en-US" altLang="ja-JP" dirty="0">
               <a:latin typeface="メイリオ" panose="020B0604030504040204" pitchFamily="50" charset="-128"/>
               <a:ea typeface="メイリオ" panose="020B0604030504040204" pitchFamily="50" charset="-128"/>
             </a:endParaRPr>
@@ -5848,7 +5772,7 @@
                 <a:spcPct val="100000"/>
               </a:lnSpc>
             </a:pPr>
-            <a:endParaRPr lang="en-US" altLang="ja-JP">
+            <a:endParaRPr lang="en-US" altLang="ja-JP" dirty="0">
               <a:latin typeface="メイリオ" panose="020B0604030504040204" pitchFamily="50" charset="-128"/>
               <a:ea typeface="メイリオ" panose="020B0604030504040204" pitchFamily="50" charset="-128"/>
             </a:endParaRPr>
@@ -5860,42 +5784,42 @@
               </a:lnSpc>
             </a:pPr>
             <a:r>
-              <a:rPr lang="en-US" altLang="ja-JP" b="1" i="1">
+              <a:rPr lang="en-US" altLang="ja-JP" b="1" i="1" dirty="0">
                 <a:latin typeface="Century Schoolbook" panose="02040604050505020304" pitchFamily="18" charset="0"/>
                 <a:ea typeface="メイリオ" panose="020B0604030504040204" pitchFamily="50" charset="-128"/>
               </a:rPr>
               <a:t>x </a:t>
             </a:r>
             <a:r>
-              <a:rPr kumimoji="1" lang="ja-JP" altLang="en-US">
+              <a:rPr kumimoji="1" lang="ja-JP" altLang="en-US" dirty="0">
                 <a:latin typeface="メイリオ" panose="020B0604030504040204" pitchFamily="50" charset="-128"/>
                 <a:ea typeface="メイリオ" panose="020B0604030504040204" pitchFamily="50" charset="-128"/>
               </a:rPr>
               <a:t>は</a:t>
             </a:r>
             <a:r>
-              <a:rPr kumimoji="1" lang="en-US" altLang="ja-JP">
+              <a:rPr kumimoji="1" lang="en-US" altLang="ja-JP" dirty="0">
                 <a:latin typeface="メイリオ" panose="020B0604030504040204" pitchFamily="50" charset="-128"/>
                 <a:ea typeface="メイリオ" panose="020B0604030504040204" pitchFamily="50" charset="-128"/>
               </a:rPr>
               <a:t>MFCC</a:t>
             </a:r>
             <a:r>
-              <a:rPr kumimoji="1" lang="ja-JP" altLang="en-US">
+              <a:rPr kumimoji="1" lang="ja-JP" altLang="en-US" dirty="0">
                 <a:latin typeface="メイリオ" panose="020B0604030504040204" pitchFamily="50" charset="-128"/>
                 <a:ea typeface="メイリオ" panose="020B0604030504040204" pitchFamily="50" charset="-128"/>
               </a:rPr>
               <a:t>ではなく、メルフィルタバンクの出力（またはもとの音声信号）で特徴抽出も</a:t>
             </a:r>
             <a:r>
-              <a:rPr kumimoji="1" lang="en-US" altLang="ja-JP">
+              <a:rPr kumimoji="1" lang="en-US" altLang="ja-JP" dirty="0">
                 <a:latin typeface="メイリオ" panose="020B0604030504040204" pitchFamily="50" charset="-128"/>
                 <a:ea typeface="メイリオ" panose="020B0604030504040204" pitchFamily="50" charset="-128"/>
               </a:rPr>
               <a:t>DNN</a:t>
             </a:r>
             <a:r>
-              <a:rPr kumimoji="1" lang="ja-JP" altLang="en-US">
+              <a:rPr kumimoji="1" lang="ja-JP" altLang="en-US" dirty="0">
                 <a:latin typeface="メイリオ" panose="020B0604030504040204" pitchFamily="50" charset="-128"/>
                 <a:ea typeface="メイリオ" panose="020B0604030504040204" pitchFamily="50" charset="-128"/>
               </a:rPr>
@@ -5926,7 +5850,7 @@
         </p:blipFill>
         <p:spPr>
           <a:xfrm>
-            <a:off x="1925634" y="3279997"/>
+            <a:off x="3449634" y="3279997"/>
             <a:ext cx="3493912" cy="837652"/>
           </a:xfrm>
           <a:prstGeom prst="rect">
@@ -5948,7 +5872,7 @@
         </p:nvSpPr>
         <p:spPr>
           <a:xfrm>
-            <a:off x="5006715" y="4219732"/>
+            <a:off x="6530716" y="4219733"/>
             <a:ext cx="981855" cy="424707"/>
           </a:xfrm>
           <a:prstGeom prst="wedgeRectCallout">
@@ -5986,7 +5910,7 @@
           <a:p>
             <a:pPr algn="ctr"/>
             <a:r>
-              <a:rPr kumimoji="1" lang="ja-JP" altLang="en-US">
+              <a:rPr lang="ja-JP" altLang="en-US">
                 <a:solidFill>
                   <a:schemeClr val="tx1"/>
                 </a:solidFill>
@@ -6010,7 +5934,7 @@
         </p:nvSpPr>
         <p:spPr>
           <a:xfrm>
-            <a:off x="2323476" y="4432085"/>
+            <a:off x="3847476" y="4432086"/>
             <a:ext cx="1641422" cy="659923"/>
           </a:xfrm>
           <a:prstGeom prst="wedgeRectCallout">
@@ -6048,7 +5972,7 @@
           <a:p>
             <a:pPr algn="ctr"/>
             <a:r>
-              <a:rPr kumimoji="1" lang="ja-JP" altLang="en-US">
+              <a:rPr lang="ja-JP" altLang="en-US">
                 <a:solidFill>
                   <a:schemeClr val="tx1"/>
                 </a:solidFill>
@@ -6056,14 +5980,14 @@
               <a:t>学習データ</a:t>
             </a:r>
             <a:br>
-              <a:rPr kumimoji="1" lang="en-US" altLang="ja-JP">
+              <a:rPr lang="en-US" altLang="ja-JP">
                 <a:solidFill>
                   <a:schemeClr val="tx1"/>
                 </a:solidFill>
               </a:rPr>
             </a:br>
             <a:r>
-              <a:rPr kumimoji="1" lang="ja-JP" altLang="en-US">
+              <a:rPr lang="ja-JP" altLang="en-US">
                 <a:solidFill>
                   <a:schemeClr val="tx1"/>
                 </a:solidFill>
@@ -6087,7 +6011,7 @@
         </p:nvSpPr>
         <p:spPr>
           <a:xfrm>
-            <a:off x="4799351" y="2679146"/>
+            <a:off x="6323351" y="2679147"/>
             <a:ext cx="1641422" cy="496277"/>
           </a:xfrm>
           <a:prstGeom prst="wedgeRectCallout">
@@ -6125,7 +6049,7 @@
           <a:p>
             <a:pPr algn="ctr"/>
             <a:r>
-              <a:rPr kumimoji="1" lang="en-US" altLang="ja-JP">
+              <a:rPr lang="en-US" altLang="ja-JP">
                 <a:solidFill>
                   <a:schemeClr val="tx1"/>
                 </a:solidFill>
@@ -6133,7 +6057,7 @@
               <a:t>DNN</a:t>
             </a:r>
             <a:r>
-              <a:rPr kumimoji="1" lang="ja-JP" altLang="en-US">
+              <a:rPr lang="ja-JP" altLang="en-US">
                 <a:solidFill>
                   <a:schemeClr val="tx1"/>
                 </a:solidFill>
@@ -6191,7 +6115,7 @@
         </p:nvSpPr>
         <p:spPr>
           <a:xfrm>
-            <a:off x="628650" y="365127"/>
+            <a:off x="499415" y="401703"/>
             <a:ext cx="7886700" cy="961504"/>
           </a:xfrm>
         </p:spPr>
@@ -6202,7 +6126,7 @@
           <a:lstStyle/>
           <a:p>
             <a:r>
-              <a:rPr lang="en-US" altLang="ja-JP">
+              <a:rPr lang="en-US" altLang="ja-JP" dirty="0">
                 <a:solidFill>
                   <a:schemeClr val="accent1"/>
                 </a:solidFill>
@@ -6212,7 +6136,7 @@
               <a:t>7.3 </a:t>
             </a:r>
             <a:r>
-              <a:rPr lang="ja-JP" altLang="en-US">
+              <a:rPr lang="ja-JP" altLang="en-US" dirty="0">
                 <a:solidFill>
                   <a:schemeClr val="accent1"/>
                 </a:solidFill>
@@ -6221,7 +6145,7 @@
               </a:rPr>
               <a:t>深層学習</a:t>
             </a:r>
-            <a:endParaRPr kumimoji="1" lang="ja-JP" altLang="en-US">
+            <a:endParaRPr kumimoji="1" lang="ja-JP" altLang="en-US" dirty="0">
               <a:solidFill>
                 <a:schemeClr val="accent1"/>
               </a:solidFill>
@@ -6259,7 +6183,7 @@
         </p:blipFill>
         <p:spPr>
           <a:xfrm>
-            <a:off x="1814071" y="1061865"/>
+            <a:off x="3937917" y="718052"/>
             <a:ext cx="5283772" cy="5621725"/>
           </a:xfrm>
           <a:prstGeom prst="rect">
@@ -6283,7 +6207,7 @@
 <file path=ppt/theme/theme1.xml><?xml version="1.0" encoding="utf-8"?>
 <a:theme xmlns:a="http://schemas.openxmlformats.org/drawingml/2006/main" name="Office テーマ">
   <a:themeElements>
-    <a:clrScheme name="Office">
+    <a:clrScheme name="Office テーマ">
       <a:dk1>
         <a:sysClr val="windowText" lastClr="000000"/>
       </a:dk1>
@@ -6321,9 +6245,9 @@
         <a:srgbClr val="954F72"/>
       </a:folHlink>
     </a:clrScheme>
-    <a:fontScheme name="Office">
+    <a:fontScheme name="Office テーマ">
       <a:majorFont>
-        <a:latin typeface="游ゴシック Light" panose="020F0302020204030204"/>
+        <a:latin typeface="Calibri Light" panose="020F0302020204030204"/>
         <a:ea typeface=""/>
         <a:cs typeface=""/>
         <a:font script="Jpan" typeface="游ゴシック Light"/>
@@ -6356,26 +6280,9 @@
         <a:font script="Viet" typeface="Times New Roman"/>
         <a:font script="Uigh" typeface="Microsoft Uighur"/>
         <a:font script="Geor" typeface="Sylfaen"/>
-        <a:font script="Armn" typeface="Arial"/>
-        <a:font script="Bugi" typeface="Leelawadee UI"/>
-        <a:font script="Bopo" typeface="Microsoft JhengHei"/>
-        <a:font script="Java" typeface="Javanese Text"/>
-        <a:font script="Lisu" typeface="Segoe UI"/>
-        <a:font script="Mymr" typeface="Myanmar Text"/>
-        <a:font script="Nkoo" typeface="Ebrima"/>
-        <a:font script="Olck" typeface="Nirmala UI"/>
-        <a:font script="Osma" typeface="Ebrima"/>
-        <a:font script="Phag" typeface="Phagspa"/>
-        <a:font script="Syrn" typeface="Estrangelo Edessa"/>
-        <a:font script="Syrj" typeface="Estrangelo Edessa"/>
-        <a:font script="Syre" typeface="Estrangelo Edessa"/>
-        <a:font script="Sora" typeface="Nirmala UI"/>
-        <a:font script="Tale" typeface="Microsoft Tai Le"/>
-        <a:font script="Talu" typeface="Microsoft New Tai Lue"/>
-        <a:font script="Tfng" typeface="Ebrima"/>
       </a:majorFont>
       <a:minorFont>
-        <a:latin typeface="游ゴシック" panose="020F0502020204030204"/>
+        <a:latin typeface="Calibri" panose="020F0502020204030204"/>
         <a:ea typeface=""/>
         <a:cs typeface=""/>
         <a:font script="Jpan" typeface="游ゴシック"/>
@@ -6408,26 +6315,9 @@
         <a:font script="Viet" typeface="Arial"/>
         <a:font script="Uigh" typeface="Microsoft Uighur"/>
         <a:font script="Geor" typeface="Sylfaen"/>
-        <a:font script="Armn" typeface="Arial"/>
-        <a:font script="Bugi" typeface="Leelawadee UI"/>
-        <a:font script="Bopo" typeface="Microsoft JhengHei"/>
-        <a:font script="Java" typeface="Javanese Text"/>
-        <a:font script="Lisu" typeface="Segoe UI"/>
-        <a:font script="Mymr" typeface="Myanmar Text"/>
-        <a:font script="Nkoo" typeface="Ebrima"/>
-        <a:font script="Olck" typeface="Nirmala UI"/>
-        <a:font script="Osma" typeface="Ebrima"/>
-        <a:font script="Phag" typeface="Phagspa"/>
-        <a:font script="Syrn" typeface="Estrangelo Edessa"/>
-        <a:font script="Syrj" typeface="Estrangelo Edessa"/>
-        <a:font script="Syre" typeface="Estrangelo Edessa"/>
-        <a:font script="Sora" typeface="Nirmala UI"/>
-        <a:font script="Tale" typeface="Microsoft Tai Le"/>
-        <a:font script="Talu" typeface="Microsoft New Tai Lue"/>
-        <a:font script="Tfng" typeface="Ebrima"/>
       </a:minorFont>
     </a:fontScheme>
-    <a:fmtScheme name="Office">
+    <a:fmtScheme name="Office テーマ">
       <a:fillStyleLst>
         <a:solidFill>
           <a:schemeClr val="phClr"/>
@@ -6569,7 +6459,7 @@
   <a:extraClrSchemeLst/>
   <a:extLst>
     <a:ext uri="{05A4C25C-085E-4340-85A3-A5531E510DB2}">
-      <thm15:themeFamily xmlns:thm15="http://schemas.microsoft.com/office/thememl/2012/main" name="Office Theme" id="{62F939B6-93AF-4DB8-9C6B-D6C7DFDC589F}" vid="{4A3C46E8-61CC-4603-A589-7422A47A8E4A}"/>
+      <thm15:themeFamily xmlns:thm15="http://schemas.microsoft.com/office/thememl/2012/main" name="Office Theme 2013 - 2022" id="{62F939B6-93AF-4DB8-9C6B-D6C7DFDC589F}" vid="{4A3C46E8-61CC-4603-A589-7422A47A8E4A}"/>
     </a:ext>
   </a:extLst>
 </a:theme>
